--- a/Olist Brazilian E-commerce Presentation.pptx
+++ b/Olist Brazilian E-commerce Presentation.pptx
@@ -5,30 +5,37 @@
     <p:sldMasterId id="2147483648" r:id="rId4"/>
   </p:sldMasterIdLst>
   <p:notesMasterIdLst>
-    <p:notesMasterId r:id="rId23"/>
+    <p:notesMasterId r:id="rId30"/>
   </p:notesMasterIdLst>
   <p:handoutMasterIdLst>
-    <p:handoutMasterId r:id="rId24"/>
+    <p:handoutMasterId r:id="rId31"/>
   </p:handoutMasterIdLst>
   <p:sldIdLst>
     <p:sldId id="256" r:id="rId5"/>
     <p:sldId id="257" r:id="rId6"/>
     <p:sldId id="258" r:id="rId7"/>
     <p:sldId id="280" r:id="rId8"/>
-    <p:sldId id="286" r:id="rId9"/>
-    <p:sldId id="291" r:id="rId10"/>
-    <p:sldId id="287" r:id="rId11"/>
-    <p:sldId id="288" r:id="rId12"/>
-    <p:sldId id="289" r:id="rId13"/>
-    <p:sldId id="292" r:id="rId14"/>
-    <p:sldId id="290" r:id="rId15"/>
-    <p:sldId id="295" r:id="rId16"/>
-    <p:sldId id="293" r:id="rId17"/>
-    <p:sldId id="296" r:id="rId18"/>
-    <p:sldId id="294" r:id="rId19"/>
-    <p:sldId id="281" r:id="rId20"/>
-    <p:sldId id="284" r:id="rId21"/>
-    <p:sldId id="271" r:id="rId22"/>
+    <p:sldId id="297" r:id="rId9"/>
+    <p:sldId id="286" r:id="rId10"/>
+    <p:sldId id="300" r:id="rId11"/>
+    <p:sldId id="298" r:id="rId12"/>
+    <p:sldId id="287" r:id="rId13"/>
+    <p:sldId id="299" r:id="rId14"/>
+    <p:sldId id="291" r:id="rId15"/>
+    <p:sldId id="288" r:id="rId16"/>
+    <p:sldId id="301" r:id="rId17"/>
+    <p:sldId id="289" r:id="rId18"/>
+    <p:sldId id="292" r:id="rId19"/>
+    <p:sldId id="302" r:id="rId20"/>
+    <p:sldId id="303" r:id="rId21"/>
+    <p:sldId id="290" r:id="rId22"/>
+    <p:sldId id="295" r:id="rId23"/>
+    <p:sldId id="293" r:id="rId24"/>
+    <p:sldId id="296" r:id="rId25"/>
+    <p:sldId id="294" r:id="rId26"/>
+    <p:sldId id="281" r:id="rId27"/>
+    <p:sldId id="284" r:id="rId28"/>
+    <p:sldId id="271" r:id="rId29"/>
   </p:sldIdLst>
   <p:sldSz cx="12192000" cy="6858000"/>
   <p:notesSz cx="6858000" cy="9144000"/>
@@ -232,7 +239,7 @@
           <a:p>
             <a:fld id="{B56F32FC-4BD9-442A-A8C6-51598C909FE3}" type="datetimeFigureOut">
               <a:rPr lang="en-US" smtClean="0"/>
-              <a:t>3/23/2024</a:t>
+              <a:t>4/23/2024</a:t>
             </a:fld>
             <a:endParaRPr lang="en-US" dirty="0"/>
           </a:p>
@@ -409,7 +416,7 @@
           <a:p>
             <a:fld id="{056371FA-A98D-41E8-93F4-09945841298A}" type="datetimeFigureOut">
               <a:rPr lang="en-US" smtClean="0"/>
-              <a:t>3/23/2024</a:t>
+              <a:t>4/23/2024</a:t>
             </a:fld>
             <a:endParaRPr lang="en-US" dirty="0"/>
           </a:p>
@@ -834,7 +841,7 @@
     </p:spTree>
     <p:extLst>
       <p:ext uri="{BB962C8B-B14F-4D97-AF65-F5344CB8AC3E}">
-        <p14:creationId xmlns:p14="http://schemas.microsoft.com/office/powerpoint/2010/main" val="3619124370"/>
+        <p14:creationId xmlns:p14="http://schemas.microsoft.com/office/powerpoint/2010/main" val="2647402422"/>
       </p:ext>
     </p:extLst>
   </p:cSld>
@@ -918,7 +925,7 @@
     </p:spTree>
     <p:extLst>
       <p:ext uri="{BB962C8B-B14F-4D97-AF65-F5344CB8AC3E}">
-        <p14:creationId xmlns:p14="http://schemas.microsoft.com/office/powerpoint/2010/main" val="2895367232"/>
+        <p14:creationId xmlns:p14="http://schemas.microsoft.com/office/powerpoint/2010/main" val="3217382251"/>
       </p:ext>
     </p:extLst>
   </p:cSld>
@@ -1002,7 +1009,7 @@
     </p:spTree>
     <p:extLst>
       <p:ext uri="{BB962C8B-B14F-4D97-AF65-F5344CB8AC3E}">
-        <p14:creationId xmlns:p14="http://schemas.microsoft.com/office/powerpoint/2010/main" val="527517572"/>
+        <p14:creationId xmlns:p14="http://schemas.microsoft.com/office/powerpoint/2010/main" val="2048701345"/>
       </p:ext>
     </p:extLst>
   </p:cSld>
@@ -1086,7 +1093,7 @@
     </p:spTree>
     <p:extLst>
       <p:ext uri="{BB962C8B-B14F-4D97-AF65-F5344CB8AC3E}">
-        <p14:creationId xmlns:p14="http://schemas.microsoft.com/office/powerpoint/2010/main" val="3113763640"/>
+        <p14:creationId xmlns:p14="http://schemas.microsoft.com/office/powerpoint/2010/main" val="2557407545"/>
       </p:ext>
     </p:extLst>
   </p:cSld>
@@ -1170,7 +1177,7 @@
     </p:spTree>
     <p:extLst>
       <p:ext uri="{BB962C8B-B14F-4D97-AF65-F5344CB8AC3E}">
-        <p14:creationId xmlns:p14="http://schemas.microsoft.com/office/powerpoint/2010/main" val="3018501842"/>
+        <p14:creationId xmlns:p14="http://schemas.microsoft.com/office/powerpoint/2010/main" val="1600019522"/>
       </p:ext>
     </p:extLst>
   </p:cSld>
@@ -1254,7 +1261,7 @@
     </p:spTree>
     <p:extLst>
       <p:ext uri="{BB962C8B-B14F-4D97-AF65-F5344CB8AC3E}">
-        <p14:creationId xmlns:p14="http://schemas.microsoft.com/office/powerpoint/2010/main" val="175644087"/>
+        <p14:creationId xmlns:p14="http://schemas.microsoft.com/office/powerpoint/2010/main" val="3619124370"/>
       </p:ext>
     </p:extLst>
   </p:cSld>
@@ -1338,7 +1345,7 @@
     </p:spTree>
     <p:extLst>
       <p:ext uri="{BB962C8B-B14F-4D97-AF65-F5344CB8AC3E}">
-        <p14:creationId xmlns:p14="http://schemas.microsoft.com/office/powerpoint/2010/main" val="1025326889"/>
+        <p14:creationId xmlns:p14="http://schemas.microsoft.com/office/powerpoint/2010/main" val="1391038492"/>
       </p:ext>
     </p:extLst>
   </p:cSld>
@@ -1422,7 +1429,7 @@
     </p:spTree>
     <p:extLst>
       <p:ext uri="{BB962C8B-B14F-4D97-AF65-F5344CB8AC3E}">
-        <p14:creationId xmlns:p14="http://schemas.microsoft.com/office/powerpoint/2010/main" val="575465472"/>
+        <p14:creationId xmlns:p14="http://schemas.microsoft.com/office/powerpoint/2010/main" val="692286625"/>
       </p:ext>
     </p:extLst>
   </p:cSld>
@@ -1506,7 +1513,91 @@
     </p:spTree>
     <p:extLst>
       <p:ext uri="{BB962C8B-B14F-4D97-AF65-F5344CB8AC3E}">
-        <p14:creationId xmlns:p14="http://schemas.microsoft.com/office/powerpoint/2010/main" val="702683811"/>
+        <p14:creationId xmlns:p14="http://schemas.microsoft.com/office/powerpoint/2010/main" val="2895367232"/>
+      </p:ext>
+    </p:extLst>
+  </p:cSld>
+  <p:clrMapOvr>
+    <a:masterClrMapping/>
+  </p:clrMapOvr>
+</p:notes>
+</file>
+
+<file path=ppt/notesSlides/notesSlide19.xml><?xml version="1.0" encoding="utf-8"?>
+<p:notes xmlns:a="http://schemas.openxmlformats.org/drawingml/2006/main" xmlns:r="http://schemas.openxmlformats.org/officeDocument/2006/relationships" xmlns:p="http://schemas.openxmlformats.org/presentationml/2006/main">
+  <p:cSld>
+    <p:spTree>
+      <p:nvGrpSpPr>
+        <p:cNvPr id="1" name=""/>
+        <p:cNvGrpSpPr/>
+        <p:nvPr/>
+      </p:nvGrpSpPr>
+      <p:grpSpPr>
+        <a:xfrm>
+          <a:off x="0" y="0"/>
+          <a:ext cx="0" cy="0"/>
+          <a:chOff x="0" y="0"/>
+          <a:chExt cx="0" cy="0"/>
+        </a:xfrm>
+      </p:grpSpPr>
+      <p:sp>
+        <p:nvSpPr>
+          <p:cNvPr id="2" name="Slide Image Placeholder 1"/>
+          <p:cNvSpPr>
+            <a:spLocks noGrp="1" noRot="1" noChangeAspect="1"/>
+          </p:cNvSpPr>
+          <p:nvPr>
+            <p:ph type="sldImg"/>
+          </p:nvPr>
+        </p:nvSpPr>
+        <p:spPr/>
+      </p:sp>
+      <p:sp>
+        <p:nvSpPr>
+          <p:cNvPr id="3" name="Notes Placeholder 2"/>
+          <p:cNvSpPr>
+            <a:spLocks noGrp="1"/>
+          </p:cNvSpPr>
+          <p:nvPr>
+            <p:ph type="body" idx="1"/>
+          </p:nvPr>
+        </p:nvSpPr>
+        <p:spPr/>
+        <p:txBody>
+          <a:bodyPr/>
+          <a:lstStyle/>
+          <a:p>
+            <a:endParaRPr lang="en-US" dirty="0"/>
+          </a:p>
+        </p:txBody>
+      </p:sp>
+      <p:sp>
+        <p:nvSpPr>
+          <p:cNvPr id="4" name="Slide Number Placeholder 3"/>
+          <p:cNvSpPr>
+            <a:spLocks noGrp="1"/>
+          </p:cNvSpPr>
+          <p:nvPr>
+            <p:ph type="sldNum" sz="quarter" idx="5"/>
+          </p:nvPr>
+        </p:nvSpPr>
+        <p:spPr/>
+        <p:txBody>
+          <a:bodyPr/>
+          <a:lstStyle/>
+          <a:p>
+            <a:fld id="{22289C57-55D7-40A4-A101-E74FAC7A092B}" type="slidenum">
+              <a:rPr lang="en-US" smtClean="0"/>
+              <a:t>19</a:t>
+            </a:fld>
+            <a:endParaRPr lang="en-US" dirty="0"/>
+          </a:p>
+        </p:txBody>
+      </p:sp>
+    </p:spTree>
+    <p:extLst>
+      <p:ext uri="{BB962C8B-B14F-4D97-AF65-F5344CB8AC3E}">
+        <p14:creationId xmlns:p14="http://schemas.microsoft.com/office/powerpoint/2010/main" val="527517572"/>
       </p:ext>
     </p:extLst>
   </p:cSld>
@@ -1591,6 +1682,510 @@
     <p:extLst>
       <p:ext uri="{BB962C8B-B14F-4D97-AF65-F5344CB8AC3E}">
         <p14:creationId xmlns:p14="http://schemas.microsoft.com/office/powerpoint/2010/main" val="4040438963"/>
+      </p:ext>
+    </p:extLst>
+  </p:cSld>
+  <p:clrMapOvr>
+    <a:masterClrMapping/>
+  </p:clrMapOvr>
+</p:notes>
+</file>
+
+<file path=ppt/notesSlides/notesSlide20.xml><?xml version="1.0" encoding="utf-8"?>
+<p:notes xmlns:a="http://schemas.openxmlformats.org/drawingml/2006/main" xmlns:r="http://schemas.openxmlformats.org/officeDocument/2006/relationships" xmlns:p="http://schemas.openxmlformats.org/presentationml/2006/main">
+  <p:cSld>
+    <p:spTree>
+      <p:nvGrpSpPr>
+        <p:cNvPr id="1" name=""/>
+        <p:cNvGrpSpPr/>
+        <p:nvPr/>
+      </p:nvGrpSpPr>
+      <p:grpSpPr>
+        <a:xfrm>
+          <a:off x="0" y="0"/>
+          <a:ext cx="0" cy="0"/>
+          <a:chOff x="0" y="0"/>
+          <a:chExt cx="0" cy="0"/>
+        </a:xfrm>
+      </p:grpSpPr>
+      <p:sp>
+        <p:nvSpPr>
+          <p:cNvPr id="2" name="Slide Image Placeholder 1"/>
+          <p:cNvSpPr>
+            <a:spLocks noGrp="1" noRot="1" noChangeAspect="1"/>
+          </p:cNvSpPr>
+          <p:nvPr>
+            <p:ph type="sldImg"/>
+          </p:nvPr>
+        </p:nvSpPr>
+        <p:spPr/>
+      </p:sp>
+      <p:sp>
+        <p:nvSpPr>
+          <p:cNvPr id="3" name="Notes Placeholder 2"/>
+          <p:cNvSpPr>
+            <a:spLocks noGrp="1"/>
+          </p:cNvSpPr>
+          <p:nvPr>
+            <p:ph type="body" idx="1"/>
+          </p:nvPr>
+        </p:nvSpPr>
+        <p:spPr/>
+        <p:txBody>
+          <a:bodyPr/>
+          <a:lstStyle/>
+          <a:p>
+            <a:endParaRPr lang="en-US" dirty="0"/>
+          </a:p>
+        </p:txBody>
+      </p:sp>
+      <p:sp>
+        <p:nvSpPr>
+          <p:cNvPr id="4" name="Slide Number Placeholder 3"/>
+          <p:cNvSpPr>
+            <a:spLocks noGrp="1"/>
+          </p:cNvSpPr>
+          <p:nvPr>
+            <p:ph type="sldNum" sz="quarter" idx="5"/>
+          </p:nvPr>
+        </p:nvSpPr>
+        <p:spPr/>
+        <p:txBody>
+          <a:bodyPr/>
+          <a:lstStyle/>
+          <a:p>
+            <a:fld id="{22289C57-55D7-40A4-A101-E74FAC7A092B}" type="slidenum">
+              <a:rPr lang="en-US" smtClean="0"/>
+              <a:t>20</a:t>
+            </a:fld>
+            <a:endParaRPr lang="en-US" dirty="0"/>
+          </a:p>
+        </p:txBody>
+      </p:sp>
+    </p:spTree>
+    <p:extLst>
+      <p:ext uri="{BB962C8B-B14F-4D97-AF65-F5344CB8AC3E}">
+        <p14:creationId xmlns:p14="http://schemas.microsoft.com/office/powerpoint/2010/main" val="3113763640"/>
+      </p:ext>
+    </p:extLst>
+  </p:cSld>
+  <p:clrMapOvr>
+    <a:masterClrMapping/>
+  </p:clrMapOvr>
+</p:notes>
+</file>
+
+<file path=ppt/notesSlides/notesSlide21.xml><?xml version="1.0" encoding="utf-8"?>
+<p:notes xmlns:a="http://schemas.openxmlformats.org/drawingml/2006/main" xmlns:r="http://schemas.openxmlformats.org/officeDocument/2006/relationships" xmlns:p="http://schemas.openxmlformats.org/presentationml/2006/main">
+  <p:cSld>
+    <p:spTree>
+      <p:nvGrpSpPr>
+        <p:cNvPr id="1" name=""/>
+        <p:cNvGrpSpPr/>
+        <p:nvPr/>
+      </p:nvGrpSpPr>
+      <p:grpSpPr>
+        <a:xfrm>
+          <a:off x="0" y="0"/>
+          <a:ext cx="0" cy="0"/>
+          <a:chOff x="0" y="0"/>
+          <a:chExt cx="0" cy="0"/>
+        </a:xfrm>
+      </p:grpSpPr>
+      <p:sp>
+        <p:nvSpPr>
+          <p:cNvPr id="2" name="Slide Image Placeholder 1"/>
+          <p:cNvSpPr>
+            <a:spLocks noGrp="1" noRot="1" noChangeAspect="1"/>
+          </p:cNvSpPr>
+          <p:nvPr>
+            <p:ph type="sldImg"/>
+          </p:nvPr>
+        </p:nvSpPr>
+        <p:spPr/>
+      </p:sp>
+      <p:sp>
+        <p:nvSpPr>
+          <p:cNvPr id="3" name="Notes Placeholder 2"/>
+          <p:cNvSpPr>
+            <a:spLocks noGrp="1"/>
+          </p:cNvSpPr>
+          <p:nvPr>
+            <p:ph type="body" idx="1"/>
+          </p:nvPr>
+        </p:nvSpPr>
+        <p:spPr/>
+        <p:txBody>
+          <a:bodyPr/>
+          <a:lstStyle/>
+          <a:p>
+            <a:endParaRPr lang="en-US" dirty="0"/>
+          </a:p>
+        </p:txBody>
+      </p:sp>
+      <p:sp>
+        <p:nvSpPr>
+          <p:cNvPr id="4" name="Slide Number Placeholder 3"/>
+          <p:cNvSpPr>
+            <a:spLocks noGrp="1"/>
+          </p:cNvSpPr>
+          <p:nvPr>
+            <p:ph type="sldNum" sz="quarter" idx="5"/>
+          </p:nvPr>
+        </p:nvSpPr>
+        <p:spPr/>
+        <p:txBody>
+          <a:bodyPr/>
+          <a:lstStyle/>
+          <a:p>
+            <a:fld id="{22289C57-55D7-40A4-A101-E74FAC7A092B}" type="slidenum">
+              <a:rPr lang="en-US" smtClean="0"/>
+              <a:t>21</a:t>
+            </a:fld>
+            <a:endParaRPr lang="en-US" dirty="0"/>
+          </a:p>
+        </p:txBody>
+      </p:sp>
+    </p:spTree>
+    <p:extLst>
+      <p:ext uri="{BB962C8B-B14F-4D97-AF65-F5344CB8AC3E}">
+        <p14:creationId xmlns:p14="http://schemas.microsoft.com/office/powerpoint/2010/main" val="3018501842"/>
+      </p:ext>
+    </p:extLst>
+  </p:cSld>
+  <p:clrMapOvr>
+    <a:masterClrMapping/>
+  </p:clrMapOvr>
+</p:notes>
+</file>
+
+<file path=ppt/notesSlides/notesSlide22.xml><?xml version="1.0" encoding="utf-8"?>
+<p:notes xmlns:a="http://schemas.openxmlformats.org/drawingml/2006/main" xmlns:r="http://schemas.openxmlformats.org/officeDocument/2006/relationships" xmlns:p="http://schemas.openxmlformats.org/presentationml/2006/main">
+  <p:cSld>
+    <p:spTree>
+      <p:nvGrpSpPr>
+        <p:cNvPr id="1" name=""/>
+        <p:cNvGrpSpPr/>
+        <p:nvPr/>
+      </p:nvGrpSpPr>
+      <p:grpSpPr>
+        <a:xfrm>
+          <a:off x="0" y="0"/>
+          <a:ext cx="0" cy="0"/>
+          <a:chOff x="0" y="0"/>
+          <a:chExt cx="0" cy="0"/>
+        </a:xfrm>
+      </p:grpSpPr>
+      <p:sp>
+        <p:nvSpPr>
+          <p:cNvPr id="2" name="Slide Image Placeholder 1"/>
+          <p:cNvSpPr>
+            <a:spLocks noGrp="1" noRot="1" noChangeAspect="1"/>
+          </p:cNvSpPr>
+          <p:nvPr>
+            <p:ph type="sldImg"/>
+          </p:nvPr>
+        </p:nvSpPr>
+        <p:spPr/>
+      </p:sp>
+      <p:sp>
+        <p:nvSpPr>
+          <p:cNvPr id="3" name="Notes Placeholder 2"/>
+          <p:cNvSpPr>
+            <a:spLocks noGrp="1"/>
+          </p:cNvSpPr>
+          <p:nvPr>
+            <p:ph type="body" idx="1"/>
+          </p:nvPr>
+        </p:nvSpPr>
+        <p:spPr/>
+        <p:txBody>
+          <a:bodyPr/>
+          <a:lstStyle/>
+          <a:p>
+            <a:endParaRPr lang="en-US" dirty="0"/>
+          </a:p>
+        </p:txBody>
+      </p:sp>
+      <p:sp>
+        <p:nvSpPr>
+          <p:cNvPr id="4" name="Slide Number Placeholder 3"/>
+          <p:cNvSpPr>
+            <a:spLocks noGrp="1"/>
+          </p:cNvSpPr>
+          <p:nvPr>
+            <p:ph type="sldNum" sz="quarter" idx="5"/>
+          </p:nvPr>
+        </p:nvSpPr>
+        <p:spPr/>
+        <p:txBody>
+          <a:bodyPr/>
+          <a:lstStyle/>
+          <a:p>
+            <a:fld id="{22289C57-55D7-40A4-A101-E74FAC7A092B}" type="slidenum">
+              <a:rPr lang="en-US" smtClean="0"/>
+              <a:t>22</a:t>
+            </a:fld>
+            <a:endParaRPr lang="en-US" dirty="0"/>
+          </a:p>
+        </p:txBody>
+      </p:sp>
+    </p:spTree>
+    <p:extLst>
+      <p:ext uri="{BB962C8B-B14F-4D97-AF65-F5344CB8AC3E}">
+        <p14:creationId xmlns:p14="http://schemas.microsoft.com/office/powerpoint/2010/main" val="175644087"/>
+      </p:ext>
+    </p:extLst>
+  </p:cSld>
+  <p:clrMapOvr>
+    <a:masterClrMapping/>
+  </p:clrMapOvr>
+</p:notes>
+</file>
+
+<file path=ppt/notesSlides/notesSlide23.xml><?xml version="1.0" encoding="utf-8"?>
+<p:notes xmlns:a="http://schemas.openxmlformats.org/drawingml/2006/main" xmlns:r="http://schemas.openxmlformats.org/officeDocument/2006/relationships" xmlns:p="http://schemas.openxmlformats.org/presentationml/2006/main">
+  <p:cSld>
+    <p:spTree>
+      <p:nvGrpSpPr>
+        <p:cNvPr id="1" name=""/>
+        <p:cNvGrpSpPr/>
+        <p:nvPr/>
+      </p:nvGrpSpPr>
+      <p:grpSpPr>
+        <a:xfrm>
+          <a:off x="0" y="0"/>
+          <a:ext cx="0" cy="0"/>
+          <a:chOff x="0" y="0"/>
+          <a:chExt cx="0" cy="0"/>
+        </a:xfrm>
+      </p:grpSpPr>
+      <p:sp>
+        <p:nvSpPr>
+          <p:cNvPr id="2" name="Slide Image Placeholder 1"/>
+          <p:cNvSpPr>
+            <a:spLocks noGrp="1" noRot="1" noChangeAspect="1"/>
+          </p:cNvSpPr>
+          <p:nvPr>
+            <p:ph type="sldImg"/>
+          </p:nvPr>
+        </p:nvSpPr>
+        <p:spPr/>
+      </p:sp>
+      <p:sp>
+        <p:nvSpPr>
+          <p:cNvPr id="3" name="Notes Placeholder 2"/>
+          <p:cNvSpPr>
+            <a:spLocks noGrp="1"/>
+          </p:cNvSpPr>
+          <p:nvPr>
+            <p:ph type="body" idx="1"/>
+          </p:nvPr>
+        </p:nvSpPr>
+        <p:spPr/>
+        <p:txBody>
+          <a:bodyPr/>
+          <a:lstStyle/>
+          <a:p>
+            <a:endParaRPr lang="en-US" dirty="0"/>
+          </a:p>
+        </p:txBody>
+      </p:sp>
+      <p:sp>
+        <p:nvSpPr>
+          <p:cNvPr id="4" name="Slide Number Placeholder 3"/>
+          <p:cNvSpPr>
+            <a:spLocks noGrp="1"/>
+          </p:cNvSpPr>
+          <p:nvPr>
+            <p:ph type="sldNum" sz="quarter" idx="5"/>
+          </p:nvPr>
+        </p:nvSpPr>
+        <p:spPr/>
+        <p:txBody>
+          <a:bodyPr/>
+          <a:lstStyle/>
+          <a:p>
+            <a:fld id="{22289C57-55D7-40A4-A101-E74FAC7A092B}" type="slidenum">
+              <a:rPr lang="en-US" smtClean="0"/>
+              <a:t>23</a:t>
+            </a:fld>
+            <a:endParaRPr lang="en-US" dirty="0"/>
+          </a:p>
+        </p:txBody>
+      </p:sp>
+    </p:spTree>
+    <p:extLst>
+      <p:ext uri="{BB962C8B-B14F-4D97-AF65-F5344CB8AC3E}">
+        <p14:creationId xmlns:p14="http://schemas.microsoft.com/office/powerpoint/2010/main" val="1025326889"/>
+      </p:ext>
+    </p:extLst>
+  </p:cSld>
+  <p:clrMapOvr>
+    <a:masterClrMapping/>
+  </p:clrMapOvr>
+</p:notes>
+</file>
+
+<file path=ppt/notesSlides/notesSlide24.xml><?xml version="1.0" encoding="utf-8"?>
+<p:notes xmlns:a="http://schemas.openxmlformats.org/drawingml/2006/main" xmlns:r="http://schemas.openxmlformats.org/officeDocument/2006/relationships" xmlns:p="http://schemas.openxmlformats.org/presentationml/2006/main">
+  <p:cSld>
+    <p:spTree>
+      <p:nvGrpSpPr>
+        <p:cNvPr id="1" name=""/>
+        <p:cNvGrpSpPr/>
+        <p:nvPr/>
+      </p:nvGrpSpPr>
+      <p:grpSpPr>
+        <a:xfrm>
+          <a:off x="0" y="0"/>
+          <a:ext cx="0" cy="0"/>
+          <a:chOff x="0" y="0"/>
+          <a:chExt cx="0" cy="0"/>
+        </a:xfrm>
+      </p:grpSpPr>
+      <p:sp>
+        <p:nvSpPr>
+          <p:cNvPr id="2" name="Slide Image Placeholder 1"/>
+          <p:cNvSpPr>
+            <a:spLocks noGrp="1" noRot="1" noChangeAspect="1"/>
+          </p:cNvSpPr>
+          <p:nvPr>
+            <p:ph type="sldImg"/>
+          </p:nvPr>
+        </p:nvSpPr>
+        <p:spPr/>
+      </p:sp>
+      <p:sp>
+        <p:nvSpPr>
+          <p:cNvPr id="3" name="Notes Placeholder 2"/>
+          <p:cNvSpPr>
+            <a:spLocks noGrp="1"/>
+          </p:cNvSpPr>
+          <p:nvPr>
+            <p:ph type="body" idx="1"/>
+          </p:nvPr>
+        </p:nvSpPr>
+        <p:spPr/>
+        <p:txBody>
+          <a:bodyPr/>
+          <a:lstStyle/>
+          <a:p>
+            <a:endParaRPr lang="en-US" dirty="0"/>
+          </a:p>
+        </p:txBody>
+      </p:sp>
+      <p:sp>
+        <p:nvSpPr>
+          <p:cNvPr id="4" name="Slide Number Placeholder 3"/>
+          <p:cNvSpPr>
+            <a:spLocks noGrp="1"/>
+          </p:cNvSpPr>
+          <p:nvPr>
+            <p:ph type="sldNum" sz="quarter" idx="5"/>
+          </p:nvPr>
+        </p:nvSpPr>
+        <p:spPr/>
+        <p:txBody>
+          <a:bodyPr/>
+          <a:lstStyle/>
+          <a:p>
+            <a:fld id="{22289C57-55D7-40A4-A101-E74FAC7A092B}" type="slidenum">
+              <a:rPr lang="en-US" smtClean="0"/>
+              <a:t>24</a:t>
+            </a:fld>
+            <a:endParaRPr lang="en-US" dirty="0"/>
+          </a:p>
+        </p:txBody>
+      </p:sp>
+    </p:spTree>
+    <p:extLst>
+      <p:ext uri="{BB962C8B-B14F-4D97-AF65-F5344CB8AC3E}">
+        <p14:creationId xmlns:p14="http://schemas.microsoft.com/office/powerpoint/2010/main" val="575465472"/>
+      </p:ext>
+    </p:extLst>
+  </p:cSld>
+  <p:clrMapOvr>
+    <a:masterClrMapping/>
+  </p:clrMapOvr>
+</p:notes>
+</file>
+
+<file path=ppt/notesSlides/notesSlide25.xml><?xml version="1.0" encoding="utf-8"?>
+<p:notes xmlns:a="http://schemas.openxmlformats.org/drawingml/2006/main" xmlns:r="http://schemas.openxmlformats.org/officeDocument/2006/relationships" xmlns:p="http://schemas.openxmlformats.org/presentationml/2006/main">
+  <p:cSld>
+    <p:spTree>
+      <p:nvGrpSpPr>
+        <p:cNvPr id="1" name=""/>
+        <p:cNvGrpSpPr/>
+        <p:nvPr/>
+      </p:nvGrpSpPr>
+      <p:grpSpPr>
+        <a:xfrm>
+          <a:off x="0" y="0"/>
+          <a:ext cx="0" cy="0"/>
+          <a:chOff x="0" y="0"/>
+          <a:chExt cx="0" cy="0"/>
+        </a:xfrm>
+      </p:grpSpPr>
+      <p:sp>
+        <p:nvSpPr>
+          <p:cNvPr id="2" name="Slide Image Placeholder 1"/>
+          <p:cNvSpPr>
+            <a:spLocks noGrp="1" noRot="1" noChangeAspect="1"/>
+          </p:cNvSpPr>
+          <p:nvPr>
+            <p:ph type="sldImg"/>
+          </p:nvPr>
+        </p:nvSpPr>
+        <p:spPr/>
+      </p:sp>
+      <p:sp>
+        <p:nvSpPr>
+          <p:cNvPr id="3" name="Notes Placeholder 2"/>
+          <p:cNvSpPr>
+            <a:spLocks noGrp="1"/>
+          </p:cNvSpPr>
+          <p:nvPr>
+            <p:ph type="body" idx="1"/>
+          </p:nvPr>
+        </p:nvSpPr>
+        <p:spPr/>
+        <p:txBody>
+          <a:bodyPr/>
+          <a:lstStyle/>
+          <a:p>
+            <a:endParaRPr lang="en-US" dirty="0"/>
+          </a:p>
+        </p:txBody>
+      </p:sp>
+      <p:sp>
+        <p:nvSpPr>
+          <p:cNvPr id="4" name="Slide Number Placeholder 3"/>
+          <p:cNvSpPr>
+            <a:spLocks noGrp="1"/>
+          </p:cNvSpPr>
+          <p:nvPr>
+            <p:ph type="sldNum" sz="quarter" idx="5"/>
+          </p:nvPr>
+        </p:nvSpPr>
+        <p:spPr/>
+        <p:txBody>
+          <a:bodyPr/>
+          <a:lstStyle/>
+          <a:p>
+            <a:fld id="{22289C57-55D7-40A4-A101-E74FAC7A092B}" type="slidenum">
+              <a:rPr lang="en-US" smtClean="0"/>
+              <a:t>25</a:t>
+            </a:fld>
+            <a:endParaRPr lang="en-US" dirty="0"/>
+          </a:p>
+        </p:txBody>
+      </p:sp>
+    </p:spTree>
+    <p:extLst>
+      <p:ext uri="{BB962C8B-B14F-4D97-AF65-F5344CB8AC3E}">
+        <p14:creationId xmlns:p14="http://schemas.microsoft.com/office/powerpoint/2010/main" val="702683811"/>
       </p:ext>
     </p:extLst>
   </p:cSld>
@@ -1842,7 +2437,7 @@
     </p:spTree>
     <p:extLst>
       <p:ext uri="{BB962C8B-B14F-4D97-AF65-F5344CB8AC3E}">
-        <p14:creationId xmlns:p14="http://schemas.microsoft.com/office/powerpoint/2010/main" val="3427496012"/>
+        <p14:creationId xmlns:p14="http://schemas.microsoft.com/office/powerpoint/2010/main" val="3858338501"/>
       </p:ext>
     </p:extLst>
   </p:cSld>
@@ -1926,7 +2521,7 @@
     </p:spTree>
     <p:extLst>
       <p:ext uri="{BB962C8B-B14F-4D97-AF65-F5344CB8AC3E}">
-        <p14:creationId xmlns:p14="http://schemas.microsoft.com/office/powerpoint/2010/main" val="3217382251"/>
+        <p14:creationId xmlns:p14="http://schemas.microsoft.com/office/powerpoint/2010/main" val="3427496012"/>
       </p:ext>
     </p:extLst>
   </p:cSld>
@@ -2010,7 +2605,7 @@
     </p:spTree>
     <p:extLst>
       <p:ext uri="{BB962C8B-B14F-4D97-AF65-F5344CB8AC3E}">
-        <p14:creationId xmlns:p14="http://schemas.microsoft.com/office/powerpoint/2010/main" val="1891689711"/>
+        <p14:creationId xmlns:p14="http://schemas.microsoft.com/office/powerpoint/2010/main" val="3910680834"/>
       </p:ext>
     </p:extLst>
   </p:cSld>
@@ -2094,7 +2689,7 @@
     </p:spTree>
     <p:extLst>
       <p:ext uri="{BB962C8B-B14F-4D97-AF65-F5344CB8AC3E}">
-        <p14:creationId xmlns:p14="http://schemas.microsoft.com/office/powerpoint/2010/main" val="2048701345"/>
+        <p14:creationId xmlns:p14="http://schemas.microsoft.com/office/powerpoint/2010/main" val="2249730523"/>
       </p:ext>
     </p:extLst>
   </p:cSld>
@@ -2178,7 +2773,7 @@
     </p:spTree>
     <p:extLst>
       <p:ext uri="{BB962C8B-B14F-4D97-AF65-F5344CB8AC3E}">
-        <p14:creationId xmlns:p14="http://schemas.microsoft.com/office/powerpoint/2010/main" val="1600019522"/>
+        <p14:creationId xmlns:p14="http://schemas.microsoft.com/office/powerpoint/2010/main" val="1891689711"/>
       </p:ext>
     </p:extLst>
   </p:cSld>
@@ -7835,69 +8430,6 @@
           <p:cNvPr id="2" name="Title 1">
             <a:extLst>
               <a:ext uri="{FF2B5EF4-FFF2-40B4-BE49-F238E27FC236}">
-                <a16:creationId xmlns:a16="http://schemas.microsoft.com/office/drawing/2014/main" id="{566C97BE-403B-122E-90D1-2788978A0B6F}"/>
-              </a:ext>
-            </a:extLst>
-          </p:cNvPr>
-          <p:cNvSpPr>
-            <a:spLocks noGrp="1"/>
-          </p:cNvSpPr>
-          <p:nvPr>
-            <p:ph type="ctrTitle"/>
-          </p:nvPr>
-        </p:nvSpPr>
-        <p:spPr>
-          <a:xfrm>
-            <a:off x="6991350" y="406400"/>
-            <a:ext cx="4179570" cy="3457971"/>
-          </a:xfrm>
-        </p:spPr>
-        <p:txBody>
-          <a:bodyPr/>
-          <a:lstStyle/>
-          <a:p>
-            <a:r>
-              <a:rPr lang="en-US" dirty="0"/>
-              <a:t>Churn Analysis</a:t>
-            </a:r>
-          </a:p>
-        </p:txBody>
-      </p:sp>
-    </p:spTree>
-    <p:extLst>
-      <p:ext uri="{BB962C8B-B14F-4D97-AF65-F5344CB8AC3E}">
-        <p14:creationId xmlns:p14="http://schemas.microsoft.com/office/powerpoint/2010/main" val="168196349"/>
-      </p:ext>
-    </p:extLst>
-  </p:cSld>
-  <p:clrMapOvr>
-    <a:masterClrMapping/>
-  </p:clrMapOvr>
-</p:sld>
-</file>
-
-<file path=ppt/slides/slide11.xml><?xml version="1.0" encoding="utf-8"?>
-<p:sld xmlns:a="http://schemas.openxmlformats.org/drawingml/2006/main" xmlns:r="http://schemas.openxmlformats.org/officeDocument/2006/relationships" xmlns:p="http://schemas.openxmlformats.org/presentationml/2006/main">
-  <p:cSld>
-    <p:spTree>
-      <p:nvGrpSpPr>
-        <p:cNvPr id="1" name=""/>
-        <p:cNvGrpSpPr/>
-        <p:nvPr/>
-      </p:nvGrpSpPr>
-      <p:grpSpPr>
-        <a:xfrm>
-          <a:off x="0" y="0"/>
-          <a:ext cx="0" cy="0"/>
-          <a:chOff x="0" y="0"/>
-          <a:chExt cx="0" cy="0"/>
-        </a:xfrm>
-      </p:grpSpPr>
-      <p:sp>
-        <p:nvSpPr>
-          <p:cNvPr id="2" name="Title 1">
-            <a:extLst>
-              <a:ext uri="{FF2B5EF4-FFF2-40B4-BE49-F238E27FC236}">
                 <a16:creationId xmlns:a16="http://schemas.microsoft.com/office/drawing/2014/main" id="{0A32731C-311B-46F7-A865-6C3AF6B09A47}"/>
               </a:ext>
             </a:extLst>
@@ -7916,49 +8448,12 @@
           </a:xfrm>
         </p:spPr>
         <p:txBody>
-          <a:bodyPr>
-            <a:normAutofit/>
-          </a:bodyPr>
+          <a:bodyPr/>
           <a:lstStyle/>
           <a:p>
             <a:r>
               <a:rPr lang="en-US" dirty="0"/>
-              <a:t>Review score</a:t>
-            </a:r>
-          </a:p>
-        </p:txBody>
-      </p:sp>
-      <p:sp>
-        <p:nvSpPr>
-          <p:cNvPr id="3" name="Text Placeholder 2">
-            <a:extLst>
-              <a:ext uri="{FF2B5EF4-FFF2-40B4-BE49-F238E27FC236}">
-                <a16:creationId xmlns:a16="http://schemas.microsoft.com/office/drawing/2014/main" id="{9D5232F9-FD00-464A-9F17-619C91AEF8F3}"/>
-              </a:ext>
-            </a:extLst>
-          </p:cNvPr>
-          <p:cNvSpPr>
-            <a:spLocks noGrp="1"/>
-          </p:cNvSpPr>
-          <p:nvPr>
-            <p:ph sz="half" idx="2"/>
-          </p:nvPr>
-        </p:nvSpPr>
-        <p:spPr>
-          <a:xfrm>
-            <a:off x="496999" y="1764116"/>
-            <a:ext cx="4826264" cy="990179"/>
-          </a:xfrm>
-        </p:spPr>
-        <p:txBody>
-          <a:bodyPr>
-            <a:normAutofit/>
-          </a:bodyPr>
-          <a:lstStyle/>
-          <a:p>
-            <a:r>
-              <a:rPr lang="en-US" b="0" dirty="0"/>
-              <a:t>The review score was at its peak at the beginning, then dropped to around 4</a:t>
+              <a:t>Highest states</a:t>
             </a:r>
           </a:p>
         </p:txBody>
@@ -7992,7 +8487,7 @@
             <a:fld id="{A49DFD55-3C28-40EF-9E31-A92D2E4017FF}" type="slidenum">
               <a:rPr lang="en-US" smtClean="0"/>
               <a:pPr/>
-              <a:t>11</a:t>
+              <a:t>10</a:t>
             </a:fld>
             <a:endParaRPr lang="en-US" dirty="0"/>
           </a:p>
@@ -8000,10 +8495,10 @@
       </p:sp>
       <p:pic>
         <p:nvPicPr>
-          <p:cNvPr id="5122" name="Picture 2">
+          <p:cNvPr id="3076" name="Picture 4">
             <a:extLst>
               <a:ext uri="{FF2B5EF4-FFF2-40B4-BE49-F238E27FC236}">
-                <a16:creationId xmlns:a16="http://schemas.microsoft.com/office/drawing/2014/main" id="{B13EDC5B-45E2-9B98-706A-63F4A35EDC93}"/>
+                <a16:creationId xmlns:a16="http://schemas.microsoft.com/office/drawing/2014/main" id="{DBE4F746-80CA-4413-8323-391942E9BECC}"/>
               </a:ext>
             </a:extLst>
           </p:cNvPr>
@@ -8027,8 +8522,8 @@
         </p:blipFill>
         <p:spPr bwMode="auto">
           <a:xfrm>
-            <a:off x="6522926" y="3144611"/>
-            <a:ext cx="5172075" cy="3694339"/>
+            <a:off x="5305641" y="1349468"/>
+            <a:ext cx="6886359" cy="4918828"/>
           </a:xfrm>
           <a:prstGeom prst="rect">
             <a:avLst/>
@@ -8045,59 +8540,12 @@
           </a:extLst>
         </p:spPr>
       </p:pic>
-      <p:pic>
-        <p:nvPicPr>
-          <p:cNvPr id="5124" name="Picture 4">
+      <p:sp>
+        <p:nvSpPr>
+          <p:cNvPr id="4" name="Text Placeholder 2">
             <a:extLst>
               <a:ext uri="{FF2B5EF4-FFF2-40B4-BE49-F238E27FC236}">
-                <a16:creationId xmlns:a16="http://schemas.microsoft.com/office/drawing/2014/main" id="{79A8C14B-94E9-9B62-DAD7-E4A04335B39E}"/>
-              </a:ext>
-            </a:extLst>
-          </p:cNvPr>
-          <p:cNvPicPr>
-            <a:picLocks noChangeAspect="1" noChangeArrowheads="1"/>
-          </p:cNvPicPr>
-          <p:nvPr/>
-        </p:nvPicPr>
-        <p:blipFill>
-          <a:blip r:embed="rId4">
-            <a:extLst>
-              <a:ext uri="{28A0092B-C50C-407E-A947-70E740481C1C}">
-                <a14:useLocalDpi xmlns:a14="http://schemas.microsoft.com/office/drawing/2010/main" val="0"/>
-              </a:ext>
-            </a:extLst>
-          </a:blip>
-          <a:srcRect/>
-          <a:stretch>
-            <a:fillRect/>
-          </a:stretch>
-        </p:blipFill>
-        <p:spPr bwMode="auto">
-          <a:xfrm>
-            <a:off x="496999" y="3144612"/>
-            <a:ext cx="5172075" cy="3694339"/>
-          </a:xfrm>
-          <a:prstGeom prst="rect">
-            <a:avLst/>
-          </a:prstGeom>
-          <a:noFill/>
-          <a:extLst>
-            <a:ext uri="{909E8E84-426E-40DD-AFC4-6F175D3DCCD1}">
-              <a14:hiddenFill xmlns:a14="http://schemas.microsoft.com/office/drawing/2010/main">
-                <a:solidFill>
-                  <a:srgbClr val="FFFFFF"/>
-                </a:solidFill>
-              </a14:hiddenFill>
-            </a:ext>
-          </a:extLst>
-        </p:spPr>
-      </p:pic>
-      <p:sp>
-        <p:nvSpPr>
-          <p:cNvPr id="4" name="Text Placeholder 2">
-            <a:extLst>
-              <a:ext uri="{FF2B5EF4-FFF2-40B4-BE49-F238E27FC236}">
-                <a16:creationId xmlns:a16="http://schemas.microsoft.com/office/drawing/2014/main" id="{2676DCCC-18D8-ACC1-9A09-C4A140E5DC5B}"/>
+                <a16:creationId xmlns:a16="http://schemas.microsoft.com/office/drawing/2014/main" id="{B57C5704-67B0-3B55-91D1-D96EEAB5B03A}"/>
               </a:ext>
             </a:extLst>
           </p:cNvPr>
@@ -8108,8 +8556,8 @@
         </p:nvSpPr>
         <p:spPr>
           <a:xfrm>
-            <a:off x="6868739" y="1764115"/>
-            <a:ext cx="4826264" cy="990179"/>
+            <a:off x="1012741" y="2720079"/>
+            <a:ext cx="4807214" cy="799679"/>
           </a:xfrm>
           <a:prstGeom prst="rect">
             <a:avLst/>
@@ -8286,15 +8734,81 @@
           <a:p>
             <a:r>
               <a:rPr lang="en-US" b="0" dirty="0"/>
-              <a:t>The overall review score is 5</a:t>
-            </a:r>
+              <a:t>The highest states in purchasing quantities are SP, RJ, and MG</a:t>
+            </a:r>
+          </a:p>
+          <a:p>
+            <a:endParaRPr lang="en-US" b="0" dirty="0"/>
           </a:p>
         </p:txBody>
       </p:sp>
     </p:spTree>
     <p:extLst>
       <p:ext uri="{BB962C8B-B14F-4D97-AF65-F5344CB8AC3E}">
-        <p14:creationId xmlns:p14="http://schemas.microsoft.com/office/powerpoint/2010/main" val="3418865944"/>
+        <p14:creationId xmlns:p14="http://schemas.microsoft.com/office/powerpoint/2010/main" val="607771391"/>
+      </p:ext>
+    </p:extLst>
+  </p:cSld>
+  <p:clrMapOvr>
+    <a:masterClrMapping/>
+  </p:clrMapOvr>
+</p:sld>
+</file>
+
+<file path=ppt/slides/slide11.xml><?xml version="1.0" encoding="utf-8"?>
+<p:sld xmlns:a="http://schemas.openxmlformats.org/drawingml/2006/main" xmlns:r="http://schemas.openxmlformats.org/officeDocument/2006/relationships" xmlns:p="http://schemas.openxmlformats.org/presentationml/2006/main">
+  <p:cSld>
+    <p:spTree>
+      <p:nvGrpSpPr>
+        <p:cNvPr id="1" name=""/>
+        <p:cNvGrpSpPr/>
+        <p:nvPr/>
+      </p:nvGrpSpPr>
+      <p:grpSpPr>
+        <a:xfrm>
+          <a:off x="0" y="0"/>
+          <a:ext cx="0" cy="0"/>
+          <a:chOff x="0" y="0"/>
+          <a:chExt cx="0" cy="0"/>
+        </a:xfrm>
+      </p:grpSpPr>
+      <p:sp>
+        <p:nvSpPr>
+          <p:cNvPr id="2" name="Title 1">
+            <a:extLst>
+              <a:ext uri="{FF2B5EF4-FFF2-40B4-BE49-F238E27FC236}">
+                <a16:creationId xmlns:a16="http://schemas.microsoft.com/office/drawing/2014/main" id="{566C97BE-403B-122E-90D1-2788978A0B6F}"/>
+              </a:ext>
+            </a:extLst>
+          </p:cNvPr>
+          <p:cNvSpPr>
+            <a:spLocks noGrp="1"/>
+          </p:cNvSpPr>
+          <p:nvPr>
+            <p:ph type="ctrTitle"/>
+          </p:nvPr>
+        </p:nvSpPr>
+        <p:spPr>
+          <a:xfrm>
+            <a:off x="6991350" y="406400"/>
+            <a:ext cx="4179570" cy="3457971"/>
+          </a:xfrm>
+        </p:spPr>
+        <p:txBody>
+          <a:bodyPr/>
+          <a:lstStyle/>
+          <a:p>
+            <a:r>
+              <a:rPr lang="en-US" dirty="0"/>
+              <a:t>customer segmentation</a:t>
+            </a:r>
+          </a:p>
+        </p:txBody>
+      </p:sp>
+    </p:spTree>
+    <p:extLst>
+      <p:ext uri="{BB962C8B-B14F-4D97-AF65-F5344CB8AC3E}">
+        <p14:creationId xmlns:p14="http://schemas.microsoft.com/office/powerpoint/2010/main" val="2090419055"/>
       </p:ext>
     </p:extLst>
   </p:cSld>
@@ -8344,1811 +8858,6 @@
           </a:xfrm>
         </p:spPr>
         <p:txBody>
-          <a:bodyPr>
-            <a:normAutofit/>
-          </a:bodyPr>
-          <a:lstStyle/>
-          <a:p>
-            <a:r>
-              <a:rPr lang="en-US" dirty="0"/>
-              <a:t>Delay impact</a:t>
-            </a:r>
-          </a:p>
-        </p:txBody>
-      </p:sp>
-      <p:sp>
-        <p:nvSpPr>
-          <p:cNvPr id="3" name="Text Placeholder 2">
-            <a:extLst>
-              <a:ext uri="{FF2B5EF4-FFF2-40B4-BE49-F238E27FC236}">
-                <a16:creationId xmlns:a16="http://schemas.microsoft.com/office/drawing/2014/main" id="{9D5232F9-FD00-464A-9F17-619C91AEF8F3}"/>
-              </a:ext>
-            </a:extLst>
-          </p:cNvPr>
-          <p:cNvSpPr>
-            <a:spLocks noGrp="1"/>
-          </p:cNvSpPr>
-          <p:nvPr>
-            <p:ph sz="half" idx="2"/>
-          </p:nvPr>
-        </p:nvSpPr>
-        <p:spPr>
-          <a:xfrm>
-            <a:off x="479161" y="2515021"/>
-            <a:ext cx="4788652" cy="1827958"/>
-          </a:xfrm>
-        </p:spPr>
-        <p:txBody>
-          <a:bodyPr>
-            <a:normAutofit/>
-          </a:bodyPr>
-          <a:lstStyle/>
-          <a:p>
-            <a:r>
-              <a:rPr lang="en-US" b="0" dirty="0"/>
-              <a:t>The delay in order delivery negatively impact the review score.</a:t>
-            </a:r>
-          </a:p>
-          <a:p>
-            <a:r>
-              <a:rPr lang="en-US" b="0" dirty="0"/>
-              <a:t>And contribute with 30.77% of the overall low score.</a:t>
-            </a:r>
-          </a:p>
-        </p:txBody>
-      </p:sp>
-      <p:pic>
-        <p:nvPicPr>
-          <p:cNvPr id="6146" name="Picture 2">
-            <a:extLst>
-              <a:ext uri="{FF2B5EF4-FFF2-40B4-BE49-F238E27FC236}">
-                <a16:creationId xmlns:a16="http://schemas.microsoft.com/office/drawing/2014/main" id="{5E914699-CD73-AA49-F900-5D6C72A9D610}"/>
-              </a:ext>
-            </a:extLst>
-          </p:cNvPr>
-          <p:cNvPicPr>
-            <a:picLocks noChangeAspect="1" noChangeArrowheads="1"/>
-          </p:cNvPicPr>
-          <p:nvPr/>
-        </p:nvPicPr>
-        <p:blipFill>
-          <a:blip r:embed="rId3">
-            <a:extLst>
-              <a:ext uri="{28A0092B-C50C-407E-A947-70E740481C1C}">
-                <a14:useLocalDpi xmlns:a14="http://schemas.microsoft.com/office/drawing/2010/main" val="0"/>
-              </a:ext>
-            </a:extLst>
-          </a:blip>
-          <a:srcRect/>
-          <a:stretch>
-            <a:fillRect/>
-          </a:stretch>
-        </p:blipFill>
-        <p:spPr bwMode="auto">
-          <a:xfrm>
-            <a:off x="5181600" y="1152525"/>
-            <a:ext cx="7010400" cy="5057775"/>
-          </a:xfrm>
-          <a:prstGeom prst="rect">
-            <a:avLst/>
-          </a:prstGeom>
-          <a:noFill/>
-          <a:extLst>
-            <a:ext uri="{909E8E84-426E-40DD-AFC4-6F175D3DCCD1}">
-              <a14:hiddenFill xmlns:a14="http://schemas.microsoft.com/office/drawing/2010/main">
-                <a:solidFill>
-                  <a:srgbClr val="FFFFFF"/>
-                </a:solidFill>
-              </a14:hiddenFill>
-            </a:ext>
-          </a:extLst>
-        </p:spPr>
-      </p:pic>
-      <p:sp>
-        <p:nvSpPr>
-          <p:cNvPr id="4" name="Right Brace 3">
-            <a:extLst>
-              <a:ext uri="{FF2B5EF4-FFF2-40B4-BE49-F238E27FC236}">
-                <a16:creationId xmlns:a16="http://schemas.microsoft.com/office/drawing/2014/main" id="{0943495E-E5F9-D96B-099B-80259BE5DF0A}"/>
-              </a:ext>
-            </a:extLst>
-          </p:cNvPr>
-          <p:cNvSpPr/>
-          <p:nvPr/>
-        </p:nvSpPr>
-        <p:spPr>
-          <a:xfrm>
-            <a:off x="7258051" y="1685926"/>
-            <a:ext cx="314324" cy="1104900"/>
-          </a:xfrm>
-          <a:prstGeom prst="rightBrace">
-            <a:avLst/>
-          </a:prstGeom>
-          <a:ln w="38100"/>
-        </p:spPr>
-        <p:style>
-          <a:lnRef idx="1">
-            <a:schemeClr val="dk1"/>
-          </a:lnRef>
-          <a:fillRef idx="0">
-            <a:schemeClr val="dk1"/>
-          </a:fillRef>
-          <a:effectRef idx="0">
-            <a:schemeClr val="dk1"/>
-          </a:effectRef>
-          <a:fontRef idx="minor">
-            <a:schemeClr val="tx1"/>
-          </a:fontRef>
-        </p:style>
-        <p:txBody>
-          <a:bodyPr rtlCol="0" anchor="ctr"/>
-          <a:lstStyle/>
-          <a:p>
-            <a:pPr algn="ctr"/>
-            <a:endParaRPr lang="en-US">
-              <a:ln>
-                <a:solidFill>
-                  <a:schemeClr val="tx1"/>
-                </a:solidFill>
-              </a:ln>
-            </a:endParaRPr>
-          </a:p>
-        </p:txBody>
-      </p:sp>
-      <p:sp>
-        <p:nvSpPr>
-          <p:cNvPr id="5" name="TextBox 4">
-            <a:extLst>
-              <a:ext uri="{FF2B5EF4-FFF2-40B4-BE49-F238E27FC236}">
-                <a16:creationId xmlns:a16="http://schemas.microsoft.com/office/drawing/2014/main" id="{4BAB4F35-791B-CB4F-491A-945006C63768}"/>
-              </a:ext>
-            </a:extLst>
-          </p:cNvPr>
-          <p:cNvSpPr txBox="1"/>
-          <p:nvPr/>
-        </p:nvSpPr>
-        <p:spPr>
-          <a:xfrm>
-            <a:off x="7515225" y="2065437"/>
-            <a:ext cx="1771650" cy="315813"/>
-          </a:xfrm>
-          <a:prstGeom prst="rect">
-            <a:avLst/>
-          </a:prstGeom>
-          <a:noFill/>
-        </p:spPr>
-        <p:txBody>
-          <a:bodyPr wrap="square" rtlCol="0">
-            <a:spAutoFit/>
-          </a:bodyPr>
-          <a:lstStyle/>
-          <a:p>
-            <a:r>
-              <a:rPr lang="en-US" sz="1400" dirty="0"/>
-              <a:t>Caused by the delay</a:t>
-            </a:r>
-          </a:p>
-        </p:txBody>
-      </p:sp>
-    </p:spTree>
-    <p:extLst>
-      <p:ext uri="{BB962C8B-B14F-4D97-AF65-F5344CB8AC3E}">
-        <p14:creationId xmlns:p14="http://schemas.microsoft.com/office/powerpoint/2010/main" val="2657233373"/>
-      </p:ext>
-    </p:extLst>
-  </p:cSld>
-  <p:clrMapOvr>
-    <a:masterClrMapping/>
-  </p:clrMapOvr>
-</p:sld>
-</file>
-
-<file path=ppt/slides/slide13.xml><?xml version="1.0" encoding="utf-8"?>
-<p:sld xmlns:a="http://schemas.openxmlformats.org/drawingml/2006/main" xmlns:r="http://schemas.openxmlformats.org/officeDocument/2006/relationships" xmlns:p="http://schemas.openxmlformats.org/presentationml/2006/main">
-  <p:cSld>
-    <p:spTree>
-      <p:nvGrpSpPr>
-        <p:cNvPr id="1" name=""/>
-        <p:cNvGrpSpPr/>
-        <p:nvPr/>
-      </p:nvGrpSpPr>
-      <p:grpSpPr>
-        <a:xfrm>
-          <a:off x="0" y="0"/>
-          <a:ext cx="0" cy="0"/>
-          <a:chOff x="0" y="0"/>
-          <a:chExt cx="0" cy="0"/>
-        </a:xfrm>
-      </p:grpSpPr>
-      <p:sp>
-        <p:nvSpPr>
-          <p:cNvPr id="2" name="Title 1">
-            <a:extLst>
-              <a:ext uri="{FF2B5EF4-FFF2-40B4-BE49-F238E27FC236}">
-                <a16:creationId xmlns:a16="http://schemas.microsoft.com/office/drawing/2014/main" id="{566C97BE-403B-122E-90D1-2788978A0B6F}"/>
-              </a:ext>
-            </a:extLst>
-          </p:cNvPr>
-          <p:cNvSpPr>
-            <a:spLocks noGrp="1"/>
-          </p:cNvSpPr>
-          <p:nvPr>
-            <p:ph type="ctrTitle"/>
-          </p:nvPr>
-        </p:nvSpPr>
-        <p:spPr>
-          <a:xfrm>
-            <a:off x="6991350" y="406400"/>
-            <a:ext cx="4179570" cy="3457971"/>
-          </a:xfrm>
-        </p:spPr>
-        <p:txBody>
-          <a:bodyPr/>
-          <a:lstStyle/>
-          <a:p>
-            <a:r>
-              <a:rPr lang="en-US" dirty="0"/>
-              <a:t>Predictive Model</a:t>
-            </a:r>
-          </a:p>
-        </p:txBody>
-      </p:sp>
-    </p:spTree>
-    <p:extLst>
-      <p:ext uri="{BB962C8B-B14F-4D97-AF65-F5344CB8AC3E}">
-        <p14:creationId xmlns:p14="http://schemas.microsoft.com/office/powerpoint/2010/main" val="1708449329"/>
-      </p:ext>
-    </p:extLst>
-  </p:cSld>
-  <p:clrMapOvr>
-    <a:masterClrMapping/>
-  </p:clrMapOvr>
-</p:sld>
-</file>
-
-<file path=ppt/slides/slide14.xml><?xml version="1.0" encoding="utf-8"?>
-<p:sld xmlns:a="http://schemas.openxmlformats.org/drawingml/2006/main" xmlns:r="http://schemas.openxmlformats.org/officeDocument/2006/relationships" xmlns:p="http://schemas.openxmlformats.org/presentationml/2006/main">
-  <p:cSld>
-    <p:spTree>
-      <p:nvGrpSpPr>
-        <p:cNvPr id="1" name=""/>
-        <p:cNvGrpSpPr/>
-        <p:nvPr/>
-      </p:nvGrpSpPr>
-      <p:grpSpPr>
-        <a:xfrm>
-          <a:off x="0" y="0"/>
-          <a:ext cx="0" cy="0"/>
-          <a:chOff x="0" y="0"/>
-          <a:chExt cx="0" cy="0"/>
-        </a:xfrm>
-      </p:grpSpPr>
-      <p:sp>
-        <p:nvSpPr>
-          <p:cNvPr id="2" name="Title 1">
-            <a:extLst>
-              <a:ext uri="{FF2B5EF4-FFF2-40B4-BE49-F238E27FC236}">
-                <a16:creationId xmlns:a16="http://schemas.microsoft.com/office/drawing/2014/main" id="{0A32731C-311B-46F7-A865-6C3AF6B09A47}"/>
-              </a:ext>
-            </a:extLst>
-          </p:cNvPr>
-          <p:cNvSpPr>
-            <a:spLocks noGrp="1"/>
-          </p:cNvSpPr>
-          <p:nvPr>
-            <p:ph type="title"/>
-          </p:nvPr>
-        </p:nvSpPr>
-        <p:spPr>
-          <a:xfrm>
-            <a:off x="1531938" y="578786"/>
-            <a:ext cx="3102198" cy="678724"/>
-          </a:xfrm>
-        </p:spPr>
-        <p:txBody>
-          <a:bodyPr>
-            <a:normAutofit fontScale="90000"/>
-          </a:bodyPr>
-          <a:lstStyle/>
-          <a:p>
-            <a:r>
-              <a:rPr lang="en-US" dirty="0"/>
-              <a:t>Predictive Modeling</a:t>
-            </a:r>
-          </a:p>
-        </p:txBody>
-      </p:sp>
-      <p:sp>
-        <p:nvSpPr>
-          <p:cNvPr id="3" name="Text Placeholder 2">
-            <a:extLst>
-              <a:ext uri="{FF2B5EF4-FFF2-40B4-BE49-F238E27FC236}">
-                <a16:creationId xmlns:a16="http://schemas.microsoft.com/office/drawing/2014/main" id="{9D5232F9-FD00-464A-9F17-619C91AEF8F3}"/>
-              </a:ext>
-            </a:extLst>
-          </p:cNvPr>
-          <p:cNvSpPr>
-            <a:spLocks noGrp="1"/>
-          </p:cNvSpPr>
-          <p:nvPr>
-            <p:ph sz="half" idx="2"/>
-          </p:nvPr>
-        </p:nvSpPr>
-        <p:spPr>
-          <a:xfrm>
-            <a:off x="479161" y="2515021"/>
-            <a:ext cx="4788652" cy="1827958"/>
-          </a:xfrm>
-        </p:spPr>
-        <p:txBody>
-          <a:bodyPr>
-            <a:normAutofit/>
-          </a:bodyPr>
-          <a:lstStyle/>
-          <a:p>
-            <a:r>
-              <a:rPr lang="en-US" b="0" dirty="0"/>
-              <a:t>After conducting a churn analysis on the customer segment using the purchasing behavior and geographic location, I created a predictive model to forecast the next 12 months.</a:t>
-            </a:r>
-          </a:p>
-        </p:txBody>
-      </p:sp>
-      <p:pic>
-        <p:nvPicPr>
-          <p:cNvPr id="8198" name="Picture 6">
-            <a:extLst>
-              <a:ext uri="{FF2B5EF4-FFF2-40B4-BE49-F238E27FC236}">
-                <a16:creationId xmlns:a16="http://schemas.microsoft.com/office/drawing/2014/main" id="{3EF290E0-211D-FDD8-3E25-1CEC3B9B1729}"/>
-              </a:ext>
-            </a:extLst>
-          </p:cNvPr>
-          <p:cNvPicPr>
-            <a:picLocks noChangeAspect="1" noChangeArrowheads="1"/>
-          </p:cNvPicPr>
-          <p:nvPr/>
-        </p:nvPicPr>
-        <p:blipFill>
-          <a:blip r:embed="rId3">
-            <a:extLst>
-              <a:ext uri="{28A0092B-C50C-407E-A947-70E740481C1C}">
-                <a14:useLocalDpi xmlns:a14="http://schemas.microsoft.com/office/drawing/2010/main" val="0"/>
-              </a:ext>
-            </a:extLst>
-          </a:blip>
-          <a:srcRect/>
-          <a:stretch>
-            <a:fillRect/>
-          </a:stretch>
-        </p:blipFill>
-        <p:spPr bwMode="auto">
-          <a:xfrm>
-            <a:off x="5689767" y="1106774"/>
-            <a:ext cx="6502233" cy="4644452"/>
-          </a:xfrm>
-          <a:prstGeom prst="rect">
-            <a:avLst/>
-          </a:prstGeom>
-          <a:noFill/>
-          <a:extLst>
-            <a:ext uri="{909E8E84-426E-40DD-AFC4-6F175D3DCCD1}">
-              <a14:hiddenFill xmlns:a14="http://schemas.microsoft.com/office/drawing/2010/main">
-                <a:solidFill>
-                  <a:srgbClr val="FFFFFF"/>
-                </a:solidFill>
-              </a14:hiddenFill>
-            </a:ext>
-          </a:extLst>
-        </p:spPr>
-      </p:pic>
-    </p:spTree>
-    <p:extLst>
-      <p:ext uri="{BB962C8B-B14F-4D97-AF65-F5344CB8AC3E}">
-        <p14:creationId xmlns:p14="http://schemas.microsoft.com/office/powerpoint/2010/main" val="3310072761"/>
-      </p:ext>
-    </p:extLst>
-  </p:cSld>
-  <p:clrMapOvr>
-    <a:masterClrMapping/>
-  </p:clrMapOvr>
-</p:sld>
-</file>
-
-<file path=ppt/slides/slide15.xml><?xml version="1.0" encoding="utf-8"?>
-<p:sld xmlns:a="http://schemas.openxmlformats.org/drawingml/2006/main" xmlns:r="http://schemas.openxmlformats.org/officeDocument/2006/relationships" xmlns:p="http://schemas.openxmlformats.org/presentationml/2006/main">
-  <p:cSld>
-    <p:spTree>
-      <p:nvGrpSpPr>
-        <p:cNvPr id="1" name=""/>
-        <p:cNvGrpSpPr/>
-        <p:nvPr/>
-      </p:nvGrpSpPr>
-      <p:grpSpPr>
-        <a:xfrm>
-          <a:off x="0" y="0"/>
-          <a:ext cx="0" cy="0"/>
-          <a:chOff x="0" y="0"/>
-          <a:chExt cx="0" cy="0"/>
-        </a:xfrm>
-      </p:grpSpPr>
-      <p:sp>
-        <p:nvSpPr>
-          <p:cNvPr id="2" name="Title 1">
-            <a:extLst>
-              <a:ext uri="{FF2B5EF4-FFF2-40B4-BE49-F238E27FC236}">
-                <a16:creationId xmlns:a16="http://schemas.microsoft.com/office/drawing/2014/main" id="{566C97BE-403B-122E-90D1-2788978A0B6F}"/>
-              </a:ext>
-            </a:extLst>
-          </p:cNvPr>
-          <p:cNvSpPr>
-            <a:spLocks noGrp="1"/>
-          </p:cNvSpPr>
-          <p:nvPr>
-            <p:ph type="ctrTitle"/>
-          </p:nvPr>
-        </p:nvSpPr>
-        <p:spPr>
-          <a:xfrm>
-            <a:off x="6991350" y="406400"/>
-            <a:ext cx="4648200" cy="3457971"/>
-          </a:xfrm>
-        </p:spPr>
-        <p:txBody>
-          <a:bodyPr/>
-          <a:lstStyle/>
-          <a:p>
-            <a:r>
-              <a:rPr lang="en-US" dirty="0"/>
-              <a:t>The recommendations</a:t>
-            </a:r>
-          </a:p>
-        </p:txBody>
-      </p:sp>
-    </p:spTree>
-    <p:extLst>
-      <p:ext uri="{BB962C8B-B14F-4D97-AF65-F5344CB8AC3E}">
-        <p14:creationId xmlns:p14="http://schemas.microsoft.com/office/powerpoint/2010/main" val="3992641955"/>
-      </p:ext>
-    </p:extLst>
-  </p:cSld>
-  <p:clrMapOvr>
-    <a:masterClrMapping/>
-  </p:clrMapOvr>
-</p:sld>
-</file>
-
-<file path=ppt/slides/slide16.xml><?xml version="1.0" encoding="utf-8"?>
-<p:sld xmlns:a="http://schemas.openxmlformats.org/drawingml/2006/main" xmlns:r="http://schemas.openxmlformats.org/officeDocument/2006/relationships" xmlns:p="http://schemas.openxmlformats.org/presentationml/2006/main">
-  <p:cSld>
-    <p:spTree>
-      <p:nvGrpSpPr>
-        <p:cNvPr id="1" name=""/>
-        <p:cNvGrpSpPr/>
-        <p:nvPr/>
-      </p:nvGrpSpPr>
-      <p:grpSpPr>
-        <a:xfrm>
-          <a:off x="0" y="0"/>
-          <a:ext cx="0" cy="0"/>
-          <a:chOff x="0" y="0"/>
-          <a:chExt cx="0" cy="0"/>
-        </a:xfrm>
-      </p:grpSpPr>
-      <p:sp>
-        <p:nvSpPr>
-          <p:cNvPr id="2" name="Title 1">
-            <a:extLst>
-              <a:ext uri="{FF2B5EF4-FFF2-40B4-BE49-F238E27FC236}">
-                <a16:creationId xmlns:a16="http://schemas.microsoft.com/office/drawing/2014/main" id="{A95E2E6A-35EC-1B8E-0FD7-8C67870ACA64}"/>
-              </a:ext>
-            </a:extLst>
-          </p:cNvPr>
-          <p:cNvSpPr>
-            <a:spLocks noGrp="1"/>
-          </p:cNvSpPr>
-          <p:nvPr>
-            <p:ph type="title"/>
-          </p:nvPr>
-        </p:nvSpPr>
-        <p:spPr>
-          <a:xfrm>
-            <a:off x="2933700" y="568961"/>
-            <a:ext cx="8420100" cy="831214"/>
-          </a:xfrm>
-        </p:spPr>
-        <p:txBody>
-          <a:bodyPr/>
-          <a:lstStyle/>
-          <a:p>
-            <a:r>
-              <a:rPr lang="en-US" dirty="0"/>
-              <a:t>Findings &amp; Recommendations</a:t>
-            </a:r>
-          </a:p>
-        </p:txBody>
-      </p:sp>
-      <p:sp>
-        <p:nvSpPr>
-          <p:cNvPr id="12" name="Text Placeholder 11">
-            <a:extLst>
-              <a:ext uri="{FF2B5EF4-FFF2-40B4-BE49-F238E27FC236}">
-                <a16:creationId xmlns:a16="http://schemas.microsoft.com/office/drawing/2014/main" id="{554B61B9-26F6-B304-92CD-03053DAAF2A8}"/>
-              </a:ext>
-            </a:extLst>
-          </p:cNvPr>
-          <p:cNvSpPr>
-            <a:spLocks noGrp="1"/>
-          </p:cNvSpPr>
-          <p:nvPr>
-            <p:ph type="body" idx="1"/>
-          </p:nvPr>
-        </p:nvSpPr>
-        <p:spPr>
-          <a:xfrm>
-            <a:off x="2028826" y="1953997"/>
-            <a:ext cx="3924300" cy="555335"/>
-          </a:xfrm>
-        </p:spPr>
-        <p:txBody>
-          <a:bodyPr/>
-          <a:lstStyle/>
-          <a:p>
-            <a:r>
-              <a:rPr lang="en-US" dirty="0"/>
-              <a:t>Findings</a:t>
-            </a:r>
-          </a:p>
-        </p:txBody>
-      </p:sp>
-      <p:sp>
-        <p:nvSpPr>
-          <p:cNvPr id="35" name="Content Placeholder 34">
-            <a:extLst>
-              <a:ext uri="{FF2B5EF4-FFF2-40B4-BE49-F238E27FC236}">
-                <a16:creationId xmlns:a16="http://schemas.microsoft.com/office/drawing/2014/main" id="{EDBE6233-75E9-40D1-968F-58CA9AD0FF50}"/>
-              </a:ext>
-            </a:extLst>
-          </p:cNvPr>
-          <p:cNvSpPr>
-            <a:spLocks noGrp="1"/>
-          </p:cNvSpPr>
-          <p:nvPr>
-            <p:ph sz="half" idx="13"/>
-          </p:nvPr>
-        </p:nvSpPr>
-        <p:spPr>
-          <a:xfrm>
-            <a:off x="2028826" y="2489596"/>
-            <a:ext cx="4848502" cy="3866753"/>
-          </a:xfrm>
-        </p:spPr>
-        <p:txBody>
-          <a:bodyPr>
-            <a:normAutofit fontScale="92500" lnSpcReduction="10000"/>
-          </a:bodyPr>
-          <a:lstStyle/>
-          <a:p>
-            <a:pPr marL="285750" indent="-285750">
-              <a:buFont typeface="Arial" panose="020B0604020202020204" pitchFamily="34" charset="0"/>
-              <a:buChar char="•"/>
-            </a:pPr>
-            <a:r>
-              <a:rPr lang="en-US" dirty="0"/>
-              <a:t>The company is on a growing scale since the beginning.</a:t>
-            </a:r>
-          </a:p>
-          <a:p>
-            <a:pPr marL="285750" indent="-285750">
-              <a:buFont typeface="Arial" panose="020B0604020202020204" pitchFamily="34" charset="0"/>
-              <a:buChar char="•"/>
-            </a:pPr>
-            <a:r>
-              <a:rPr lang="en-US" dirty="0"/>
-              <a:t>The price &amp; quantity sales seasonality peak is in the fourth quarter of the year.</a:t>
-            </a:r>
-          </a:p>
-          <a:p>
-            <a:pPr marL="285750" indent="-285750">
-              <a:buFont typeface="Arial" panose="020B0604020202020204" pitchFamily="34" charset="0"/>
-              <a:buChar char="•"/>
-            </a:pPr>
-            <a:r>
-              <a:rPr lang="en-US" b="0" dirty="0"/>
-              <a:t>Most selling categories are related to home furniture, beauty products, and sports.</a:t>
-            </a:r>
-          </a:p>
-          <a:p>
-            <a:pPr marL="285750" indent="-285750">
-              <a:buFont typeface="Arial" panose="020B0604020202020204" pitchFamily="34" charset="0"/>
-              <a:buChar char="•"/>
-            </a:pPr>
-            <a:r>
-              <a:rPr lang="en-US" b="0" dirty="0"/>
-              <a:t>The highest states in purchasing </a:t>
-            </a:r>
-            <a:r>
-              <a:rPr lang="en-US" b="0" u="sng" dirty="0"/>
-              <a:t>value</a:t>
-            </a:r>
-            <a:r>
-              <a:rPr lang="en-US" b="0" dirty="0"/>
-              <a:t> are RJ, MG, and PR.</a:t>
-            </a:r>
-          </a:p>
-          <a:p>
-            <a:pPr marL="285750" indent="-285750">
-              <a:buFont typeface="Arial" panose="020B0604020202020204" pitchFamily="34" charset="0"/>
-              <a:buChar char="•"/>
-            </a:pPr>
-            <a:r>
-              <a:rPr lang="en-US" b="0" dirty="0"/>
-              <a:t>The payments value distribution are between 50 – 200.</a:t>
-            </a:r>
-          </a:p>
-          <a:p>
-            <a:pPr marL="285750" indent="-285750">
-              <a:buFont typeface="Arial" panose="020B0604020202020204" pitchFamily="34" charset="0"/>
-              <a:buChar char="•"/>
-            </a:pPr>
-            <a:r>
-              <a:rPr lang="en-US" b="0" dirty="0"/>
-              <a:t>The company’s rating are normally, but the order delivery delay have a high impact on the low ratings.</a:t>
-            </a:r>
-          </a:p>
-        </p:txBody>
-      </p:sp>
-      <p:sp>
-        <p:nvSpPr>
-          <p:cNvPr id="14" name="Text Placeholder 13">
-            <a:extLst>
-              <a:ext uri="{FF2B5EF4-FFF2-40B4-BE49-F238E27FC236}">
-                <a16:creationId xmlns:a16="http://schemas.microsoft.com/office/drawing/2014/main" id="{CB9F9E8B-42CD-AC26-AFC9-F1F66695693B}"/>
-              </a:ext>
-            </a:extLst>
-          </p:cNvPr>
-          <p:cNvSpPr>
-            <a:spLocks noGrp="1"/>
-          </p:cNvSpPr>
-          <p:nvPr>
-            <p:ph type="body" sz="quarter" idx="3"/>
-          </p:nvPr>
-        </p:nvSpPr>
-        <p:spPr>
-          <a:xfrm>
-            <a:off x="7403071" y="1934261"/>
-            <a:ext cx="3943627" cy="464499"/>
-          </a:xfrm>
-        </p:spPr>
-        <p:txBody>
-          <a:bodyPr/>
-          <a:lstStyle/>
-          <a:p>
-            <a:r>
-              <a:rPr lang="en-US" dirty="0"/>
-              <a:t>Recommendations</a:t>
-            </a:r>
-          </a:p>
-        </p:txBody>
-      </p:sp>
-      <p:sp>
-        <p:nvSpPr>
-          <p:cNvPr id="50" name="Content Placeholder 49">
-            <a:extLst>
-              <a:ext uri="{FF2B5EF4-FFF2-40B4-BE49-F238E27FC236}">
-                <a16:creationId xmlns:a16="http://schemas.microsoft.com/office/drawing/2014/main" id="{8F6B2AE9-DDE4-FD99-A235-3B39EEE21481}"/>
-              </a:ext>
-            </a:extLst>
-          </p:cNvPr>
-          <p:cNvSpPr>
-            <a:spLocks noGrp="1"/>
-          </p:cNvSpPr>
-          <p:nvPr>
-            <p:ph sz="half" idx="14"/>
-          </p:nvPr>
-        </p:nvSpPr>
-        <p:spPr>
-          <a:xfrm>
-            <a:off x="7403071" y="2388600"/>
-            <a:ext cx="4188854" cy="3967749"/>
-          </a:xfrm>
-        </p:spPr>
-        <p:txBody>
-          <a:bodyPr>
-            <a:normAutofit fontScale="92500" lnSpcReduction="20000"/>
-          </a:bodyPr>
-          <a:lstStyle/>
-          <a:p>
-            <a:pPr marL="285750" indent="-285750">
-              <a:buFont typeface="Arial" panose="020B0604020202020204" pitchFamily="34" charset="0"/>
-              <a:buChar char="•"/>
-            </a:pPr>
-            <a:r>
-              <a:rPr lang="en-US" dirty="0"/>
-              <a:t>Develop a main dashboard with the most selling categories in the company user’s app.</a:t>
-            </a:r>
-          </a:p>
-          <a:p>
-            <a:pPr marL="285750" indent="-285750">
-              <a:buFont typeface="Arial" panose="020B0604020202020204" pitchFamily="34" charset="0"/>
-              <a:buChar char="•"/>
-            </a:pPr>
-            <a:r>
-              <a:rPr lang="en-US" dirty="0"/>
-              <a:t>Prioritize the low-price items in the search feature in the user’s app, to enhance the customer experience.</a:t>
-            </a:r>
-          </a:p>
-          <a:p>
-            <a:pPr marL="285750" indent="-285750">
-              <a:buFont typeface="Arial" panose="020B0604020202020204" pitchFamily="34" charset="0"/>
-              <a:buChar char="•"/>
-            </a:pPr>
-            <a:r>
-              <a:rPr lang="en-US" dirty="0"/>
-              <a:t>Minimize the order delivery duration, to enhance the customer’s reviews score or increase the estimated delivery time to develop honesty with the customers.</a:t>
-            </a:r>
-          </a:p>
-          <a:p>
-            <a:pPr marL="285750" indent="-285750">
-              <a:buFont typeface="Arial" panose="020B0604020202020204" pitchFamily="34" charset="0"/>
-              <a:buChar char="•"/>
-            </a:pPr>
-            <a:r>
-              <a:rPr lang="en-US" dirty="0"/>
-              <a:t>Cooperation with the SEO team to increase the advertising in the highest states and cities in purchasing, to increase the customer base.</a:t>
-            </a:r>
-          </a:p>
-        </p:txBody>
-      </p:sp>
-    </p:spTree>
-    <p:extLst>
-      <p:ext uri="{BB962C8B-B14F-4D97-AF65-F5344CB8AC3E}">
-        <p14:creationId xmlns:p14="http://schemas.microsoft.com/office/powerpoint/2010/main" val="103458723"/>
-      </p:ext>
-    </p:extLst>
-  </p:cSld>
-  <p:clrMapOvr>
-    <a:masterClrMapping/>
-  </p:clrMapOvr>
-</p:sld>
-</file>
-
-<file path=ppt/slides/slide17.xml><?xml version="1.0" encoding="utf-8"?>
-<p:sld xmlns:a="http://schemas.openxmlformats.org/drawingml/2006/main" xmlns:r="http://schemas.openxmlformats.org/officeDocument/2006/relationships" xmlns:p="http://schemas.openxmlformats.org/presentationml/2006/main">
-  <p:cSld>
-    <p:spTree>
-      <p:nvGrpSpPr>
-        <p:cNvPr id="1" name=""/>
-        <p:cNvGrpSpPr/>
-        <p:nvPr/>
-      </p:nvGrpSpPr>
-      <p:grpSpPr>
-        <a:xfrm>
-          <a:off x="0" y="0"/>
-          <a:ext cx="0" cy="0"/>
-          <a:chOff x="0" y="0"/>
-          <a:chExt cx="0" cy="0"/>
-        </a:xfrm>
-      </p:grpSpPr>
-      <p:sp>
-        <p:nvSpPr>
-          <p:cNvPr id="17" name="Title 1">
-            <a:extLst>
-              <a:ext uri="{FF2B5EF4-FFF2-40B4-BE49-F238E27FC236}">
-                <a16:creationId xmlns:a16="http://schemas.microsoft.com/office/drawing/2014/main" id="{09140014-73D5-419B-8867-972BB18D52D4}"/>
-              </a:ext>
-            </a:extLst>
-          </p:cNvPr>
-          <p:cNvSpPr>
-            <a:spLocks noGrp="1"/>
-          </p:cNvSpPr>
-          <p:nvPr>
-            <p:ph type="title"/>
-          </p:nvPr>
-        </p:nvSpPr>
-        <p:spPr>
-          <a:xfrm>
-            <a:off x="838200" y="337192"/>
-            <a:ext cx="5655197" cy="1997867"/>
-          </a:xfrm>
-        </p:spPr>
-        <p:txBody>
-          <a:bodyPr anchor="b"/>
-          <a:lstStyle/>
-          <a:p>
-            <a:r>
-              <a:rPr lang="en-US" dirty="0"/>
-              <a:t>Appendix</a:t>
-            </a:r>
-          </a:p>
-        </p:txBody>
-      </p:sp>
-      <p:sp>
-        <p:nvSpPr>
-          <p:cNvPr id="6" name="Text Placeholder 5">
-            <a:extLst>
-              <a:ext uri="{FF2B5EF4-FFF2-40B4-BE49-F238E27FC236}">
-                <a16:creationId xmlns:a16="http://schemas.microsoft.com/office/drawing/2014/main" id="{D2E1CF79-4FDC-8CAF-CC16-E309A2C49758}"/>
-              </a:ext>
-            </a:extLst>
-          </p:cNvPr>
-          <p:cNvSpPr>
-            <a:spLocks noGrp="1"/>
-          </p:cNvSpPr>
-          <p:nvPr>
-            <p:ph type="body" idx="1"/>
-          </p:nvPr>
-        </p:nvSpPr>
-        <p:spPr>
-          <a:xfrm>
-            <a:off x="838200" y="2705177"/>
-            <a:ext cx="5733772" cy="448990"/>
-          </a:xfrm>
-        </p:spPr>
-        <p:txBody>
-          <a:bodyPr/>
-          <a:lstStyle/>
-          <a:p>
-            <a:r>
-              <a:rPr lang="en-US" dirty="0"/>
-              <a:t>Link for the documentation files on GitHub:</a:t>
-            </a:r>
-          </a:p>
-        </p:txBody>
-      </p:sp>
-      <p:sp>
-        <p:nvSpPr>
-          <p:cNvPr id="20" name="Content Placeholder 3">
-            <a:extLst>
-              <a:ext uri="{FF2B5EF4-FFF2-40B4-BE49-F238E27FC236}">
-                <a16:creationId xmlns:a16="http://schemas.microsoft.com/office/drawing/2014/main" id="{33D8731E-4977-402E-8BFD-895B4D0544CC}"/>
-              </a:ext>
-            </a:extLst>
-          </p:cNvPr>
-          <p:cNvSpPr>
-            <a:spLocks noGrp="1"/>
-          </p:cNvSpPr>
-          <p:nvPr>
-            <p:ph sz="half" idx="2"/>
-          </p:nvPr>
-        </p:nvSpPr>
-        <p:spPr>
-          <a:xfrm>
-            <a:off x="838199" y="3154166"/>
-            <a:ext cx="5733773" cy="3032733"/>
-          </a:xfrm>
-        </p:spPr>
-        <p:txBody>
-          <a:bodyPr>
-            <a:noAutofit/>
-          </a:bodyPr>
-          <a:lstStyle/>
-          <a:p>
-            <a:pPr marL="0" indent="0">
-              <a:buNone/>
-            </a:pPr>
-            <a:r>
-              <a:rPr lang="en-US" dirty="0">
-                <a:hlinkClick r:id="rId3"/>
-              </a:rPr>
-              <a:t>github.com/a7mdNasrr/</a:t>
-            </a:r>
-            <a:r>
-              <a:rPr lang="en-US" dirty="0" err="1">
-                <a:hlinkClick r:id="rId3"/>
-              </a:rPr>
-              <a:t>Olist</a:t>
-            </a:r>
-            <a:r>
-              <a:rPr lang="en-US" dirty="0">
-                <a:hlinkClick r:id="rId3"/>
-              </a:rPr>
-              <a:t>-Brazilian-E-commerce-Analysis-Project</a:t>
-            </a:r>
-            <a:endParaRPr lang="en-US" dirty="0"/>
-          </a:p>
-          <a:p>
-            <a:pPr marL="0" indent="0">
-              <a:buNone/>
-            </a:pPr>
-            <a:endParaRPr lang="en-US" dirty="0"/>
-          </a:p>
-        </p:txBody>
-      </p:sp>
-    </p:spTree>
-    <p:extLst>
-      <p:ext uri="{BB962C8B-B14F-4D97-AF65-F5344CB8AC3E}">
-        <p14:creationId xmlns:p14="http://schemas.microsoft.com/office/powerpoint/2010/main" val="2403577982"/>
-      </p:ext>
-    </p:extLst>
-  </p:cSld>
-  <p:clrMapOvr>
-    <a:masterClrMapping/>
-  </p:clrMapOvr>
-</p:sld>
-</file>
-
-<file path=ppt/slides/slide18.xml><?xml version="1.0" encoding="utf-8"?>
-<p:sld xmlns:a="http://schemas.openxmlformats.org/drawingml/2006/main" xmlns:r="http://schemas.openxmlformats.org/officeDocument/2006/relationships" xmlns:p="http://schemas.openxmlformats.org/presentationml/2006/main">
-  <p:cSld>
-    <p:spTree>
-      <p:nvGrpSpPr>
-        <p:cNvPr id="1" name=""/>
-        <p:cNvGrpSpPr/>
-        <p:nvPr/>
-      </p:nvGrpSpPr>
-      <p:grpSpPr>
-        <a:xfrm>
-          <a:off x="0" y="0"/>
-          <a:ext cx="0" cy="0"/>
-          <a:chOff x="0" y="0"/>
-          <a:chExt cx="0" cy="0"/>
-        </a:xfrm>
-      </p:grpSpPr>
-      <p:sp>
-        <p:nvSpPr>
-          <p:cNvPr id="2" name="Title 1">
-            <a:extLst>
-              <a:ext uri="{FF2B5EF4-FFF2-40B4-BE49-F238E27FC236}">
-                <a16:creationId xmlns:a16="http://schemas.microsoft.com/office/drawing/2014/main" id="{8BDF1EDE-5423-435C-B149-87AB1BC22B83}"/>
-              </a:ext>
-            </a:extLst>
-          </p:cNvPr>
-          <p:cNvSpPr>
-            <a:spLocks noGrp="1"/>
-          </p:cNvSpPr>
-          <p:nvPr>
-            <p:ph type="ctrTitle"/>
-          </p:nvPr>
-        </p:nvSpPr>
-        <p:spPr>
-          <a:xfrm>
-            <a:off x="4267200" y="1615736"/>
-            <a:ext cx="4179570" cy="1524735"/>
-          </a:xfrm>
-        </p:spPr>
-        <p:txBody>
-          <a:bodyPr/>
-          <a:lstStyle/>
-          <a:p>
-            <a:r>
-              <a:rPr lang="en-US" sz="4000" dirty="0"/>
-              <a:t>THANK YOU</a:t>
-            </a:r>
-          </a:p>
-        </p:txBody>
-      </p:sp>
-      <p:sp>
-        <p:nvSpPr>
-          <p:cNvPr id="3" name="Subtitle 2">
-            <a:extLst>
-              <a:ext uri="{FF2B5EF4-FFF2-40B4-BE49-F238E27FC236}">
-                <a16:creationId xmlns:a16="http://schemas.microsoft.com/office/drawing/2014/main" id="{AF64C29E-DF30-4DC6-AB95-2016F9A703B6}"/>
-              </a:ext>
-            </a:extLst>
-          </p:cNvPr>
-          <p:cNvSpPr>
-            <a:spLocks noGrp="1"/>
-          </p:cNvSpPr>
-          <p:nvPr>
-            <p:ph type="subTitle" idx="1"/>
-          </p:nvPr>
-        </p:nvSpPr>
-        <p:spPr>
-          <a:xfrm>
-            <a:off x="4267199" y="3238103"/>
-            <a:ext cx="7000569" cy="3118247"/>
-          </a:xfrm>
-        </p:spPr>
-        <p:txBody>
-          <a:bodyPr>
-            <a:noAutofit/>
-          </a:bodyPr>
-          <a:lstStyle/>
-          <a:p>
-            <a:r>
-              <a:rPr lang="en-US" dirty="0"/>
-              <a:t>Ahmed Nasser, Data Analyst</a:t>
-            </a:r>
-          </a:p>
-          <a:p>
-            <a:r>
-              <a:rPr lang="en-US" dirty="0"/>
-              <a:t>Email: a-n-ahmed@hotmail.com</a:t>
-            </a:r>
-          </a:p>
-          <a:p>
-            <a:r>
-              <a:rPr lang="en-US" dirty="0"/>
-              <a:t>Portfolio: a7mdnasrr.github.io/AhmedNasser.github.io</a:t>
-            </a:r>
-          </a:p>
-        </p:txBody>
-      </p:sp>
-    </p:spTree>
-    <p:extLst>
-      <p:ext uri="{BB962C8B-B14F-4D97-AF65-F5344CB8AC3E}">
-        <p14:creationId xmlns:p14="http://schemas.microsoft.com/office/powerpoint/2010/main" val="1969787568"/>
-      </p:ext>
-    </p:extLst>
-  </p:cSld>
-  <p:clrMapOvr>
-    <a:masterClrMapping/>
-  </p:clrMapOvr>
-</p:sld>
-</file>
-
-<file path=ppt/slides/slide2.xml><?xml version="1.0" encoding="utf-8"?>
-<p:sld xmlns:a="http://schemas.openxmlformats.org/drawingml/2006/main" xmlns:r="http://schemas.openxmlformats.org/officeDocument/2006/relationships" xmlns:p="http://schemas.openxmlformats.org/presentationml/2006/main">
-  <p:cSld>
-    <p:spTree>
-      <p:nvGrpSpPr>
-        <p:cNvPr id="1" name=""/>
-        <p:cNvGrpSpPr/>
-        <p:nvPr/>
-      </p:nvGrpSpPr>
-      <p:grpSpPr>
-        <a:xfrm>
-          <a:off x="0" y="0"/>
-          <a:ext cx="0" cy="0"/>
-          <a:chOff x="0" y="0"/>
-          <a:chExt cx="0" cy="0"/>
-        </a:xfrm>
-      </p:grpSpPr>
-      <p:sp>
-        <p:nvSpPr>
-          <p:cNvPr id="2" name="Title 1">
-            <a:extLst>
-              <a:ext uri="{FF2B5EF4-FFF2-40B4-BE49-F238E27FC236}">
-                <a16:creationId xmlns:a16="http://schemas.microsoft.com/office/drawing/2014/main" id="{1BEF5859-10C9-4588-9727-B9362E26C29D}"/>
-              </a:ext>
-            </a:extLst>
-          </p:cNvPr>
-          <p:cNvSpPr>
-            <a:spLocks noGrp="1"/>
-          </p:cNvSpPr>
-          <p:nvPr>
-            <p:ph type="title"/>
-          </p:nvPr>
-        </p:nvSpPr>
-        <p:spPr>
-          <a:xfrm>
-            <a:off x="1333500" y="1020445"/>
-            <a:ext cx="2895600" cy="1325563"/>
-          </a:xfrm>
-        </p:spPr>
-        <p:txBody>
-          <a:bodyPr/>
-          <a:lstStyle/>
-          <a:p>
-            <a:r>
-              <a:rPr lang="en-US" dirty="0"/>
-              <a:t>Presentation summary</a:t>
-            </a:r>
-          </a:p>
-        </p:txBody>
-      </p:sp>
-      <p:sp>
-        <p:nvSpPr>
-          <p:cNvPr id="3" name="Content Placeholder 2">
-            <a:extLst>
-              <a:ext uri="{FF2B5EF4-FFF2-40B4-BE49-F238E27FC236}">
-                <a16:creationId xmlns:a16="http://schemas.microsoft.com/office/drawing/2014/main" id="{5671D7E5-EF66-4BCD-8DAA-E9061157F0BE}"/>
-              </a:ext>
-            </a:extLst>
-          </p:cNvPr>
-          <p:cNvSpPr>
-            <a:spLocks noGrp="1"/>
-          </p:cNvSpPr>
-          <p:nvPr>
-            <p:ph idx="1"/>
-          </p:nvPr>
-        </p:nvSpPr>
-        <p:spPr>
-          <a:xfrm>
-            <a:off x="1333500" y="2674013"/>
-            <a:ext cx="3238500" cy="3679162"/>
-          </a:xfrm>
-        </p:spPr>
-        <p:txBody>
-          <a:bodyPr>
-            <a:normAutofit lnSpcReduction="10000"/>
-          </a:bodyPr>
-          <a:lstStyle/>
-          <a:p>
-            <a:pPr marL="285750" indent="-285750">
-              <a:buFont typeface="Arial" panose="020B0604020202020204" pitchFamily="34" charset="0"/>
-              <a:buChar char="•"/>
-            </a:pPr>
-            <a:r>
-              <a:rPr lang="en-US" dirty="0">
-                <a:hlinkClick r:id="rId3" action="ppaction://hlinksldjump"/>
-              </a:rPr>
-              <a:t>Introduction</a:t>
-            </a:r>
-            <a:endParaRPr lang="en-US" dirty="0">
-              <a:hlinkClick r:id="rId4" action="ppaction://hlinksldjump"/>
-            </a:endParaRPr>
-          </a:p>
-          <a:p>
-            <a:pPr marL="285750" indent="-285750">
-              <a:buFont typeface="Arial" panose="020B0604020202020204" pitchFamily="34" charset="0"/>
-              <a:buChar char="•"/>
-            </a:pPr>
-            <a:r>
-              <a:rPr lang="en-US" dirty="0">
-                <a:hlinkClick r:id="rId4" action="ppaction://hlinksldjump"/>
-              </a:rPr>
-              <a:t>Exploring the data</a:t>
-            </a:r>
-            <a:endParaRPr lang="en-US" dirty="0"/>
-          </a:p>
-          <a:p>
-            <a:pPr marL="285750" indent="-285750">
-              <a:buFont typeface="Arial" panose="020B0604020202020204" pitchFamily="34" charset="0"/>
-              <a:buChar char="•"/>
-            </a:pPr>
-            <a:r>
-              <a:rPr lang="en-US" dirty="0">
-                <a:hlinkClick r:id="rId5" action="ppaction://hlinksldjump"/>
-              </a:rPr>
-              <a:t>Find the customer segmentation</a:t>
-            </a:r>
-            <a:endParaRPr lang="en-US" dirty="0"/>
-          </a:p>
-          <a:p>
-            <a:pPr marL="285750" indent="-285750">
-              <a:buFont typeface="Arial" panose="020B0604020202020204" pitchFamily="34" charset="0"/>
-              <a:buChar char="•"/>
-            </a:pPr>
-            <a:r>
-              <a:rPr lang="en-US" dirty="0">
-                <a:hlinkClick r:id="rId6" action="ppaction://hlinksldjump"/>
-              </a:rPr>
-              <a:t>Create Churn Analysis</a:t>
-            </a:r>
-            <a:endParaRPr lang="en-US" dirty="0"/>
-          </a:p>
-          <a:p>
-            <a:pPr marL="285750" indent="-285750">
-              <a:buFont typeface="Arial" panose="020B0604020202020204" pitchFamily="34" charset="0"/>
-              <a:buChar char="•"/>
-            </a:pPr>
-            <a:r>
-              <a:rPr lang="en-US" dirty="0">
-                <a:hlinkClick r:id="rId7" action="ppaction://hlinksldjump"/>
-              </a:rPr>
-              <a:t>Design a Predictive Model</a:t>
-            </a:r>
-            <a:endParaRPr lang="en-US" dirty="0"/>
-          </a:p>
-          <a:p>
-            <a:pPr marL="285750" indent="-285750">
-              <a:buFont typeface="Arial" panose="020B0604020202020204" pitchFamily="34" charset="0"/>
-              <a:buChar char="•"/>
-            </a:pPr>
-            <a:r>
-              <a:rPr lang="en-US" dirty="0">
-                <a:hlinkClick r:id="rId8" action="ppaction://hlinksldjump"/>
-              </a:rPr>
-              <a:t>The recommendations</a:t>
-            </a:r>
-            <a:endParaRPr lang="en-US" dirty="0"/>
-          </a:p>
-          <a:p>
-            <a:pPr marL="285750" indent="-285750">
-              <a:buFont typeface="Arial" panose="020B0604020202020204" pitchFamily="34" charset="0"/>
-              <a:buChar char="•"/>
-            </a:pPr>
-            <a:r>
-              <a:rPr lang="en-US" dirty="0">
-                <a:hlinkClick r:id="rId9" action="ppaction://hlinksldjump"/>
-              </a:rPr>
-              <a:t>Appendix</a:t>
-            </a:r>
-            <a:endParaRPr lang="en-US" dirty="0"/>
-          </a:p>
-        </p:txBody>
-      </p:sp>
-    </p:spTree>
-    <p:extLst>
-      <p:ext uri="{BB962C8B-B14F-4D97-AF65-F5344CB8AC3E}">
-        <p14:creationId xmlns:p14="http://schemas.microsoft.com/office/powerpoint/2010/main" val="1713219598"/>
-      </p:ext>
-    </p:extLst>
-  </p:cSld>
-  <p:clrMapOvr>
-    <a:masterClrMapping/>
-  </p:clrMapOvr>
-</p:sld>
-</file>
-
-<file path=ppt/slides/slide3.xml><?xml version="1.0" encoding="utf-8"?>
-<p:sld xmlns:a="http://schemas.openxmlformats.org/drawingml/2006/main" xmlns:r="http://schemas.openxmlformats.org/officeDocument/2006/relationships" xmlns:p="http://schemas.openxmlformats.org/presentationml/2006/main">
-  <p:cSld>
-    <p:spTree>
-      <p:nvGrpSpPr>
-        <p:cNvPr id="1" name=""/>
-        <p:cNvGrpSpPr/>
-        <p:nvPr/>
-      </p:nvGrpSpPr>
-      <p:grpSpPr>
-        <a:xfrm>
-          <a:off x="0" y="0"/>
-          <a:ext cx="0" cy="0"/>
-          <a:chOff x="0" y="0"/>
-          <a:chExt cx="0" cy="0"/>
-        </a:xfrm>
-      </p:grpSpPr>
-      <p:sp>
-        <p:nvSpPr>
-          <p:cNvPr id="2" name="Title 1">
-            <a:extLst>
-              <a:ext uri="{FF2B5EF4-FFF2-40B4-BE49-F238E27FC236}">
-                <a16:creationId xmlns:a16="http://schemas.microsoft.com/office/drawing/2014/main" id="{0A32731C-311B-46F7-A865-6C3AF6B09A47}"/>
-              </a:ext>
-            </a:extLst>
-          </p:cNvPr>
-          <p:cNvSpPr>
-            <a:spLocks noGrp="1"/>
-          </p:cNvSpPr>
-          <p:nvPr>
-            <p:ph type="title"/>
-          </p:nvPr>
-        </p:nvSpPr>
-        <p:spPr>
-          <a:xfrm>
-            <a:off x="1322318" y="268360"/>
-            <a:ext cx="7288282" cy="2121177"/>
-          </a:xfrm>
-        </p:spPr>
-        <p:txBody>
-          <a:bodyPr/>
-          <a:lstStyle/>
-          <a:p>
-            <a:r>
-              <a:rPr lang="en-US" dirty="0"/>
-              <a:t>Introduction</a:t>
-            </a:r>
-          </a:p>
-        </p:txBody>
-      </p:sp>
-      <p:sp>
-        <p:nvSpPr>
-          <p:cNvPr id="3" name="Text Placeholder 2">
-            <a:extLst>
-              <a:ext uri="{FF2B5EF4-FFF2-40B4-BE49-F238E27FC236}">
-                <a16:creationId xmlns:a16="http://schemas.microsoft.com/office/drawing/2014/main" id="{9D5232F9-FD00-464A-9F17-619C91AEF8F3}"/>
-              </a:ext>
-            </a:extLst>
-          </p:cNvPr>
-          <p:cNvSpPr>
-            <a:spLocks noGrp="1"/>
-          </p:cNvSpPr>
-          <p:nvPr>
-            <p:ph sz="half" idx="2"/>
-          </p:nvPr>
-        </p:nvSpPr>
-        <p:spPr>
-          <a:xfrm>
-            <a:off x="1322388" y="2763078"/>
-            <a:ext cx="7288212" cy="3407051"/>
-          </a:xfrm>
-        </p:spPr>
-        <p:txBody>
-          <a:bodyPr>
-            <a:normAutofit/>
-          </a:bodyPr>
-          <a:lstStyle/>
-          <a:p>
-            <a:r>
-              <a:rPr lang="en-US" b="0" dirty="0"/>
-              <a:t>As a senior data analyst working at a fast-growing e-commerce platform, </a:t>
-            </a:r>
-            <a:r>
-              <a:rPr lang="en-US" b="0" dirty="0" err="1"/>
-              <a:t>Olist</a:t>
-            </a:r>
-            <a:r>
-              <a:rPr lang="en-US" b="0" dirty="0"/>
-              <a:t>, based in Brazil. </a:t>
-            </a:r>
-          </a:p>
-          <a:p>
-            <a:r>
-              <a:rPr lang="en-US" b="0" dirty="0"/>
-              <a:t>The company operates a marketplace connecting sellers and buyers across various product categories.</a:t>
-            </a:r>
-          </a:p>
-          <a:p>
-            <a:r>
-              <a:rPr lang="en-US" b="0" dirty="0"/>
-              <a:t>My task is to analyze the available dataset to derive actionable insights to improve business operations and customer experience, by first answering the business objectives. </a:t>
-            </a:r>
-          </a:p>
-          <a:p>
-            <a:r>
-              <a:rPr lang="en-US" dirty="0"/>
-              <a:t>In this analysis case study, I'll use the six steps of the data analysis process, which is (Ask, Prepare, Process, Analyze, Share, and Act).</a:t>
-            </a:r>
-          </a:p>
-        </p:txBody>
-      </p:sp>
-    </p:spTree>
-    <p:extLst>
-      <p:ext uri="{BB962C8B-B14F-4D97-AF65-F5344CB8AC3E}">
-        <p14:creationId xmlns:p14="http://schemas.microsoft.com/office/powerpoint/2010/main" val="3571516367"/>
-      </p:ext>
-    </p:extLst>
-  </p:cSld>
-  <p:clrMapOvr>
-    <a:masterClrMapping/>
-  </p:clrMapOvr>
-</p:sld>
-</file>
-
-<file path=ppt/slides/slide4.xml><?xml version="1.0" encoding="utf-8"?>
-<p:sld xmlns:a="http://schemas.openxmlformats.org/drawingml/2006/main" xmlns:r="http://schemas.openxmlformats.org/officeDocument/2006/relationships" xmlns:p="http://schemas.openxmlformats.org/presentationml/2006/main">
-  <p:cSld>
-    <p:spTree>
-      <p:nvGrpSpPr>
-        <p:cNvPr id="1" name=""/>
-        <p:cNvGrpSpPr/>
-        <p:nvPr/>
-      </p:nvGrpSpPr>
-      <p:grpSpPr>
-        <a:xfrm>
-          <a:off x="0" y="0"/>
-          <a:ext cx="0" cy="0"/>
-          <a:chOff x="0" y="0"/>
-          <a:chExt cx="0" cy="0"/>
-        </a:xfrm>
-      </p:grpSpPr>
-      <p:sp>
-        <p:nvSpPr>
-          <p:cNvPr id="2" name="Title 1">
-            <a:extLst>
-              <a:ext uri="{FF2B5EF4-FFF2-40B4-BE49-F238E27FC236}">
-                <a16:creationId xmlns:a16="http://schemas.microsoft.com/office/drawing/2014/main" id="{566C97BE-403B-122E-90D1-2788978A0B6F}"/>
-              </a:ext>
-            </a:extLst>
-          </p:cNvPr>
-          <p:cNvSpPr>
-            <a:spLocks noGrp="1"/>
-          </p:cNvSpPr>
-          <p:nvPr>
-            <p:ph type="ctrTitle"/>
-          </p:nvPr>
-        </p:nvSpPr>
-        <p:spPr>
-          <a:xfrm>
-            <a:off x="6991350" y="406400"/>
-            <a:ext cx="4179570" cy="3457971"/>
-          </a:xfrm>
-        </p:spPr>
-        <p:txBody>
-          <a:bodyPr/>
-          <a:lstStyle/>
-          <a:p>
-            <a:r>
-              <a:rPr lang="en-US" dirty="0"/>
-              <a:t>Exploring the data</a:t>
-            </a:r>
-          </a:p>
-        </p:txBody>
-      </p:sp>
-    </p:spTree>
-    <p:extLst>
-      <p:ext uri="{BB962C8B-B14F-4D97-AF65-F5344CB8AC3E}">
-        <p14:creationId xmlns:p14="http://schemas.microsoft.com/office/powerpoint/2010/main" val="334696707"/>
-      </p:ext>
-    </p:extLst>
-  </p:cSld>
-  <p:clrMapOvr>
-    <a:masterClrMapping/>
-  </p:clrMapOvr>
-</p:sld>
-</file>
-
-<file path=ppt/slides/slide5.xml><?xml version="1.0" encoding="utf-8"?>
-<p:sld xmlns:a="http://schemas.openxmlformats.org/drawingml/2006/main" xmlns:r="http://schemas.openxmlformats.org/officeDocument/2006/relationships" xmlns:p="http://schemas.openxmlformats.org/presentationml/2006/main">
-  <p:cSld>
-    <p:spTree>
-      <p:nvGrpSpPr>
-        <p:cNvPr id="1" name=""/>
-        <p:cNvGrpSpPr/>
-        <p:nvPr/>
-      </p:nvGrpSpPr>
-      <p:grpSpPr>
-        <a:xfrm>
-          <a:off x="0" y="0"/>
-          <a:ext cx="0" cy="0"/>
-          <a:chOff x="0" y="0"/>
-          <a:chExt cx="0" cy="0"/>
-        </a:xfrm>
-      </p:grpSpPr>
-      <p:sp>
-        <p:nvSpPr>
-          <p:cNvPr id="2" name="Title 1">
-            <a:extLst>
-              <a:ext uri="{FF2B5EF4-FFF2-40B4-BE49-F238E27FC236}">
-                <a16:creationId xmlns:a16="http://schemas.microsoft.com/office/drawing/2014/main" id="{0A32731C-311B-46F7-A865-6C3AF6B09A47}"/>
-              </a:ext>
-            </a:extLst>
-          </p:cNvPr>
-          <p:cNvSpPr>
-            <a:spLocks noGrp="1"/>
-          </p:cNvSpPr>
-          <p:nvPr>
-            <p:ph type="title"/>
-          </p:nvPr>
-        </p:nvSpPr>
-        <p:spPr>
-          <a:xfrm>
-            <a:off x="1684338" y="558059"/>
-            <a:ext cx="3102198" cy="678724"/>
-          </a:xfrm>
-        </p:spPr>
-        <p:txBody>
-          <a:bodyPr/>
-          <a:lstStyle/>
-          <a:p>
-            <a:r>
-              <a:rPr lang="en-US" dirty="0"/>
-              <a:t>Orders trend</a:t>
-            </a:r>
-          </a:p>
-        </p:txBody>
-      </p:sp>
-      <p:sp>
-        <p:nvSpPr>
-          <p:cNvPr id="3" name="Text Placeholder 2">
-            <a:extLst>
-              <a:ext uri="{FF2B5EF4-FFF2-40B4-BE49-F238E27FC236}">
-                <a16:creationId xmlns:a16="http://schemas.microsoft.com/office/drawing/2014/main" id="{9D5232F9-FD00-464A-9F17-619C91AEF8F3}"/>
-              </a:ext>
-            </a:extLst>
-          </p:cNvPr>
-          <p:cNvSpPr>
-            <a:spLocks noGrp="1"/>
-          </p:cNvSpPr>
-          <p:nvPr>
-            <p:ph sz="half" idx="2"/>
-          </p:nvPr>
-        </p:nvSpPr>
-        <p:spPr>
-          <a:xfrm>
-            <a:off x="479161" y="2515021"/>
-            <a:ext cx="4788652" cy="1827958"/>
-          </a:xfrm>
-        </p:spPr>
-        <p:txBody>
-          <a:bodyPr>
-            <a:normAutofit lnSpcReduction="10000"/>
-          </a:bodyPr>
-          <a:lstStyle/>
-          <a:p>
-            <a:r>
-              <a:rPr lang="en-US" b="0" dirty="0"/>
-              <a:t>From this visual we notice that the company started at the end of 2016, and with a noticeable increase in the end of 2017</a:t>
-            </a:r>
-          </a:p>
-          <a:p>
-            <a:r>
-              <a:rPr lang="en-US" b="0" dirty="0"/>
-              <a:t>And a near-stability in volume till the med of 2018</a:t>
-            </a:r>
-          </a:p>
-        </p:txBody>
-      </p:sp>
-      <p:pic>
-        <p:nvPicPr>
-          <p:cNvPr id="1028" name="Picture 4">
-            <a:extLst>
-              <a:ext uri="{FF2B5EF4-FFF2-40B4-BE49-F238E27FC236}">
-                <a16:creationId xmlns:a16="http://schemas.microsoft.com/office/drawing/2014/main" id="{0D0ABDFB-C093-16AF-3070-AF064EAA2751}"/>
-              </a:ext>
-            </a:extLst>
-          </p:cNvPr>
-          <p:cNvPicPr>
-            <a:picLocks noChangeAspect="1" noChangeArrowheads="1"/>
-          </p:cNvPicPr>
-          <p:nvPr/>
-        </p:nvPicPr>
-        <p:blipFill>
-          <a:blip r:embed="rId3">
-            <a:extLst>
-              <a:ext uri="{28A0092B-C50C-407E-A947-70E740481C1C}">
-                <a14:useLocalDpi xmlns:a14="http://schemas.microsoft.com/office/drawing/2010/main" val="0"/>
-              </a:ext>
-            </a:extLst>
-          </a:blip>
-          <a:srcRect/>
-          <a:stretch>
-            <a:fillRect/>
-          </a:stretch>
-        </p:blipFill>
-        <p:spPr bwMode="auto">
-          <a:xfrm>
-            <a:off x="5811097" y="1445381"/>
-            <a:ext cx="6380903" cy="4557788"/>
-          </a:xfrm>
-          <a:prstGeom prst="rect">
-            <a:avLst/>
-          </a:prstGeom>
-          <a:noFill/>
-          <a:extLst>
-            <a:ext uri="{909E8E84-426E-40DD-AFC4-6F175D3DCCD1}">
-              <a14:hiddenFill xmlns:a14="http://schemas.microsoft.com/office/drawing/2010/main">
-                <a:solidFill>
-                  <a:srgbClr val="FFFFFF"/>
-                </a:solidFill>
-              </a14:hiddenFill>
-            </a:ext>
-          </a:extLst>
-        </p:spPr>
-      </p:pic>
-    </p:spTree>
-    <p:extLst>
-      <p:ext uri="{BB962C8B-B14F-4D97-AF65-F5344CB8AC3E}">
-        <p14:creationId xmlns:p14="http://schemas.microsoft.com/office/powerpoint/2010/main" val="4051284654"/>
-      </p:ext>
-    </p:extLst>
-  </p:cSld>
-  <p:clrMapOvr>
-    <a:masterClrMapping/>
-  </p:clrMapOvr>
-</p:sld>
-</file>
-
-<file path=ppt/slides/slide6.xml><?xml version="1.0" encoding="utf-8"?>
-<p:sld xmlns:a="http://schemas.openxmlformats.org/drawingml/2006/main" xmlns:r="http://schemas.openxmlformats.org/officeDocument/2006/relationships" xmlns:p="http://schemas.openxmlformats.org/presentationml/2006/main">
-  <p:cSld>
-    <p:spTree>
-      <p:nvGrpSpPr>
-        <p:cNvPr id="1" name=""/>
-        <p:cNvGrpSpPr/>
-        <p:nvPr/>
-      </p:nvGrpSpPr>
-      <p:grpSpPr>
-        <a:xfrm>
-          <a:off x="0" y="0"/>
-          <a:ext cx="0" cy="0"/>
-          <a:chOff x="0" y="0"/>
-          <a:chExt cx="0" cy="0"/>
-        </a:xfrm>
-      </p:grpSpPr>
-      <p:sp>
-        <p:nvSpPr>
-          <p:cNvPr id="2" name="Title 1">
-            <a:extLst>
-              <a:ext uri="{FF2B5EF4-FFF2-40B4-BE49-F238E27FC236}">
-                <a16:creationId xmlns:a16="http://schemas.microsoft.com/office/drawing/2014/main" id="{566C97BE-403B-122E-90D1-2788978A0B6F}"/>
-              </a:ext>
-            </a:extLst>
-          </p:cNvPr>
-          <p:cNvSpPr>
-            <a:spLocks noGrp="1"/>
-          </p:cNvSpPr>
-          <p:nvPr>
-            <p:ph type="ctrTitle"/>
-          </p:nvPr>
-        </p:nvSpPr>
-        <p:spPr>
-          <a:xfrm>
-            <a:off x="6991350" y="406400"/>
-            <a:ext cx="4179570" cy="3457971"/>
-          </a:xfrm>
-        </p:spPr>
-        <p:txBody>
-          <a:bodyPr/>
-          <a:lstStyle/>
-          <a:p>
-            <a:r>
-              <a:rPr lang="en-US" dirty="0"/>
-              <a:t>customer segmentation</a:t>
-            </a:r>
-          </a:p>
-        </p:txBody>
-      </p:sp>
-    </p:spTree>
-    <p:extLst>
-      <p:ext uri="{BB962C8B-B14F-4D97-AF65-F5344CB8AC3E}">
-        <p14:creationId xmlns:p14="http://schemas.microsoft.com/office/powerpoint/2010/main" val="2090419055"/>
-      </p:ext>
-    </p:extLst>
-  </p:cSld>
-  <p:clrMapOvr>
-    <a:masterClrMapping/>
-  </p:clrMapOvr>
-</p:sld>
-</file>
-
-<file path=ppt/slides/slide7.xml><?xml version="1.0" encoding="utf-8"?>
-<p:sld xmlns:a="http://schemas.openxmlformats.org/drawingml/2006/main" xmlns:r="http://schemas.openxmlformats.org/officeDocument/2006/relationships" xmlns:p="http://schemas.openxmlformats.org/presentationml/2006/main">
-  <p:cSld>
-    <p:spTree>
-      <p:nvGrpSpPr>
-        <p:cNvPr id="1" name=""/>
-        <p:cNvGrpSpPr/>
-        <p:nvPr/>
-      </p:nvGrpSpPr>
-      <p:grpSpPr>
-        <a:xfrm>
-          <a:off x="0" y="0"/>
-          <a:ext cx="0" cy="0"/>
-          <a:chOff x="0" y="0"/>
-          <a:chExt cx="0" cy="0"/>
-        </a:xfrm>
-      </p:grpSpPr>
-      <p:sp>
-        <p:nvSpPr>
-          <p:cNvPr id="2" name="Title 1">
-            <a:extLst>
-              <a:ext uri="{FF2B5EF4-FFF2-40B4-BE49-F238E27FC236}">
-                <a16:creationId xmlns:a16="http://schemas.microsoft.com/office/drawing/2014/main" id="{0A32731C-311B-46F7-A865-6C3AF6B09A47}"/>
-              </a:ext>
-            </a:extLst>
-          </p:cNvPr>
-          <p:cNvSpPr>
-            <a:spLocks noGrp="1"/>
-          </p:cNvSpPr>
-          <p:nvPr>
-            <p:ph type="title"/>
-          </p:nvPr>
-        </p:nvSpPr>
-        <p:spPr>
-          <a:xfrm>
-            <a:off x="1322387" y="662834"/>
-            <a:ext cx="3144837" cy="678724"/>
-          </a:xfrm>
-        </p:spPr>
-        <p:txBody>
-          <a:bodyPr>
-            <a:normAutofit fontScale="90000"/>
-          </a:bodyPr>
-          <a:lstStyle/>
-          <a:p>
-            <a:r>
-              <a:rPr lang="en-US" dirty="0"/>
-              <a:t>Most purchased products </a:t>
-            </a:r>
-          </a:p>
-        </p:txBody>
-      </p:sp>
-      <p:sp>
-        <p:nvSpPr>
-          <p:cNvPr id="3" name="Text Placeholder 2">
-            <a:extLst>
-              <a:ext uri="{FF2B5EF4-FFF2-40B4-BE49-F238E27FC236}">
-                <a16:creationId xmlns:a16="http://schemas.microsoft.com/office/drawing/2014/main" id="{9D5232F9-FD00-464A-9F17-619C91AEF8F3}"/>
-              </a:ext>
-            </a:extLst>
-          </p:cNvPr>
-          <p:cNvSpPr>
-            <a:spLocks noGrp="1"/>
-          </p:cNvSpPr>
-          <p:nvPr>
-            <p:ph sz="half" idx="2"/>
-          </p:nvPr>
-        </p:nvSpPr>
-        <p:spPr>
-          <a:xfrm>
-            <a:off x="479161" y="2515021"/>
-            <a:ext cx="4788652" cy="1827958"/>
-          </a:xfrm>
-        </p:spPr>
-        <p:txBody>
-          <a:bodyPr>
-            <a:normAutofit/>
-          </a:bodyPr>
-          <a:lstStyle/>
-          <a:p>
-            <a:r>
-              <a:rPr lang="en-US" b="0" dirty="0"/>
-              <a:t>The best-selling categories are related to home furniture, beauty products, and sports</a:t>
-            </a:r>
-          </a:p>
-        </p:txBody>
-      </p:sp>
-      <p:pic>
-        <p:nvPicPr>
-          <p:cNvPr id="2050" name="Picture 2">
-            <a:extLst>
-              <a:ext uri="{FF2B5EF4-FFF2-40B4-BE49-F238E27FC236}">
-                <a16:creationId xmlns:a16="http://schemas.microsoft.com/office/drawing/2014/main" id="{A7418038-38AD-F9A6-2F5D-F320D626C352}"/>
-              </a:ext>
-            </a:extLst>
-          </p:cNvPr>
-          <p:cNvPicPr>
-            <a:picLocks noChangeAspect="1" noChangeArrowheads="1"/>
-          </p:cNvPicPr>
-          <p:nvPr/>
-        </p:nvPicPr>
-        <p:blipFill>
-          <a:blip r:embed="rId3">
-            <a:extLst>
-              <a:ext uri="{28A0092B-C50C-407E-A947-70E740481C1C}">
-                <a14:useLocalDpi xmlns:a14="http://schemas.microsoft.com/office/drawing/2010/main" val="0"/>
-              </a:ext>
-            </a:extLst>
-          </a:blip>
-          <a:srcRect/>
-          <a:stretch>
-            <a:fillRect/>
-          </a:stretch>
-        </p:blipFill>
-        <p:spPr bwMode="auto">
-          <a:xfrm>
-            <a:off x="5538129" y="1257510"/>
-            <a:ext cx="6653871" cy="4752765"/>
-          </a:xfrm>
-          <a:prstGeom prst="rect">
-            <a:avLst/>
-          </a:prstGeom>
-          <a:noFill/>
-          <a:extLst>
-            <a:ext uri="{909E8E84-426E-40DD-AFC4-6F175D3DCCD1}">
-              <a14:hiddenFill xmlns:a14="http://schemas.microsoft.com/office/drawing/2010/main">
-                <a:solidFill>
-                  <a:srgbClr val="FFFFFF"/>
-                </a:solidFill>
-              </a14:hiddenFill>
-            </a:ext>
-          </a:extLst>
-        </p:spPr>
-      </p:pic>
-    </p:spTree>
-    <p:extLst>
-      <p:ext uri="{BB962C8B-B14F-4D97-AF65-F5344CB8AC3E}">
-        <p14:creationId xmlns:p14="http://schemas.microsoft.com/office/powerpoint/2010/main" val="2641683259"/>
-      </p:ext>
-    </p:extLst>
-  </p:cSld>
-  <p:clrMapOvr>
-    <a:masterClrMapping/>
-  </p:clrMapOvr>
-</p:sld>
-</file>
-
-<file path=ppt/slides/slide8.xml><?xml version="1.0" encoding="utf-8"?>
-<p:sld xmlns:a="http://schemas.openxmlformats.org/drawingml/2006/main" xmlns:r="http://schemas.openxmlformats.org/officeDocument/2006/relationships" xmlns:p="http://schemas.openxmlformats.org/presentationml/2006/main">
-  <p:cSld>
-    <p:spTree>
-      <p:nvGrpSpPr>
-        <p:cNvPr id="1" name=""/>
-        <p:cNvGrpSpPr/>
-        <p:nvPr/>
-      </p:nvGrpSpPr>
-      <p:grpSpPr>
-        <a:xfrm>
-          <a:off x="0" y="0"/>
-          <a:ext cx="0" cy="0"/>
-          <a:chOff x="0" y="0"/>
-          <a:chExt cx="0" cy="0"/>
-        </a:xfrm>
-      </p:grpSpPr>
-      <p:sp>
-        <p:nvSpPr>
-          <p:cNvPr id="2" name="Title 1">
-            <a:extLst>
-              <a:ext uri="{FF2B5EF4-FFF2-40B4-BE49-F238E27FC236}">
-                <a16:creationId xmlns:a16="http://schemas.microsoft.com/office/drawing/2014/main" id="{0A32731C-311B-46F7-A865-6C3AF6B09A47}"/>
-              </a:ext>
-            </a:extLst>
-          </p:cNvPr>
-          <p:cNvSpPr>
-            <a:spLocks noGrp="1"/>
-          </p:cNvSpPr>
-          <p:nvPr>
-            <p:ph type="title"/>
-          </p:nvPr>
-        </p:nvSpPr>
-        <p:spPr>
-          <a:xfrm>
-            <a:off x="1531938" y="578786"/>
-            <a:ext cx="3102198" cy="678724"/>
-          </a:xfrm>
-        </p:spPr>
-        <p:txBody>
           <a:bodyPr/>
           <a:lstStyle/>
           <a:p>
@@ -10197,7 +8906,7 @@
             </a:r>
             <a:r>
               <a:rPr lang="en-US" b="0" dirty="0"/>
-              <a:t> are RJ, MG, and PR</a:t>
+              <a:t> are SP, RJ, and MG.</a:t>
             </a:r>
           </a:p>
           <a:p>
@@ -10234,106 +8943,12 @@
             <a:fld id="{A49DFD55-3C28-40EF-9E31-A92D2E4017FF}" type="slidenum">
               <a:rPr lang="en-US" smtClean="0"/>
               <a:pPr/>
-              <a:t>8</a:t>
+              <a:t>12</a:t>
             </a:fld>
             <a:endParaRPr lang="en-US" dirty="0"/>
           </a:p>
         </p:txBody>
       </p:sp>
-      <p:pic>
-        <p:nvPicPr>
-          <p:cNvPr id="3074" name="Picture 2">
-            <a:extLst>
-              <a:ext uri="{FF2B5EF4-FFF2-40B4-BE49-F238E27FC236}">
-                <a16:creationId xmlns:a16="http://schemas.microsoft.com/office/drawing/2014/main" id="{9EE1ECB8-2F16-A6EE-55AF-2AC0E8DD0696}"/>
-              </a:ext>
-            </a:extLst>
-          </p:cNvPr>
-          <p:cNvPicPr>
-            <a:picLocks noChangeAspect="1" noChangeArrowheads="1"/>
-          </p:cNvPicPr>
-          <p:nvPr/>
-        </p:nvPicPr>
-        <p:blipFill>
-          <a:blip r:embed="rId3">
-            <a:extLst>
-              <a:ext uri="{28A0092B-C50C-407E-A947-70E740481C1C}">
-                <a14:useLocalDpi xmlns:a14="http://schemas.microsoft.com/office/drawing/2010/main" val="0"/>
-              </a:ext>
-            </a:extLst>
-          </a:blip>
-          <a:srcRect/>
-          <a:stretch>
-            <a:fillRect/>
-          </a:stretch>
-        </p:blipFill>
-        <p:spPr bwMode="auto">
-          <a:xfrm>
-            <a:off x="360340" y="2676525"/>
-            <a:ext cx="5478485" cy="4181475"/>
-          </a:xfrm>
-          <a:prstGeom prst="rect">
-            <a:avLst/>
-          </a:prstGeom>
-          <a:noFill/>
-          <a:extLst>
-            <a:ext uri="{909E8E84-426E-40DD-AFC4-6F175D3DCCD1}">
-              <a14:hiddenFill xmlns:a14="http://schemas.microsoft.com/office/drawing/2010/main">
-                <a:solidFill>
-                  <a:srgbClr val="FFFFFF"/>
-                </a:solidFill>
-              </a14:hiddenFill>
-            </a:ext>
-          </a:extLst>
-        </p:spPr>
-      </p:pic>
-      <p:pic>
-        <p:nvPicPr>
-          <p:cNvPr id="3076" name="Picture 4">
-            <a:extLst>
-              <a:ext uri="{FF2B5EF4-FFF2-40B4-BE49-F238E27FC236}">
-                <a16:creationId xmlns:a16="http://schemas.microsoft.com/office/drawing/2014/main" id="{DBE4F746-80CA-4413-8323-391942E9BECC}"/>
-              </a:ext>
-            </a:extLst>
-          </p:cNvPr>
-          <p:cNvPicPr>
-            <a:picLocks noChangeAspect="1" noChangeArrowheads="1"/>
-          </p:cNvPicPr>
-          <p:nvPr/>
-        </p:nvPicPr>
-        <p:blipFill>
-          <a:blip r:embed="rId4">
-            <a:extLst>
-              <a:ext uri="{28A0092B-C50C-407E-A947-70E740481C1C}">
-                <a14:useLocalDpi xmlns:a14="http://schemas.microsoft.com/office/drawing/2010/main" val="0"/>
-              </a:ext>
-            </a:extLst>
-          </a:blip>
-          <a:srcRect/>
-          <a:stretch>
-            <a:fillRect/>
-          </a:stretch>
-        </p:blipFill>
-        <p:spPr bwMode="auto">
-          <a:xfrm>
-            <a:off x="6096000" y="2676524"/>
-            <a:ext cx="5854065" cy="4181475"/>
-          </a:xfrm>
-          <a:prstGeom prst="rect">
-            <a:avLst/>
-          </a:prstGeom>
-          <a:noFill/>
-          <a:extLst>
-            <a:ext uri="{909E8E84-426E-40DD-AFC4-6F175D3DCCD1}">
-              <a14:hiddenFill xmlns:a14="http://schemas.microsoft.com/office/drawing/2010/main">
-                <a:solidFill>
-                  <a:srgbClr val="FFFFFF"/>
-                </a:solidFill>
-              </a14:hiddenFill>
-            </a:ext>
-          </a:extLst>
-        </p:spPr>
-      </p:pic>
       <p:sp>
         <p:nvSpPr>
           <p:cNvPr id="4" name="Text Placeholder 2">
@@ -10528,14 +9143,105 @@
           <a:p>
             <a:r>
               <a:rPr lang="en-US" b="0" dirty="0"/>
-              <a:t>The highest states in purchasing quantities are SP, RJ, and MG</a:t>
-            </a:r>
-          </a:p>
-          <a:p>
-            <a:endParaRPr lang="en-US" b="0" dirty="0"/>
-          </a:p>
-        </p:txBody>
-      </p:sp>
+              <a:t>Highest Categories in purchasing value in the highest state (SP)</a:t>
+            </a:r>
+          </a:p>
+        </p:txBody>
+      </p:sp>
+      <p:pic>
+        <p:nvPicPr>
+          <p:cNvPr id="5122" name="Picture 2">
+            <a:extLst>
+              <a:ext uri="{FF2B5EF4-FFF2-40B4-BE49-F238E27FC236}">
+                <a16:creationId xmlns:a16="http://schemas.microsoft.com/office/drawing/2014/main" id="{48C1CB4A-5E9B-F5BE-89C4-C88260CB3591}"/>
+              </a:ext>
+            </a:extLst>
+          </p:cNvPr>
+          <p:cNvPicPr>
+            <a:picLocks noChangeAspect="1" noChangeArrowheads="1"/>
+          </p:cNvPicPr>
+          <p:nvPr/>
+        </p:nvPicPr>
+        <p:blipFill>
+          <a:blip r:embed="rId3">
+            <a:extLst>
+              <a:ext uri="{28A0092B-C50C-407E-A947-70E740481C1C}">
+                <a14:useLocalDpi xmlns:a14="http://schemas.microsoft.com/office/drawing/2010/main" val="0"/>
+              </a:ext>
+            </a:extLst>
+          </a:blip>
+          <a:srcRect/>
+          <a:stretch>
+            <a:fillRect/>
+          </a:stretch>
+        </p:blipFill>
+        <p:spPr bwMode="auto">
+          <a:xfrm>
+            <a:off x="5976694" y="2539355"/>
+            <a:ext cx="5854966" cy="4182119"/>
+          </a:xfrm>
+          <a:prstGeom prst="rect">
+            <a:avLst/>
+          </a:prstGeom>
+          <a:noFill/>
+          <a:extLst>
+            <a:ext uri="{909E8E84-426E-40DD-AFC4-6F175D3DCCD1}">
+              <a14:hiddenFill xmlns:a14="http://schemas.microsoft.com/office/drawing/2010/main">
+                <a:solidFill>
+                  <a:srgbClr val="FFFFFF"/>
+                </a:solidFill>
+              </a14:hiddenFill>
+            </a:ext>
+          </a:extLst>
+        </p:spPr>
+      </p:pic>
+      <p:pic>
+        <p:nvPicPr>
+          <p:cNvPr id="5126" name="Picture 6">
+            <a:extLst>
+              <a:ext uri="{FF2B5EF4-FFF2-40B4-BE49-F238E27FC236}">
+                <a16:creationId xmlns:a16="http://schemas.microsoft.com/office/drawing/2014/main" id="{05A637A1-5A1E-DCD0-983B-83B222082DE7}"/>
+              </a:ext>
+            </a:extLst>
+          </p:cNvPr>
+          <p:cNvPicPr>
+            <a:picLocks noChangeAspect="1" noChangeArrowheads="1"/>
+          </p:cNvPicPr>
+          <p:nvPr/>
+        </p:nvPicPr>
+        <p:blipFill>
+          <a:blip r:embed="rId4">
+            <a:extLst>
+              <a:ext uri="{28A0092B-C50C-407E-A947-70E740481C1C}">
+                <a14:useLocalDpi xmlns:a14="http://schemas.microsoft.com/office/drawing/2010/main" val="0"/>
+              </a:ext>
+            </a:extLst>
+          </a:blip>
+          <a:srcRect/>
+          <a:stretch>
+            <a:fillRect/>
+          </a:stretch>
+        </p:blipFill>
+        <p:spPr bwMode="auto">
+          <a:xfrm>
+            <a:off x="192552" y="2591111"/>
+            <a:ext cx="5724489" cy="4088921"/>
+          </a:xfrm>
+          <a:prstGeom prst="rect">
+            <a:avLst/>
+          </a:prstGeom>
+          <a:noFill/>
+          <a:extLst>
+            <a:ext uri="{909E8E84-426E-40DD-AFC4-6F175D3DCCD1}">
+              <a14:hiddenFill xmlns:a14="http://schemas.microsoft.com/office/drawing/2010/main">
+                <a:solidFill>
+                  <a:srgbClr val="FFFFFF"/>
+                </a:solidFill>
+              </a14:hiddenFill>
+            </a:ext>
+          </a:extLst>
+        </p:spPr>
+      </p:pic>
     </p:spTree>
     <p:extLst>
       <p:ext uri="{BB962C8B-B14F-4D97-AF65-F5344CB8AC3E}">
@@ -10546,10 +9252,264 @@
   <p:clrMapOvr>
     <a:masterClrMapping/>
   </p:clrMapOvr>
+  <p:timing>
+    <p:tnLst>
+      <p:par>
+        <p:cTn id="1" dur="indefinite" restart="never" nodeType="tmRoot">
+          <p:childTnLst>
+            <p:seq concurrent="1" nextAc="seek">
+              <p:cTn id="2" dur="indefinite" nodeType="mainSeq">
+                <p:childTnLst>
+                  <p:par>
+                    <p:cTn id="3" fill="hold">
+                      <p:stCondLst>
+                        <p:cond delay="indefinite"/>
+                      </p:stCondLst>
+                      <p:childTnLst>
+                        <p:par>
+                          <p:cTn id="4" fill="hold">
+                            <p:stCondLst>
+                              <p:cond delay="0"/>
+                            </p:stCondLst>
+                            <p:childTnLst>
+                              <p:par>
+                                <p:cTn id="5" presetID="10" presetClass="entr" presetSubtype="0" fill="hold" nodeType="clickEffect">
+                                  <p:stCondLst>
+                                    <p:cond delay="0"/>
+                                  </p:stCondLst>
+                                  <p:childTnLst>
+                                    <p:set>
+                                      <p:cBhvr>
+                                        <p:cTn id="6" dur="1" fill="hold">
+                                          <p:stCondLst>
+                                            <p:cond delay="0"/>
+                                          </p:stCondLst>
+                                        </p:cTn>
+                                        <p:tgtEl>
+                                          <p:spTgt spid="5126"/>
+                                        </p:tgtEl>
+                                        <p:attrNameLst>
+                                          <p:attrName>style.visibility</p:attrName>
+                                        </p:attrNameLst>
+                                      </p:cBhvr>
+                                      <p:to>
+                                        <p:strVal val="visible"/>
+                                      </p:to>
+                                    </p:set>
+                                    <p:animEffect transition="in" filter="fade">
+                                      <p:cBhvr>
+                                        <p:cTn id="7" dur="500"/>
+                                        <p:tgtEl>
+                                          <p:spTgt spid="5126"/>
+                                        </p:tgtEl>
+                                      </p:cBhvr>
+                                    </p:animEffect>
+                                  </p:childTnLst>
+                                </p:cTn>
+                              </p:par>
+                            </p:childTnLst>
+                          </p:cTn>
+                        </p:par>
+                      </p:childTnLst>
+                    </p:cTn>
+                  </p:par>
+                  <p:par>
+                    <p:cTn id="8" fill="hold">
+                      <p:stCondLst>
+                        <p:cond delay="indefinite"/>
+                      </p:stCondLst>
+                      <p:childTnLst>
+                        <p:par>
+                          <p:cTn id="9" fill="hold">
+                            <p:stCondLst>
+                              <p:cond delay="0"/>
+                            </p:stCondLst>
+                            <p:childTnLst>
+                              <p:par>
+                                <p:cTn id="10" presetID="10" presetClass="entr" presetSubtype="0" fill="hold" grpId="0" nodeType="clickEffect">
+                                  <p:stCondLst>
+                                    <p:cond delay="0"/>
+                                  </p:stCondLst>
+                                  <p:childTnLst>
+                                    <p:set>
+                                      <p:cBhvr>
+                                        <p:cTn id="11" dur="1" fill="hold">
+                                          <p:stCondLst>
+                                            <p:cond delay="0"/>
+                                          </p:stCondLst>
+                                        </p:cTn>
+                                        <p:tgtEl>
+                                          <p:spTgt spid="3">
+                                            <p:txEl>
+                                              <p:pRg st="0" end="0"/>
+                                            </p:txEl>
+                                          </p:spTgt>
+                                        </p:tgtEl>
+                                        <p:attrNameLst>
+                                          <p:attrName>style.visibility</p:attrName>
+                                        </p:attrNameLst>
+                                      </p:cBhvr>
+                                      <p:to>
+                                        <p:strVal val="visible"/>
+                                      </p:to>
+                                    </p:set>
+                                    <p:animEffect transition="in" filter="fade">
+                                      <p:cBhvr>
+                                        <p:cTn id="12" dur="500"/>
+                                        <p:tgtEl>
+                                          <p:spTgt spid="3">
+                                            <p:txEl>
+                                              <p:pRg st="0" end="0"/>
+                                            </p:txEl>
+                                          </p:spTgt>
+                                        </p:tgtEl>
+                                      </p:cBhvr>
+                                    </p:animEffect>
+                                  </p:childTnLst>
+                                </p:cTn>
+                              </p:par>
+                            </p:childTnLst>
+                          </p:cTn>
+                        </p:par>
+                      </p:childTnLst>
+                    </p:cTn>
+                  </p:par>
+                  <p:par>
+                    <p:cTn id="13" fill="hold">
+                      <p:stCondLst>
+                        <p:cond delay="indefinite"/>
+                      </p:stCondLst>
+                      <p:childTnLst>
+                        <p:par>
+                          <p:cTn id="14" fill="hold">
+                            <p:stCondLst>
+                              <p:cond delay="0"/>
+                            </p:stCondLst>
+                            <p:childTnLst>
+                              <p:par>
+                                <p:cTn id="15" presetID="10" presetClass="entr" presetSubtype="0" fill="hold" nodeType="clickEffect">
+                                  <p:stCondLst>
+                                    <p:cond delay="0"/>
+                                  </p:stCondLst>
+                                  <p:childTnLst>
+                                    <p:set>
+                                      <p:cBhvr>
+                                        <p:cTn id="16" dur="1" fill="hold">
+                                          <p:stCondLst>
+                                            <p:cond delay="0"/>
+                                          </p:stCondLst>
+                                        </p:cTn>
+                                        <p:tgtEl>
+                                          <p:spTgt spid="5122"/>
+                                        </p:tgtEl>
+                                        <p:attrNameLst>
+                                          <p:attrName>style.visibility</p:attrName>
+                                        </p:attrNameLst>
+                                      </p:cBhvr>
+                                      <p:to>
+                                        <p:strVal val="visible"/>
+                                      </p:to>
+                                    </p:set>
+                                    <p:animEffect transition="in" filter="fade">
+                                      <p:cBhvr>
+                                        <p:cTn id="17" dur="500"/>
+                                        <p:tgtEl>
+                                          <p:spTgt spid="5122"/>
+                                        </p:tgtEl>
+                                      </p:cBhvr>
+                                    </p:animEffect>
+                                  </p:childTnLst>
+                                </p:cTn>
+                              </p:par>
+                            </p:childTnLst>
+                          </p:cTn>
+                        </p:par>
+                      </p:childTnLst>
+                    </p:cTn>
+                  </p:par>
+                  <p:par>
+                    <p:cTn id="18" fill="hold">
+                      <p:stCondLst>
+                        <p:cond delay="indefinite"/>
+                      </p:stCondLst>
+                      <p:childTnLst>
+                        <p:par>
+                          <p:cTn id="19" fill="hold">
+                            <p:stCondLst>
+                              <p:cond delay="0"/>
+                            </p:stCondLst>
+                            <p:childTnLst>
+                              <p:par>
+                                <p:cTn id="20" presetID="10" presetClass="entr" presetSubtype="0" fill="hold" grpId="0" nodeType="clickEffect">
+                                  <p:stCondLst>
+                                    <p:cond delay="0"/>
+                                  </p:stCondLst>
+                                  <p:childTnLst>
+                                    <p:set>
+                                      <p:cBhvr>
+                                        <p:cTn id="21" dur="1" fill="hold">
+                                          <p:stCondLst>
+                                            <p:cond delay="0"/>
+                                          </p:stCondLst>
+                                        </p:cTn>
+                                        <p:tgtEl>
+                                          <p:spTgt spid="4"/>
+                                        </p:tgtEl>
+                                        <p:attrNameLst>
+                                          <p:attrName>style.visibility</p:attrName>
+                                        </p:attrNameLst>
+                                      </p:cBhvr>
+                                      <p:to>
+                                        <p:strVal val="visible"/>
+                                      </p:to>
+                                    </p:set>
+                                    <p:animEffect transition="in" filter="fade">
+                                      <p:cBhvr>
+                                        <p:cTn id="22" dur="500"/>
+                                        <p:tgtEl>
+                                          <p:spTgt spid="4"/>
+                                        </p:tgtEl>
+                                      </p:cBhvr>
+                                    </p:animEffect>
+                                  </p:childTnLst>
+                                </p:cTn>
+                              </p:par>
+                            </p:childTnLst>
+                          </p:cTn>
+                        </p:par>
+                      </p:childTnLst>
+                    </p:cTn>
+                  </p:par>
+                </p:childTnLst>
+              </p:cTn>
+              <p:prevCondLst>
+                <p:cond evt="onPrev" delay="0">
+                  <p:tgtEl>
+                    <p:sldTgt/>
+                  </p:tgtEl>
+                </p:cond>
+              </p:prevCondLst>
+              <p:nextCondLst>
+                <p:cond evt="onNext" delay="0">
+                  <p:tgtEl>
+                    <p:sldTgt/>
+                  </p:tgtEl>
+                </p:cond>
+              </p:nextCondLst>
+            </p:seq>
+          </p:childTnLst>
+        </p:cTn>
+      </p:par>
+    </p:tnLst>
+    <p:bldLst>
+      <p:bldP spid="3" grpId="0" build="p"/>
+      <p:bldP spid="4" grpId="0"/>
+    </p:bldLst>
+  </p:timing>
 </p:sld>
 </file>
 
-<file path=ppt/slides/slide9.xml><?xml version="1.0" encoding="utf-8"?>
+<file path=ppt/slides/slide13.xml><?xml version="1.0" encoding="utf-8"?>
 <p:sld xmlns:a="http://schemas.openxmlformats.org/drawingml/2006/main" xmlns:r="http://schemas.openxmlformats.org/officeDocument/2006/relationships" xmlns:p="http://schemas.openxmlformats.org/presentationml/2006/main">
   <p:cSld>
     <p:spTree>
@@ -10584,6 +9544,191 @@
         </p:nvSpPr>
         <p:spPr>
           <a:xfrm>
+            <a:off x="1531937" y="578786"/>
+            <a:ext cx="3566273" cy="678724"/>
+          </a:xfrm>
+        </p:spPr>
+        <p:txBody>
+          <a:bodyPr>
+            <a:normAutofit fontScale="90000"/>
+          </a:bodyPr>
+          <a:lstStyle/>
+          <a:p>
+            <a:r>
+              <a:rPr lang="en-US" dirty="0"/>
+              <a:t>states in spending</a:t>
+            </a:r>
+          </a:p>
+        </p:txBody>
+      </p:sp>
+      <p:sp>
+        <p:nvSpPr>
+          <p:cNvPr id="3" name="Text Placeholder 2">
+            <a:extLst>
+              <a:ext uri="{FF2B5EF4-FFF2-40B4-BE49-F238E27FC236}">
+                <a16:creationId xmlns:a16="http://schemas.microsoft.com/office/drawing/2014/main" id="{9D5232F9-FD00-464A-9F17-619C91AEF8F3}"/>
+              </a:ext>
+            </a:extLst>
+          </p:cNvPr>
+          <p:cNvSpPr>
+            <a:spLocks noGrp="1"/>
+          </p:cNvSpPr>
+          <p:nvPr>
+            <p:ph sz="half" idx="2"/>
+          </p:nvPr>
+        </p:nvSpPr>
+        <p:spPr>
+          <a:xfrm>
+            <a:off x="781429" y="2176434"/>
+            <a:ext cx="4272196" cy="799679"/>
+          </a:xfrm>
+        </p:spPr>
+        <p:txBody>
+          <a:bodyPr>
+            <a:normAutofit/>
+          </a:bodyPr>
+          <a:lstStyle/>
+          <a:p>
+            <a:r>
+              <a:rPr lang="en-US" b="0" dirty="0"/>
+              <a:t>Below is the states’ average spending (Highest/Lowest)</a:t>
+            </a:r>
+          </a:p>
+          <a:p>
+            <a:endParaRPr lang="en-US" b="0" dirty="0"/>
+          </a:p>
+        </p:txBody>
+      </p:sp>
+      <p:sp>
+        <p:nvSpPr>
+          <p:cNvPr id="14" name="Slide Number Placeholder 5">
+            <a:extLst>
+              <a:ext uri="{FF2B5EF4-FFF2-40B4-BE49-F238E27FC236}">
+                <a16:creationId xmlns:a16="http://schemas.microsoft.com/office/drawing/2014/main" id="{ECE635A2-70B8-3EAB-6A18-952B02EBAA1E}"/>
+              </a:ext>
+            </a:extLst>
+          </p:cNvPr>
+          <p:cNvSpPr>
+            <a:spLocks noGrp="1"/>
+          </p:cNvSpPr>
+          <p:nvPr>
+            <p:ph type="sldNum" sz="quarter" idx="12"/>
+          </p:nvPr>
+        </p:nvSpPr>
+        <p:spPr>
+          <a:xfrm>
+            <a:off x="10373350" y="6356349"/>
+            <a:ext cx="987552" cy="365125"/>
+          </a:xfrm>
+        </p:spPr>
+        <p:txBody>
+          <a:bodyPr/>
+          <a:lstStyle/>
+          <a:p>
+            <a:fld id="{A49DFD55-3C28-40EF-9E31-A92D2E4017FF}" type="slidenum">
+              <a:rPr lang="en-US" smtClean="0"/>
+              <a:pPr/>
+              <a:t>13</a:t>
+            </a:fld>
+            <a:endParaRPr lang="en-US" dirty="0"/>
+          </a:p>
+        </p:txBody>
+      </p:sp>
+      <p:pic>
+        <p:nvPicPr>
+          <p:cNvPr id="8194" name="Picture 2">
+            <a:extLst>
+              <a:ext uri="{FF2B5EF4-FFF2-40B4-BE49-F238E27FC236}">
+                <a16:creationId xmlns:a16="http://schemas.microsoft.com/office/drawing/2014/main" id="{8E2F5745-1F4B-936E-65C9-2433F47BF52B}"/>
+              </a:ext>
+            </a:extLst>
+          </p:cNvPr>
+          <p:cNvPicPr>
+            <a:picLocks noChangeAspect="1" noChangeArrowheads="1"/>
+          </p:cNvPicPr>
+          <p:nvPr/>
+        </p:nvPicPr>
+        <p:blipFill>
+          <a:blip r:embed="rId3">
+            <a:extLst>
+              <a:ext uri="{28A0092B-C50C-407E-A947-70E740481C1C}">
+                <a14:useLocalDpi xmlns:a14="http://schemas.microsoft.com/office/drawing/2010/main" val="0"/>
+              </a:ext>
+            </a:extLst>
+          </a:blip>
+          <a:srcRect/>
+          <a:stretch>
+            <a:fillRect/>
+          </a:stretch>
+        </p:blipFill>
+        <p:spPr bwMode="auto">
+          <a:xfrm>
+            <a:off x="5053625" y="1180375"/>
+            <a:ext cx="7138375" cy="5098839"/>
+          </a:xfrm>
+          <a:prstGeom prst="rect">
+            <a:avLst/>
+          </a:prstGeom>
+          <a:noFill/>
+          <a:extLst>
+            <a:ext uri="{909E8E84-426E-40DD-AFC4-6F175D3DCCD1}">
+              <a14:hiddenFill xmlns:a14="http://schemas.microsoft.com/office/drawing/2010/main">
+                <a:solidFill>
+                  <a:srgbClr val="FFFFFF"/>
+                </a:solidFill>
+              </a14:hiddenFill>
+            </a:ext>
+          </a:extLst>
+        </p:spPr>
+      </p:pic>
+    </p:spTree>
+    <p:extLst>
+      <p:ext uri="{BB962C8B-B14F-4D97-AF65-F5344CB8AC3E}">
+        <p14:creationId xmlns:p14="http://schemas.microsoft.com/office/powerpoint/2010/main" val="3509861121"/>
+      </p:ext>
+    </p:extLst>
+  </p:cSld>
+  <p:clrMapOvr>
+    <a:masterClrMapping/>
+  </p:clrMapOvr>
+</p:sld>
+</file>
+
+<file path=ppt/slides/slide14.xml><?xml version="1.0" encoding="utf-8"?>
+<p:sld xmlns:a="http://schemas.openxmlformats.org/drawingml/2006/main" xmlns:r="http://schemas.openxmlformats.org/officeDocument/2006/relationships" xmlns:p="http://schemas.openxmlformats.org/presentationml/2006/main">
+  <p:cSld>
+    <p:spTree>
+      <p:nvGrpSpPr>
+        <p:cNvPr id="1" name=""/>
+        <p:cNvGrpSpPr/>
+        <p:nvPr/>
+      </p:nvGrpSpPr>
+      <p:grpSpPr>
+        <a:xfrm>
+          <a:off x="0" y="0"/>
+          <a:ext cx="0" cy="0"/>
+          <a:chOff x="0" y="0"/>
+          <a:chExt cx="0" cy="0"/>
+        </a:xfrm>
+      </p:grpSpPr>
+      <p:sp>
+        <p:nvSpPr>
+          <p:cNvPr id="2" name="Title 1">
+            <a:extLst>
+              <a:ext uri="{FF2B5EF4-FFF2-40B4-BE49-F238E27FC236}">
+                <a16:creationId xmlns:a16="http://schemas.microsoft.com/office/drawing/2014/main" id="{0A32731C-311B-46F7-A865-6C3AF6B09A47}"/>
+              </a:ext>
+            </a:extLst>
+          </p:cNvPr>
+          <p:cNvSpPr>
+            <a:spLocks noGrp="1"/>
+          </p:cNvSpPr>
+          <p:nvPr>
+            <p:ph type="title"/>
+          </p:nvPr>
+        </p:nvSpPr>
+        <p:spPr>
+          <a:xfrm>
             <a:off x="1531938" y="578786"/>
             <a:ext cx="3102198" cy="678724"/>
           </a:xfrm>
@@ -10631,7 +9776,7 @@
           <a:p>
             <a:r>
               <a:rPr lang="en-US" b="0" dirty="0"/>
-              <a:t>Regarding the payments value distribution, we found that most selling products are between 50 - 200</a:t>
+              <a:t>Regarding the payments value distribution, we found that most selling products are between 50 - 250</a:t>
             </a:r>
           </a:p>
         </p:txBody>
@@ -10687,6 +9832,5736 @@
     <p:extLst>
       <p:ext uri="{BB962C8B-B14F-4D97-AF65-F5344CB8AC3E}">
         <p14:creationId xmlns:p14="http://schemas.microsoft.com/office/powerpoint/2010/main" val="221374095"/>
+      </p:ext>
+    </p:extLst>
+  </p:cSld>
+  <p:clrMapOvr>
+    <a:masterClrMapping/>
+  </p:clrMapOvr>
+</p:sld>
+</file>
+
+<file path=ppt/slides/slide15.xml><?xml version="1.0" encoding="utf-8"?>
+<p:sld xmlns:a="http://schemas.openxmlformats.org/drawingml/2006/main" xmlns:r="http://schemas.openxmlformats.org/officeDocument/2006/relationships" xmlns:p="http://schemas.openxmlformats.org/presentationml/2006/main">
+  <p:cSld>
+    <p:spTree>
+      <p:nvGrpSpPr>
+        <p:cNvPr id="1" name=""/>
+        <p:cNvGrpSpPr/>
+        <p:nvPr/>
+      </p:nvGrpSpPr>
+      <p:grpSpPr>
+        <a:xfrm>
+          <a:off x="0" y="0"/>
+          <a:ext cx="0" cy="0"/>
+          <a:chOff x="0" y="0"/>
+          <a:chExt cx="0" cy="0"/>
+        </a:xfrm>
+      </p:grpSpPr>
+      <p:sp>
+        <p:nvSpPr>
+          <p:cNvPr id="2" name="Title 1">
+            <a:extLst>
+              <a:ext uri="{FF2B5EF4-FFF2-40B4-BE49-F238E27FC236}">
+                <a16:creationId xmlns:a16="http://schemas.microsoft.com/office/drawing/2014/main" id="{566C97BE-403B-122E-90D1-2788978A0B6F}"/>
+              </a:ext>
+            </a:extLst>
+          </p:cNvPr>
+          <p:cNvSpPr>
+            <a:spLocks noGrp="1"/>
+          </p:cNvSpPr>
+          <p:nvPr>
+            <p:ph type="ctrTitle"/>
+          </p:nvPr>
+        </p:nvSpPr>
+        <p:spPr>
+          <a:xfrm>
+            <a:off x="6991350" y="406400"/>
+            <a:ext cx="4179570" cy="3457971"/>
+          </a:xfrm>
+        </p:spPr>
+        <p:txBody>
+          <a:bodyPr/>
+          <a:lstStyle/>
+          <a:p>
+            <a:r>
+              <a:rPr lang="en-US" dirty="0"/>
+              <a:t>Churn Analysis</a:t>
+            </a:r>
+          </a:p>
+        </p:txBody>
+      </p:sp>
+    </p:spTree>
+    <p:extLst>
+      <p:ext uri="{BB962C8B-B14F-4D97-AF65-F5344CB8AC3E}">
+        <p14:creationId xmlns:p14="http://schemas.microsoft.com/office/powerpoint/2010/main" val="168196349"/>
+      </p:ext>
+    </p:extLst>
+  </p:cSld>
+  <p:clrMapOvr>
+    <a:masterClrMapping/>
+  </p:clrMapOvr>
+</p:sld>
+</file>
+
+<file path=ppt/slides/slide16.xml><?xml version="1.0" encoding="utf-8"?>
+<p:sld xmlns:a="http://schemas.openxmlformats.org/drawingml/2006/main" xmlns:r="http://schemas.openxmlformats.org/officeDocument/2006/relationships" xmlns:p="http://schemas.openxmlformats.org/presentationml/2006/main">
+  <p:cSld>
+    <p:spTree>
+      <p:nvGrpSpPr>
+        <p:cNvPr id="1" name=""/>
+        <p:cNvGrpSpPr/>
+        <p:nvPr/>
+      </p:nvGrpSpPr>
+      <p:grpSpPr>
+        <a:xfrm>
+          <a:off x="0" y="0"/>
+          <a:ext cx="0" cy="0"/>
+          <a:chOff x="0" y="0"/>
+          <a:chExt cx="0" cy="0"/>
+        </a:xfrm>
+      </p:grpSpPr>
+      <p:sp>
+        <p:nvSpPr>
+          <p:cNvPr id="2" name="Title 1">
+            <a:extLst>
+              <a:ext uri="{FF2B5EF4-FFF2-40B4-BE49-F238E27FC236}">
+                <a16:creationId xmlns:a16="http://schemas.microsoft.com/office/drawing/2014/main" id="{0A32731C-311B-46F7-A865-6C3AF6B09A47}"/>
+              </a:ext>
+            </a:extLst>
+          </p:cNvPr>
+          <p:cNvSpPr>
+            <a:spLocks noGrp="1"/>
+          </p:cNvSpPr>
+          <p:nvPr>
+            <p:ph type="title"/>
+          </p:nvPr>
+        </p:nvSpPr>
+        <p:spPr>
+          <a:xfrm>
+            <a:off x="1531938" y="578786"/>
+            <a:ext cx="3102198" cy="678724"/>
+          </a:xfrm>
+        </p:spPr>
+        <p:txBody>
+          <a:bodyPr>
+            <a:normAutofit/>
+          </a:bodyPr>
+          <a:lstStyle/>
+          <a:p>
+            <a:r>
+              <a:rPr lang="en-US" dirty="0"/>
+              <a:t>Churn Rate</a:t>
+            </a:r>
+          </a:p>
+        </p:txBody>
+      </p:sp>
+      <p:sp>
+        <p:nvSpPr>
+          <p:cNvPr id="3" name="Text Placeholder 2">
+            <a:extLst>
+              <a:ext uri="{FF2B5EF4-FFF2-40B4-BE49-F238E27FC236}">
+                <a16:creationId xmlns:a16="http://schemas.microsoft.com/office/drawing/2014/main" id="{9D5232F9-FD00-464A-9F17-619C91AEF8F3}"/>
+              </a:ext>
+            </a:extLst>
+          </p:cNvPr>
+          <p:cNvSpPr>
+            <a:spLocks noGrp="1"/>
+          </p:cNvSpPr>
+          <p:nvPr>
+            <p:ph sz="half" idx="2"/>
+          </p:nvPr>
+        </p:nvSpPr>
+        <p:spPr>
+          <a:xfrm>
+            <a:off x="479161" y="2515021"/>
+            <a:ext cx="4788652" cy="1827958"/>
+          </a:xfrm>
+        </p:spPr>
+        <p:txBody>
+          <a:bodyPr>
+            <a:normAutofit/>
+          </a:bodyPr>
+          <a:lstStyle/>
+          <a:p>
+            <a:r>
+              <a:rPr lang="en-US" b="0" dirty="0"/>
+              <a:t>As we can see the churn rate was 100% until the first quarter of 2017, then started to decrease slowly.</a:t>
+            </a:r>
+          </a:p>
+          <a:p>
+            <a:r>
+              <a:rPr lang="en-US" b="0" dirty="0"/>
+              <a:t>Overall Churn Rate is 99.76%, and Retention is 0.24%</a:t>
+            </a:r>
+          </a:p>
+        </p:txBody>
+      </p:sp>
+      <p:pic>
+        <p:nvPicPr>
+          <p:cNvPr id="9220" name="Picture 4">
+            <a:extLst>
+              <a:ext uri="{FF2B5EF4-FFF2-40B4-BE49-F238E27FC236}">
+                <a16:creationId xmlns:a16="http://schemas.microsoft.com/office/drawing/2014/main" id="{E22C5839-E210-5BF6-BF4D-2803F5DBD7F0}"/>
+              </a:ext>
+            </a:extLst>
+          </p:cNvPr>
+          <p:cNvPicPr>
+            <a:picLocks noChangeAspect="1" noChangeArrowheads="1"/>
+          </p:cNvPicPr>
+          <p:nvPr/>
+        </p:nvPicPr>
+        <p:blipFill>
+          <a:blip r:embed="rId3">
+            <a:extLst>
+              <a:ext uri="{28A0092B-C50C-407E-A947-70E740481C1C}">
+                <a14:useLocalDpi xmlns:a14="http://schemas.microsoft.com/office/drawing/2010/main" val="0"/>
+              </a:ext>
+            </a:extLst>
+          </a:blip>
+          <a:srcRect/>
+          <a:stretch>
+            <a:fillRect/>
+          </a:stretch>
+        </p:blipFill>
+        <p:spPr bwMode="auto">
+          <a:xfrm>
+            <a:off x="5471449" y="1257510"/>
+            <a:ext cx="6473261" cy="4623757"/>
+          </a:xfrm>
+          <a:prstGeom prst="rect">
+            <a:avLst/>
+          </a:prstGeom>
+          <a:noFill/>
+          <a:extLst>
+            <a:ext uri="{909E8E84-426E-40DD-AFC4-6F175D3DCCD1}">
+              <a14:hiddenFill xmlns:a14="http://schemas.microsoft.com/office/drawing/2010/main">
+                <a:solidFill>
+                  <a:srgbClr val="FFFFFF"/>
+                </a:solidFill>
+              </a14:hiddenFill>
+            </a:ext>
+          </a:extLst>
+        </p:spPr>
+      </p:pic>
+    </p:spTree>
+    <p:extLst>
+      <p:ext uri="{BB962C8B-B14F-4D97-AF65-F5344CB8AC3E}">
+        <p14:creationId xmlns:p14="http://schemas.microsoft.com/office/powerpoint/2010/main" val="2398467415"/>
+      </p:ext>
+    </p:extLst>
+  </p:cSld>
+  <p:clrMapOvr>
+    <a:masterClrMapping/>
+  </p:clrMapOvr>
+  <p:timing>
+    <p:tnLst>
+      <p:par>
+        <p:cTn id="1" dur="indefinite" restart="never" nodeType="tmRoot">
+          <p:childTnLst>
+            <p:seq concurrent="1" nextAc="seek">
+              <p:cTn id="2" dur="indefinite" nodeType="mainSeq">
+                <p:childTnLst>
+                  <p:par>
+                    <p:cTn id="3" fill="hold">
+                      <p:stCondLst>
+                        <p:cond delay="indefinite"/>
+                      </p:stCondLst>
+                      <p:childTnLst>
+                        <p:par>
+                          <p:cTn id="4" fill="hold">
+                            <p:stCondLst>
+                              <p:cond delay="0"/>
+                            </p:stCondLst>
+                            <p:childTnLst>
+                              <p:par>
+                                <p:cTn id="5" presetID="10" presetClass="entr" presetSubtype="0" fill="hold" nodeType="clickEffect">
+                                  <p:stCondLst>
+                                    <p:cond delay="0"/>
+                                  </p:stCondLst>
+                                  <p:childTnLst>
+                                    <p:set>
+                                      <p:cBhvr>
+                                        <p:cTn id="6" dur="1" fill="hold">
+                                          <p:stCondLst>
+                                            <p:cond delay="0"/>
+                                          </p:stCondLst>
+                                        </p:cTn>
+                                        <p:tgtEl>
+                                          <p:spTgt spid="9220"/>
+                                        </p:tgtEl>
+                                        <p:attrNameLst>
+                                          <p:attrName>style.visibility</p:attrName>
+                                        </p:attrNameLst>
+                                      </p:cBhvr>
+                                      <p:to>
+                                        <p:strVal val="visible"/>
+                                      </p:to>
+                                    </p:set>
+                                    <p:animEffect transition="in" filter="fade">
+                                      <p:cBhvr>
+                                        <p:cTn id="7" dur="500"/>
+                                        <p:tgtEl>
+                                          <p:spTgt spid="9220"/>
+                                        </p:tgtEl>
+                                      </p:cBhvr>
+                                    </p:animEffect>
+                                  </p:childTnLst>
+                                </p:cTn>
+                              </p:par>
+                            </p:childTnLst>
+                          </p:cTn>
+                        </p:par>
+                      </p:childTnLst>
+                    </p:cTn>
+                  </p:par>
+                  <p:par>
+                    <p:cTn id="8" fill="hold">
+                      <p:stCondLst>
+                        <p:cond delay="indefinite"/>
+                      </p:stCondLst>
+                      <p:childTnLst>
+                        <p:par>
+                          <p:cTn id="9" fill="hold">
+                            <p:stCondLst>
+                              <p:cond delay="0"/>
+                            </p:stCondLst>
+                            <p:childTnLst>
+                              <p:par>
+                                <p:cTn id="10" presetID="10" presetClass="entr" presetSubtype="0" fill="hold" grpId="0" nodeType="clickEffect">
+                                  <p:stCondLst>
+                                    <p:cond delay="0"/>
+                                  </p:stCondLst>
+                                  <p:childTnLst>
+                                    <p:set>
+                                      <p:cBhvr>
+                                        <p:cTn id="11" dur="1" fill="hold">
+                                          <p:stCondLst>
+                                            <p:cond delay="0"/>
+                                          </p:stCondLst>
+                                        </p:cTn>
+                                        <p:tgtEl>
+                                          <p:spTgt spid="3">
+                                            <p:txEl>
+                                              <p:pRg st="0" end="0"/>
+                                            </p:txEl>
+                                          </p:spTgt>
+                                        </p:tgtEl>
+                                        <p:attrNameLst>
+                                          <p:attrName>style.visibility</p:attrName>
+                                        </p:attrNameLst>
+                                      </p:cBhvr>
+                                      <p:to>
+                                        <p:strVal val="visible"/>
+                                      </p:to>
+                                    </p:set>
+                                    <p:animEffect transition="in" filter="fade">
+                                      <p:cBhvr>
+                                        <p:cTn id="12" dur="500"/>
+                                        <p:tgtEl>
+                                          <p:spTgt spid="3">
+                                            <p:txEl>
+                                              <p:pRg st="0" end="0"/>
+                                            </p:txEl>
+                                          </p:spTgt>
+                                        </p:tgtEl>
+                                      </p:cBhvr>
+                                    </p:animEffect>
+                                  </p:childTnLst>
+                                </p:cTn>
+                              </p:par>
+                            </p:childTnLst>
+                          </p:cTn>
+                        </p:par>
+                      </p:childTnLst>
+                    </p:cTn>
+                  </p:par>
+                  <p:par>
+                    <p:cTn id="13" fill="hold">
+                      <p:stCondLst>
+                        <p:cond delay="indefinite"/>
+                      </p:stCondLst>
+                      <p:childTnLst>
+                        <p:par>
+                          <p:cTn id="14" fill="hold">
+                            <p:stCondLst>
+                              <p:cond delay="0"/>
+                            </p:stCondLst>
+                            <p:childTnLst>
+                              <p:par>
+                                <p:cTn id="15" presetID="10" presetClass="entr" presetSubtype="0" fill="hold" grpId="0" nodeType="clickEffect">
+                                  <p:stCondLst>
+                                    <p:cond delay="0"/>
+                                  </p:stCondLst>
+                                  <p:childTnLst>
+                                    <p:set>
+                                      <p:cBhvr>
+                                        <p:cTn id="16" dur="1" fill="hold">
+                                          <p:stCondLst>
+                                            <p:cond delay="0"/>
+                                          </p:stCondLst>
+                                        </p:cTn>
+                                        <p:tgtEl>
+                                          <p:spTgt spid="3">
+                                            <p:txEl>
+                                              <p:pRg st="1" end="1"/>
+                                            </p:txEl>
+                                          </p:spTgt>
+                                        </p:tgtEl>
+                                        <p:attrNameLst>
+                                          <p:attrName>style.visibility</p:attrName>
+                                        </p:attrNameLst>
+                                      </p:cBhvr>
+                                      <p:to>
+                                        <p:strVal val="visible"/>
+                                      </p:to>
+                                    </p:set>
+                                    <p:animEffect transition="in" filter="fade">
+                                      <p:cBhvr>
+                                        <p:cTn id="17" dur="500"/>
+                                        <p:tgtEl>
+                                          <p:spTgt spid="3">
+                                            <p:txEl>
+                                              <p:pRg st="1" end="1"/>
+                                            </p:txEl>
+                                          </p:spTgt>
+                                        </p:tgtEl>
+                                      </p:cBhvr>
+                                    </p:animEffect>
+                                  </p:childTnLst>
+                                </p:cTn>
+                              </p:par>
+                            </p:childTnLst>
+                          </p:cTn>
+                        </p:par>
+                      </p:childTnLst>
+                    </p:cTn>
+                  </p:par>
+                </p:childTnLst>
+              </p:cTn>
+              <p:prevCondLst>
+                <p:cond evt="onPrev" delay="0">
+                  <p:tgtEl>
+                    <p:sldTgt/>
+                  </p:tgtEl>
+                </p:cond>
+              </p:prevCondLst>
+              <p:nextCondLst>
+                <p:cond evt="onNext" delay="0">
+                  <p:tgtEl>
+                    <p:sldTgt/>
+                  </p:tgtEl>
+                </p:cond>
+              </p:nextCondLst>
+            </p:seq>
+          </p:childTnLst>
+        </p:cTn>
+      </p:par>
+    </p:tnLst>
+    <p:bldLst>
+      <p:bldP spid="3" grpId="0" build="p"/>
+    </p:bldLst>
+  </p:timing>
+</p:sld>
+</file>
+
+<file path=ppt/slides/slide17.xml><?xml version="1.0" encoding="utf-8"?>
+<p:sld xmlns:a="http://schemas.openxmlformats.org/drawingml/2006/main" xmlns:r="http://schemas.openxmlformats.org/officeDocument/2006/relationships" xmlns:p="http://schemas.openxmlformats.org/presentationml/2006/main">
+  <p:cSld>
+    <p:spTree>
+      <p:nvGrpSpPr>
+        <p:cNvPr id="1" name=""/>
+        <p:cNvGrpSpPr/>
+        <p:nvPr/>
+      </p:nvGrpSpPr>
+      <p:grpSpPr>
+        <a:xfrm>
+          <a:off x="0" y="0"/>
+          <a:ext cx="0" cy="0"/>
+          <a:chOff x="0" y="0"/>
+          <a:chExt cx="0" cy="0"/>
+        </a:xfrm>
+      </p:grpSpPr>
+      <p:sp>
+        <p:nvSpPr>
+          <p:cNvPr id="2" name="Title 1">
+            <a:extLst>
+              <a:ext uri="{FF2B5EF4-FFF2-40B4-BE49-F238E27FC236}">
+                <a16:creationId xmlns:a16="http://schemas.microsoft.com/office/drawing/2014/main" id="{0A32731C-311B-46F7-A865-6C3AF6B09A47}"/>
+              </a:ext>
+            </a:extLst>
+          </p:cNvPr>
+          <p:cNvSpPr>
+            <a:spLocks noGrp="1"/>
+          </p:cNvSpPr>
+          <p:nvPr>
+            <p:ph type="title"/>
+          </p:nvPr>
+        </p:nvSpPr>
+        <p:spPr>
+          <a:xfrm>
+            <a:off x="1531938" y="578786"/>
+            <a:ext cx="3833692" cy="678724"/>
+          </a:xfrm>
+        </p:spPr>
+        <p:txBody>
+          <a:bodyPr>
+            <a:normAutofit fontScale="90000"/>
+          </a:bodyPr>
+          <a:lstStyle/>
+          <a:p>
+            <a:r>
+              <a:rPr lang="en-US" dirty="0"/>
+              <a:t>Monthly </a:t>
+            </a:r>
+            <a:r>
+              <a:rPr lang="en-US" dirty="0" err="1"/>
+              <a:t>ChurnRate</a:t>
+            </a:r>
+            <a:endParaRPr lang="en-US" dirty="0"/>
+          </a:p>
+        </p:txBody>
+      </p:sp>
+      <p:sp>
+        <p:nvSpPr>
+          <p:cNvPr id="3" name="Text Placeholder 2">
+            <a:extLst>
+              <a:ext uri="{FF2B5EF4-FFF2-40B4-BE49-F238E27FC236}">
+                <a16:creationId xmlns:a16="http://schemas.microsoft.com/office/drawing/2014/main" id="{9D5232F9-FD00-464A-9F17-619C91AEF8F3}"/>
+              </a:ext>
+            </a:extLst>
+          </p:cNvPr>
+          <p:cNvSpPr>
+            <a:spLocks noGrp="1"/>
+          </p:cNvSpPr>
+          <p:nvPr>
+            <p:ph sz="half" idx="2"/>
+          </p:nvPr>
+        </p:nvSpPr>
+        <p:spPr>
+          <a:xfrm>
+            <a:off x="479161" y="2515021"/>
+            <a:ext cx="4788652" cy="1827958"/>
+          </a:xfrm>
+        </p:spPr>
+        <p:txBody>
+          <a:bodyPr>
+            <a:normAutofit/>
+          </a:bodyPr>
+          <a:lstStyle/>
+          <a:p>
+            <a:r>
+              <a:rPr lang="en-US" b="0" dirty="0"/>
+              <a:t>This visual showing months with high churn rate over the years</a:t>
+            </a:r>
+          </a:p>
+        </p:txBody>
+      </p:sp>
+      <p:pic>
+        <p:nvPicPr>
+          <p:cNvPr id="10242" name="Picture 2">
+            <a:extLst>
+              <a:ext uri="{FF2B5EF4-FFF2-40B4-BE49-F238E27FC236}">
+                <a16:creationId xmlns:a16="http://schemas.microsoft.com/office/drawing/2014/main" id="{53CAC079-3F93-8900-2B6A-7CBB1178BF88}"/>
+              </a:ext>
+            </a:extLst>
+          </p:cNvPr>
+          <p:cNvPicPr>
+            <a:picLocks noChangeAspect="1" noChangeArrowheads="1"/>
+          </p:cNvPicPr>
+          <p:nvPr/>
+        </p:nvPicPr>
+        <p:blipFill>
+          <a:blip r:embed="rId3">
+            <a:extLst>
+              <a:ext uri="{28A0092B-C50C-407E-A947-70E740481C1C}">
+                <a14:useLocalDpi xmlns:a14="http://schemas.microsoft.com/office/drawing/2010/main" val="0"/>
+              </a:ext>
+            </a:extLst>
+          </a:blip>
+          <a:srcRect/>
+          <a:stretch>
+            <a:fillRect/>
+          </a:stretch>
+        </p:blipFill>
+        <p:spPr bwMode="auto">
+          <a:xfrm>
+            <a:off x="5475759" y="1188499"/>
+            <a:ext cx="6533647" cy="4666891"/>
+          </a:xfrm>
+          <a:prstGeom prst="rect">
+            <a:avLst/>
+          </a:prstGeom>
+          <a:noFill/>
+          <a:extLst>
+            <a:ext uri="{909E8E84-426E-40DD-AFC4-6F175D3DCCD1}">
+              <a14:hiddenFill xmlns:a14="http://schemas.microsoft.com/office/drawing/2010/main">
+                <a:solidFill>
+                  <a:srgbClr val="FFFFFF"/>
+                </a:solidFill>
+              </a14:hiddenFill>
+            </a:ext>
+          </a:extLst>
+        </p:spPr>
+      </p:pic>
+    </p:spTree>
+    <p:extLst>
+      <p:ext uri="{BB962C8B-B14F-4D97-AF65-F5344CB8AC3E}">
+        <p14:creationId xmlns:p14="http://schemas.microsoft.com/office/powerpoint/2010/main" val="62019050"/>
+      </p:ext>
+    </p:extLst>
+  </p:cSld>
+  <p:clrMapOvr>
+    <a:masterClrMapping/>
+  </p:clrMapOvr>
+</p:sld>
+</file>
+
+<file path=ppt/slides/slide18.xml><?xml version="1.0" encoding="utf-8"?>
+<p:sld xmlns:a="http://schemas.openxmlformats.org/drawingml/2006/main" xmlns:r="http://schemas.openxmlformats.org/officeDocument/2006/relationships" xmlns:p="http://schemas.openxmlformats.org/presentationml/2006/main">
+  <p:cSld>
+    <p:spTree>
+      <p:nvGrpSpPr>
+        <p:cNvPr id="1" name=""/>
+        <p:cNvGrpSpPr/>
+        <p:nvPr/>
+      </p:nvGrpSpPr>
+      <p:grpSpPr>
+        <a:xfrm>
+          <a:off x="0" y="0"/>
+          <a:ext cx="0" cy="0"/>
+          <a:chOff x="0" y="0"/>
+          <a:chExt cx="0" cy="0"/>
+        </a:xfrm>
+      </p:grpSpPr>
+      <p:sp>
+        <p:nvSpPr>
+          <p:cNvPr id="2" name="Title 1">
+            <a:extLst>
+              <a:ext uri="{FF2B5EF4-FFF2-40B4-BE49-F238E27FC236}">
+                <a16:creationId xmlns:a16="http://schemas.microsoft.com/office/drawing/2014/main" id="{0A32731C-311B-46F7-A865-6C3AF6B09A47}"/>
+              </a:ext>
+            </a:extLst>
+          </p:cNvPr>
+          <p:cNvSpPr>
+            <a:spLocks noGrp="1"/>
+          </p:cNvSpPr>
+          <p:nvPr>
+            <p:ph type="title"/>
+          </p:nvPr>
+        </p:nvSpPr>
+        <p:spPr>
+          <a:xfrm>
+            <a:off x="1531938" y="578786"/>
+            <a:ext cx="3102198" cy="678724"/>
+          </a:xfrm>
+        </p:spPr>
+        <p:txBody>
+          <a:bodyPr>
+            <a:normAutofit/>
+          </a:bodyPr>
+          <a:lstStyle/>
+          <a:p>
+            <a:r>
+              <a:rPr lang="en-US" dirty="0"/>
+              <a:t>Review score</a:t>
+            </a:r>
+          </a:p>
+        </p:txBody>
+      </p:sp>
+      <p:sp>
+        <p:nvSpPr>
+          <p:cNvPr id="3" name="Text Placeholder 2">
+            <a:extLst>
+              <a:ext uri="{FF2B5EF4-FFF2-40B4-BE49-F238E27FC236}">
+                <a16:creationId xmlns:a16="http://schemas.microsoft.com/office/drawing/2014/main" id="{9D5232F9-FD00-464A-9F17-619C91AEF8F3}"/>
+              </a:ext>
+            </a:extLst>
+          </p:cNvPr>
+          <p:cNvSpPr>
+            <a:spLocks noGrp="1"/>
+          </p:cNvSpPr>
+          <p:nvPr>
+            <p:ph sz="half" idx="2"/>
+          </p:nvPr>
+        </p:nvSpPr>
+        <p:spPr>
+          <a:xfrm>
+            <a:off x="496999" y="1764116"/>
+            <a:ext cx="4826264" cy="990179"/>
+          </a:xfrm>
+        </p:spPr>
+        <p:txBody>
+          <a:bodyPr>
+            <a:normAutofit/>
+          </a:bodyPr>
+          <a:lstStyle/>
+          <a:p>
+            <a:r>
+              <a:rPr lang="en-US" b="0" dirty="0"/>
+              <a:t>The review score was at its peak at the beginning, then dropped to around 4</a:t>
+            </a:r>
+          </a:p>
+        </p:txBody>
+      </p:sp>
+      <p:sp>
+        <p:nvSpPr>
+          <p:cNvPr id="14" name="Slide Number Placeholder 5">
+            <a:extLst>
+              <a:ext uri="{FF2B5EF4-FFF2-40B4-BE49-F238E27FC236}">
+                <a16:creationId xmlns:a16="http://schemas.microsoft.com/office/drawing/2014/main" id="{ECE635A2-70B8-3EAB-6A18-952B02EBAA1E}"/>
+              </a:ext>
+            </a:extLst>
+          </p:cNvPr>
+          <p:cNvSpPr>
+            <a:spLocks noGrp="1"/>
+          </p:cNvSpPr>
+          <p:nvPr>
+            <p:ph type="sldNum" sz="quarter" idx="12"/>
+          </p:nvPr>
+        </p:nvSpPr>
+        <p:spPr>
+          <a:xfrm>
+            <a:off x="10373350" y="6356349"/>
+            <a:ext cx="987552" cy="365125"/>
+          </a:xfrm>
+        </p:spPr>
+        <p:txBody>
+          <a:bodyPr/>
+          <a:lstStyle/>
+          <a:p>
+            <a:fld id="{A49DFD55-3C28-40EF-9E31-A92D2E4017FF}" type="slidenum">
+              <a:rPr lang="en-US" smtClean="0"/>
+              <a:pPr/>
+              <a:t>18</a:t>
+            </a:fld>
+            <a:endParaRPr lang="en-US" dirty="0"/>
+          </a:p>
+        </p:txBody>
+      </p:sp>
+      <p:pic>
+        <p:nvPicPr>
+          <p:cNvPr id="5122" name="Picture 2">
+            <a:extLst>
+              <a:ext uri="{FF2B5EF4-FFF2-40B4-BE49-F238E27FC236}">
+                <a16:creationId xmlns:a16="http://schemas.microsoft.com/office/drawing/2014/main" id="{B13EDC5B-45E2-9B98-706A-63F4A35EDC93}"/>
+              </a:ext>
+            </a:extLst>
+          </p:cNvPr>
+          <p:cNvPicPr>
+            <a:picLocks noChangeAspect="1" noChangeArrowheads="1"/>
+          </p:cNvPicPr>
+          <p:nvPr/>
+        </p:nvPicPr>
+        <p:blipFill>
+          <a:blip r:embed="rId3">
+            <a:extLst>
+              <a:ext uri="{28A0092B-C50C-407E-A947-70E740481C1C}">
+                <a14:useLocalDpi xmlns:a14="http://schemas.microsoft.com/office/drawing/2010/main" val="0"/>
+              </a:ext>
+            </a:extLst>
+          </a:blip>
+          <a:srcRect/>
+          <a:stretch>
+            <a:fillRect/>
+          </a:stretch>
+        </p:blipFill>
+        <p:spPr bwMode="auto">
+          <a:xfrm>
+            <a:off x="6522926" y="3144611"/>
+            <a:ext cx="5172075" cy="3694339"/>
+          </a:xfrm>
+          <a:prstGeom prst="rect">
+            <a:avLst/>
+          </a:prstGeom>
+          <a:noFill/>
+          <a:extLst>
+            <a:ext uri="{909E8E84-426E-40DD-AFC4-6F175D3DCCD1}">
+              <a14:hiddenFill xmlns:a14="http://schemas.microsoft.com/office/drawing/2010/main">
+                <a:solidFill>
+                  <a:srgbClr val="FFFFFF"/>
+                </a:solidFill>
+              </a14:hiddenFill>
+            </a:ext>
+          </a:extLst>
+        </p:spPr>
+      </p:pic>
+      <p:pic>
+        <p:nvPicPr>
+          <p:cNvPr id="5124" name="Picture 4">
+            <a:extLst>
+              <a:ext uri="{FF2B5EF4-FFF2-40B4-BE49-F238E27FC236}">
+                <a16:creationId xmlns:a16="http://schemas.microsoft.com/office/drawing/2014/main" id="{79A8C14B-94E9-9B62-DAD7-E4A04335B39E}"/>
+              </a:ext>
+            </a:extLst>
+          </p:cNvPr>
+          <p:cNvPicPr>
+            <a:picLocks noChangeAspect="1" noChangeArrowheads="1"/>
+          </p:cNvPicPr>
+          <p:nvPr/>
+        </p:nvPicPr>
+        <p:blipFill>
+          <a:blip r:embed="rId4">
+            <a:extLst>
+              <a:ext uri="{28A0092B-C50C-407E-A947-70E740481C1C}">
+                <a14:useLocalDpi xmlns:a14="http://schemas.microsoft.com/office/drawing/2010/main" val="0"/>
+              </a:ext>
+            </a:extLst>
+          </a:blip>
+          <a:srcRect/>
+          <a:stretch>
+            <a:fillRect/>
+          </a:stretch>
+        </p:blipFill>
+        <p:spPr bwMode="auto">
+          <a:xfrm>
+            <a:off x="496999" y="3144612"/>
+            <a:ext cx="5172075" cy="3694339"/>
+          </a:xfrm>
+          <a:prstGeom prst="rect">
+            <a:avLst/>
+          </a:prstGeom>
+          <a:noFill/>
+          <a:extLst>
+            <a:ext uri="{909E8E84-426E-40DD-AFC4-6F175D3DCCD1}">
+              <a14:hiddenFill xmlns:a14="http://schemas.microsoft.com/office/drawing/2010/main">
+                <a:solidFill>
+                  <a:srgbClr val="FFFFFF"/>
+                </a:solidFill>
+              </a14:hiddenFill>
+            </a:ext>
+          </a:extLst>
+        </p:spPr>
+      </p:pic>
+      <p:sp>
+        <p:nvSpPr>
+          <p:cNvPr id="4" name="Text Placeholder 2">
+            <a:extLst>
+              <a:ext uri="{FF2B5EF4-FFF2-40B4-BE49-F238E27FC236}">
+                <a16:creationId xmlns:a16="http://schemas.microsoft.com/office/drawing/2014/main" id="{2676DCCC-18D8-ACC1-9A09-C4A140E5DC5B}"/>
+              </a:ext>
+            </a:extLst>
+          </p:cNvPr>
+          <p:cNvSpPr txBox="1">
+            <a:spLocks/>
+          </p:cNvSpPr>
+          <p:nvPr/>
+        </p:nvSpPr>
+        <p:spPr>
+          <a:xfrm>
+            <a:off x="6868739" y="1764115"/>
+            <a:ext cx="4826264" cy="990179"/>
+          </a:xfrm>
+          <a:prstGeom prst="rect">
+            <a:avLst/>
+          </a:prstGeom>
+        </p:spPr>
+        <p:txBody>
+          <a:bodyPr vert="horz" lIns="91440" tIns="45720" rIns="91440" bIns="45720" rtlCol="0">
+            <a:normAutofit/>
+          </a:bodyPr>
+          <a:lstStyle>
+            <a:lvl1pPr marL="0" indent="0" algn="l" defTabSz="914400" rtl="0" eaLnBrk="1" latinLnBrk="0" hangingPunct="1">
+              <a:lnSpc>
+                <a:spcPct val="100000"/>
+              </a:lnSpc>
+              <a:spcBef>
+                <a:spcPts val="1000"/>
+              </a:spcBef>
+              <a:buFont typeface="Arial" panose="020B0604020202020204" pitchFamily="34" charset="0"/>
+              <a:buNone/>
+              <a:defRPr sz="1800" b="1" kern="1200" spc="50" baseline="0">
+                <a:solidFill>
+                  <a:schemeClr val="tx1"/>
+                </a:solidFill>
+                <a:latin typeface="+mn-lt"/>
+                <a:ea typeface="+mn-ea"/>
+                <a:cs typeface="+mn-cs"/>
+              </a:defRPr>
+            </a:lvl1pPr>
+            <a:lvl2pPr marL="283464" indent="-285750" algn="l" defTabSz="914400" rtl="0" eaLnBrk="1" latinLnBrk="0" hangingPunct="1">
+              <a:lnSpc>
+                <a:spcPct val="100000"/>
+              </a:lnSpc>
+              <a:spcBef>
+                <a:spcPts val="1000"/>
+              </a:spcBef>
+              <a:buFont typeface="Arial" panose="020B0604020202020204" pitchFamily="34" charset="0"/>
+              <a:buChar char="•"/>
+              <a:defRPr sz="1800" kern="1200" spc="50" baseline="0">
+                <a:solidFill>
+                  <a:schemeClr val="tx1"/>
+                </a:solidFill>
+                <a:latin typeface="+mn-lt"/>
+                <a:ea typeface="+mn-ea"/>
+                <a:cs typeface="+mn-cs"/>
+              </a:defRPr>
+            </a:lvl2pPr>
+            <a:lvl3pPr marL="566928" indent="-285750" algn="l" defTabSz="914400" rtl="0" eaLnBrk="1" latinLnBrk="0" hangingPunct="1">
+              <a:lnSpc>
+                <a:spcPct val="100000"/>
+              </a:lnSpc>
+              <a:spcBef>
+                <a:spcPts val="1000"/>
+              </a:spcBef>
+              <a:buFont typeface="Arial" panose="020B0604020202020204" pitchFamily="34" charset="0"/>
+              <a:buChar char="•"/>
+              <a:defRPr sz="1800" kern="1200" spc="50" baseline="0">
+                <a:solidFill>
+                  <a:schemeClr val="tx1"/>
+                </a:solidFill>
+                <a:latin typeface="+mn-lt"/>
+                <a:ea typeface="+mn-ea"/>
+                <a:cs typeface="+mn-cs"/>
+              </a:defRPr>
+            </a:lvl3pPr>
+            <a:lvl4pPr marL="859536" indent="-285750" algn="l" defTabSz="914400" rtl="0" eaLnBrk="1" latinLnBrk="0" hangingPunct="1">
+              <a:lnSpc>
+                <a:spcPct val="100000"/>
+              </a:lnSpc>
+              <a:spcBef>
+                <a:spcPts val="1000"/>
+              </a:spcBef>
+              <a:buFont typeface="Arial" panose="020B0604020202020204" pitchFamily="34" charset="0"/>
+              <a:buChar char="•"/>
+              <a:defRPr sz="1800" kern="1200" spc="50" baseline="0">
+                <a:solidFill>
+                  <a:schemeClr val="tx1"/>
+                </a:solidFill>
+                <a:latin typeface="+mn-lt"/>
+                <a:ea typeface="+mn-ea"/>
+                <a:cs typeface="+mn-cs"/>
+              </a:defRPr>
+            </a:lvl4pPr>
+            <a:lvl5pPr marL="1143000" indent="-285750" algn="l" defTabSz="914400" rtl="0" eaLnBrk="1" latinLnBrk="0" hangingPunct="1">
+              <a:lnSpc>
+                <a:spcPct val="100000"/>
+              </a:lnSpc>
+              <a:spcBef>
+                <a:spcPts val="1000"/>
+              </a:spcBef>
+              <a:buFont typeface="Arial" panose="020B0604020202020204" pitchFamily="34" charset="0"/>
+              <a:buChar char="•"/>
+              <a:defRPr sz="1800" kern="1200" spc="50" baseline="0">
+                <a:solidFill>
+                  <a:schemeClr val="tx1"/>
+                </a:solidFill>
+                <a:latin typeface="+mn-lt"/>
+                <a:ea typeface="+mn-ea"/>
+                <a:cs typeface="+mn-cs"/>
+              </a:defRPr>
+            </a:lvl5pPr>
+            <a:lvl6pPr marL="2514600" indent="-228600" algn="l" defTabSz="914400" rtl="0" eaLnBrk="1" latinLnBrk="0" hangingPunct="1">
+              <a:lnSpc>
+                <a:spcPct val="90000"/>
+              </a:lnSpc>
+              <a:spcBef>
+                <a:spcPts val="500"/>
+              </a:spcBef>
+              <a:buFont typeface="Arial" panose="020B0604020202020204" pitchFamily="34" charset="0"/>
+              <a:buChar char="•"/>
+              <a:defRPr sz="1800" kern="1200">
+                <a:solidFill>
+                  <a:schemeClr val="tx1"/>
+                </a:solidFill>
+                <a:latin typeface="+mn-lt"/>
+                <a:ea typeface="+mn-ea"/>
+                <a:cs typeface="+mn-cs"/>
+              </a:defRPr>
+            </a:lvl6pPr>
+            <a:lvl7pPr marL="2971800" indent="-228600" algn="l" defTabSz="914400" rtl="0" eaLnBrk="1" latinLnBrk="0" hangingPunct="1">
+              <a:lnSpc>
+                <a:spcPct val="90000"/>
+              </a:lnSpc>
+              <a:spcBef>
+                <a:spcPts val="500"/>
+              </a:spcBef>
+              <a:buFont typeface="Arial" panose="020B0604020202020204" pitchFamily="34" charset="0"/>
+              <a:buChar char="•"/>
+              <a:defRPr sz="1800" kern="1200">
+                <a:solidFill>
+                  <a:schemeClr val="tx1"/>
+                </a:solidFill>
+                <a:latin typeface="+mn-lt"/>
+                <a:ea typeface="+mn-ea"/>
+                <a:cs typeface="+mn-cs"/>
+              </a:defRPr>
+            </a:lvl7pPr>
+            <a:lvl8pPr marL="3429000" indent="-228600" algn="l" defTabSz="914400" rtl="0" eaLnBrk="1" latinLnBrk="0" hangingPunct="1">
+              <a:lnSpc>
+                <a:spcPct val="90000"/>
+              </a:lnSpc>
+              <a:spcBef>
+                <a:spcPts val="500"/>
+              </a:spcBef>
+              <a:buFont typeface="Arial" panose="020B0604020202020204" pitchFamily="34" charset="0"/>
+              <a:buChar char="•"/>
+              <a:defRPr sz="1800" kern="1200">
+                <a:solidFill>
+                  <a:schemeClr val="tx1"/>
+                </a:solidFill>
+                <a:latin typeface="+mn-lt"/>
+                <a:ea typeface="+mn-ea"/>
+                <a:cs typeface="+mn-cs"/>
+              </a:defRPr>
+            </a:lvl8pPr>
+            <a:lvl9pPr marL="3886200" indent="-228600" algn="l" defTabSz="914400" rtl="0" eaLnBrk="1" latinLnBrk="0" hangingPunct="1">
+              <a:lnSpc>
+                <a:spcPct val="90000"/>
+              </a:lnSpc>
+              <a:spcBef>
+                <a:spcPts val="500"/>
+              </a:spcBef>
+              <a:buFont typeface="Arial" panose="020B0604020202020204" pitchFamily="34" charset="0"/>
+              <a:buChar char="•"/>
+              <a:defRPr sz="1800" kern="1200">
+                <a:solidFill>
+                  <a:schemeClr val="tx1"/>
+                </a:solidFill>
+                <a:latin typeface="+mn-lt"/>
+                <a:ea typeface="+mn-ea"/>
+                <a:cs typeface="+mn-cs"/>
+              </a:defRPr>
+            </a:lvl9pPr>
+          </a:lstStyle>
+          <a:p>
+            <a:r>
+              <a:rPr lang="en-US" b="0" dirty="0"/>
+              <a:t>The overall review score is 5</a:t>
+            </a:r>
+          </a:p>
+        </p:txBody>
+      </p:sp>
+    </p:spTree>
+    <p:extLst>
+      <p:ext uri="{BB962C8B-B14F-4D97-AF65-F5344CB8AC3E}">
+        <p14:creationId xmlns:p14="http://schemas.microsoft.com/office/powerpoint/2010/main" val="3418865944"/>
+      </p:ext>
+    </p:extLst>
+  </p:cSld>
+  <p:clrMapOvr>
+    <a:masterClrMapping/>
+  </p:clrMapOvr>
+  <p:timing>
+    <p:tnLst>
+      <p:par>
+        <p:cTn id="1" dur="indefinite" restart="never" nodeType="tmRoot">
+          <p:childTnLst>
+            <p:seq concurrent="1" nextAc="seek">
+              <p:cTn id="2" dur="indefinite" nodeType="mainSeq">
+                <p:childTnLst>
+                  <p:par>
+                    <p:cTn id="3" fill="hold">
+                      <p:stCondLst>
+                        <p:cond delay="indefinite"/>
+                      </p:stCondLst>
+                      <p:childTnLst>
+                        <p:par>
+                          <p:cTn id="4" fill="hold">
+                            <p:stCondLst>
+                              <p:cond delay="0"/>
+                            </p:stCondLst>
+                            <p:childTnLst>
+                              <p:par>
+                                <p:cTn id="5" presetID="10" presetClass="entr" presetSubtype="0" fill="hold" nodeType="clickEffect">
+                                  <p:stCondLst>
+                                    <p:cond delay="0"/>
+                                  </p:stCondLst>
+                                  <p:childTnLst>
+                                    <p:set>
+                                      <p:cBhvr>
+                                        <p:cTn id="6" dur="1" fill="hold">
+                                          <p:stCondLst>
+                                            <p:cond delay="0"/>
+                                          </p:stCondLst>
+                                        </p:cTn>
+                                        <p:tgtEl>
+                                          <p:spTgt spid="5124"/>
+                                        </p:tgtEl>
+                                        <p:attrNameLst>
+                                          <p:attrName>style.visibility</p:attrName>
+                                        </p:attrNameLst>
+                                      </p:cBhvr>
+                                      <p:to>
+                                        <p:strVal val="visible"/>
+                                      </p:to>
+                                    </p:set>
+                                    <p:animEffect transition="in" filter="fade">
+                                      <p:cBhvr>
+                                        <p:cTn id="7" dur="500"/>
+                                        <p:tgtEl>
+                                          <p:spTgt spid="5124"/>
+                                        </p:tgtEl>
+                                      </p:cBhvr>
+                                    </p:animEffect>
+                                  </p:childTnLst>
+                                </p:cTn>
+                              </p:par>
+                            </p:childTnLst>
+                          </p:cTn>
+                        </p:par>
+                      </p:childTnLst>
+                    </p:cTn>
+                  </p:par>
+                  <p:par>
+                    <p:cTn id="8" fill="hold">
+                      <p:stCondLst>
+                        <p:cond delay="indefinite"/>
+                      </p:stCondLst>
+                      <p:childTnLst>
+                        <p:par>
+                          <p:cTn id="9" fill="hold">
+                            <p:stCondLst>
+                              <p:cond delay="0"/>
+                            </p:stCondLst>
+                            <p:childTnLst>
+                              <p:par>
+                                <p:cTn id="10" presetID="10" presetClass="entr" presetSubtype="0" fill="hold" grpId="0" nodeType="clickEffect">
+                                  <p:stCondLst>
+                                    <p:cond delay="0"/>
+                                  </p:stCondLst>
+                                  <p:childTnLst>
+                                    <p:set>
+                                      <p:cBhvr>
+                                        <p:cTn id="11" dur="1" fill="hold">
+                                          <p:stCondLst>
+                                            <p:cond delay="0"/>
+                                          </p:stCondLst>
+                                        </p:cTn>
+                                        <p:tgtEl>
+                                          <p:spTgt spid="3">
+                                            <p:txEl>
+                                              <p:pRg st="0" end="0"/>
+                                            </p:txEl>
+                                          </p:spTgt>
+                                        </p:tgtEl>
+                                        <p:attrNameLst>
+                                          <p:attrName>style.visibility</p:attrName>
+                                        </p:attrNameLst>
+                                      </p:cBhvr>
+                                      <p:to>
+                                        <p:strVal val="visible"/>
+                                      </p:to>
+                                    </p:set>
+                                    <p:animEffect transition="in" filter="fade">
+                                      <p:cBhvr>
+                                        <p:cTn id="12" dur="500"/>
+                                        <p:tgtEl>
+                                          <p:spTgt spid="3">
+                                            <p:txEl>
+                                              <p:pRg st="0" end="0"/>
+                                            </p:txEl>
+                                          </p:spTgt>
+                                        </p:tgtEl>
+                                      </p:cBhvr>
+                                    </p:animEffect>
+                                  </p:childTnLst>
+                                </p:cTn>
+                              </p:par>
+                            </p:childTnLst>
+                          </p:cTn>
+                        </p:par>
+                      </p:childTnLst>
+                    </p:cTn>
+                  </p:par>
+                  <p:par>
+                    <p:cTn id="13" fill="hold">
+                      <p:stCondLst>
+                        <p:cond delay="indefinite"/>
+                      </p:stCondLst>
+                      <p:childTnLst>
+                        <p:par>
+                          <p:cTn id="14" fill="hold">
+                            <p:stCondLst>
+                              <p:cond delay="0"/>
+                            </p:stCondLst>
+                            <p:childTnLst>
+                              <p:par>
+                                <p:cTn id="15" presetID="10" presetClass="entr" presetSubtype="0" fill="hold" nodeType="clickEffect">
+                                  <p:stCondLst>
+                                    <p:cond delay="0"/>
+                                  </p:stCondLst>
+                                  <p:childTnLst>
+                                    <p:set>
+                                      <p:cBhvr>
+                                        <p:cTn id="16" dur="1" fill="hold">
+                                          <p:stCondLst>
+                                            <p:cond delay="0"/>
+                                          </p:stCondLst>
+                                        </p:cTn>
+                                        <p:tgtEl>
+                                          <p:spTgt spid="5122"/>
+                                        </p:tgtEl>
+                                        <p:attrNameLst>
+                                          <p:attrName>style.visibility</p:attrName>
+                                        </p:attrNameLst>
+                                      </p:cBhvr>
+                                      <p:to>
+                                        <p:strVal val="visible"/>
+                                      </p:to>
+                                    </p:set>
+                                    <p:animEffect transition="in" filter="fade">
+                                      <p:cBhvr>
+                                        <p:cTn id="17" dur="500"/>
+                                        <p:tgtEl>
+                                          <p:spTgt spid="5122"/>
+                                        </p:tgtEl>
+                                      </p:cBhvr>
+                                    </p:animEffect>
+                                  </p:childTnLst>
+                                </p:cTn>
+                              </p:par>
+                            </p:childTnLst>
+                          </p:cTn>
+                        </p:par>
+                      </p:childTnLst>
+                    </p:cTn>
+                  </p:par>
+                  <p:par>
+                    <p:cTn id="18" fill="hold">
+                      <p:stCondLst>
+                        <p:cond delay="indefinite"/>
+                      </p:stCondLst>
+                      <p:childTnLst>
+                        <p:par>
+                          <p:cTn id="19" fill="hold">
+                            <p:stCondLst>
+                              <p:cond delay="0"/>
+                            </p:stCondLst>
+                            <p:childTnLst>
+                              <p:par>
+                                <p:cTn id="20" presetID="10" presetClass="entr" presetSubtype="0" fill="hold" grpId="0" nodeType="clickEffect">
+                                  <p:stCondLst>
+                                    <p:cond delay="0"/>
+                                  </p:stCondLst>
+                                  <p:childTnLst>
+                                    <p:set>
+                                      <p:cBhvr>
+                                        <p:cTn id="21" dur="1" fill="hold">
+                                          <p:stCondLst>
+                                            <p:cond delay="0"/>
+                                          </p:stCondLst>
+                                        </p:cTn>
+                                        <p:tgtEl>
+                                          <p:spTgt spid="4"/>
+                                        </p:tgtEl>
+                                        <p:attrNameLst>
+                                          <p:attrName>style.visibility</p:attrName>
+                                        </p:attrNameLst>
+                                      </p:cBhvr>
+                                      <p:to>
+                                        <p:strVal val="visible"/>
+                                      </p:to>
+                                    </p:set>
+                                    <p:animEffect transition="in" filter="fade">
+                                      <p:cBhvr>
+                                        <p:cTn id="22" dur="500"/>
+                                        <p:tgtEl>
+                                          <p:spTgt spid="4"/>
+                                        </p:tgtEl>
+                                      </p:cBhvr>
+                                    </p:animEffect>
+                                  </p:childTnLst>
+                                </p:cTn>
+                              </p:par>
+                            </p:childTnLst>
+                          </p:cTn>
+                        </p:par>
+                      </p:childTnLst>
+                    </p:cTn>
+                  </p:par>
+                </p:childTnLst>
+              </p:cTn>
+              <p:prevCondLst>
+                <p:cond evt="onPrev" delay="0">
+                  <p:tgtEl>
+                    <p:sldTgt/>
+                  </p:tgtEl>
+                </p:cond>
+              </p:prevCondLst>
+              <p:nextCondLst>
+                <p:cond evt="onNext" delay="0">
+                  <p:tgtEl>
+                    <p:sldTgt/>
+                  </p:tgtEl>
+                </p:cond>
+              </p:nextCondLst>
+            </p:seq>
+          </p:childTnLst>
+        </p:cTn>
+      </p:par>
+    </p:tnLst>
+    <p:bldLst>
+      <p:bldP spid="3" grpId="0" build="p"/>
+      <p:bldP spid="4" grpId="0"/>
+    </p:bldLst>
+  </p:timing>
+</p:sld>
+</file>
+
+<file path=ppt/slides/slide19.xml><?xml version="1.0" encoding="utf-8"?>
+<p:sld xmlns:a="http://schemas.openxmlformats.org/drawingml/2006/main" xmlns:r="http://schemas.openxmlformats.org/officeDocument/2006/relationships" xmlns:p="http://schemas.openxmlformats.org/presentationml/2006/main">
+  <p:cSld>
+    <p:spTree>
+      <p:nvGrpSpPr>
+        <p:cNvPr id="1" name=""/>
+        <p:cNvGrpSpPr/>
+        <p:nvPr/>
+      </p:nvGrpSpPr>
+      <p:grpSpPr>
+        <a:xfrm>
+          <a:off x="0" y="0"/>
+          <a:ext cx="0" cy="0"/>
+          <a:chOff x="0" y="0"/>
+          <a:chExt cx="0" cy="0"/>
+        </a:xfrm>
+      </p:grpSpPr>
+      <p:sp>
+        <p:nvSpPr>
+          <p:cNvPr id="2" name="Title 1">
+            <a:extLst>
+              <a:ext uri="{FF2B5EF4-FFF2-40B4-BE49-F238E27FC236}">
+                <a16:creationId xmlns:a16="http://schemas.microsoft.com/office/drawing/2014/main" id="{0A32731C-311B-46F7-A865-6C3AF6B09A47}"/>
+              </a:ext>
+            </a:extLst>
+          </p:cNvPr>
+          <p:cNvSpPr>
+            <a:spLocks noGrp="1"/>
+          </p:cNvSpPr>
+          <p:nvPr>
+            <p:ph type="title"/>
+          </p:nvPr>
+        </p:nvSpPr>
+        <p:spPr>
+          <a:xfrm>
+            <a:off x="1531938" y="578786"/>
+            <a:ext cx="3102198" cy="678724"/>
+          </a:xfrm>
+        </p:spPr>
+        <p:txBody>
+          <a:bodyPr>
+            <a:normAutofit/>
+          </a:bodyPr>
+          <a:lstStyle/>
+          <a:p>
+            <a:r>
+              <a:rPr lang="en-US" dirty="0"/>
+              <a:t>Delay impact</a:t>
+            </a:r>
+          </a:p>
+        </p:txBody>
+      </p:sp>
+      <p:sp>
+        <p:nvSpPr>
+          <p:cNvPr id="3" name="Text Placeholder 2">
+            <a:extLst>
+              <a:ext uri="{FF2B5EF4-FFF2-40B4-BE49-F238E27FC236}">
+                <a16:creationId xmlns:a16="http://schemas.microsoft.com/office/drawing/2014/main" id="{9D5232F9-FD00-464A-9F17-619C91AEF8F3}"/>
+              </a:ext>
+            </a:extLst>
+          </p:cNvPr>
+          <p:cNvSpPr>
+            <a:spLocks noGrp="1"/>
+          </p:cNvSpPr>
+          <p:nvPr>
+            <p:ph sz="half" idx="2"/>
+          </p:nvPr>
+        </p:nvSpPr>
+        <p:spPr>
+          <a:xfrm>
+            <a:off x="479161" y="2515021"/>
+            <a:ext cx="4788652" cy="1827958"/>
+          </a:xfrm>
+        </p:spPr>
+        <p:txBody>
+          <a:bodyPr>
+            <a:normAutofit/>
+          </a:bodyPr>
+          <a:lstStyle/>
+          <a:p>
+            <a:r>
+              <a:rPr lang="en-US" b="0" dirty="0"/>
+              <a:t>The delay in order delivery negatively impact the review score.</a:t>
+            </a:r>
+          </a:p>
+          <a:p>
+            <a:r>
+              <a:rPr lang="en-US" b="0" dirty="0"/>
+              <a:t>And contribute with 33.83% of the overall low score.</a:t>
+            </a:r>
+          </a:p>
+        </p:txBody>
+      </p:sp>
+      <p:pic>
+        <p:nvPicPr>
+          <p:cNvPr id="6146" name="Picture 2">
+            <a:extLst>
+              <a:ext uri="{FF2B5EF4-FFF2-40B4-BE49-F238E27FC236}">
+                <a16:creationId xmlns:a16="http://schemas.microsoft.com/office/drawing/2014/main" id="{5E914699-CD73-AA49-F900-5D6C72A9D610}"/>
+              </a:ext>
+            </a:extLst>
+          </p:cNvPr>
+          <p:cNvPicPr>
+            <a:picLocks noChangeAspect="1" noChangeArrowheads="1"/>
+          </p:cNvPicPr>
+          <p:nvPr/>
+        </p:nvPicPr>
+        <p:blipFill>
+          <a:blip r:embed="rId3">
+            <a:extLst>
+              <a:ext uri="{28A0092B-C50C-407E-A947-70E740481C1C}">
+                <a14:useLocalDpi xmlns:a14="http://schemas.microsoft.com/office/drawing/2010/main" val="0"/>
+              </a:ext>
+            </a:extLst>
+          </a:blip>
+          <a:srcRect/>
+          <a:stretch>
+            <a:fillRect/>
+          </a:stretch>
+        </p:blipFill>
+        <p:spPr bwMode="auto">
+          <a:xfrm>
+            <a:off x="5181600" y="1152525"/>
+            <a:ext cx="7010400" cy="5057775"/>
+          </a:xfrm>
+          <a:prstGeom prst="rect">
+            <a:avLst/>
+          </a:prstGeom>
+          <a:noFill/>
+          <a:extLst>
+            <a:ext uri="{909E8E84-426E-40DD-AFC4-6F175D3DCCD1}">
+              <a14:hiddenFill xmlns:a14="http://schemas.microsoft.com/office/drawing/2010/main">
+                <a:solidFill>
+                  <a:srgbClr val="FFFFFF"/>
+                </a:solidFill>
+              </a14:hiddenFill>
+            </a:ext>
+          </a:extLst>
+        </p:spPr>
+      </p:pic>
+      <p:sp>
+        <p:nvSpPr>
+          <p:cNvPr id="4" name="Right Brace 3">
+            <a:extLst>
+              <a:ext uri="{FF2B5EF4-FFF2-40B4-BE49-F238E27FC236}">
+                <a16:creationId xmlns:a16="http://schemas.microsoft.com/office/drawing/2014/main" id="{0943495E-E5F9-D96B-099B-80259BE5DF0A}"/>
+              </a:ext>
+            </a:extLst>
+          </p:cNvPr>
+          <p:cNvSpPr/>
+          <p:nvPr/>
+        </p:nvSpPr>
+        <p:spPr>
+          <a:xfrm>
+            <a:off x="7258051" y="1685926"/>
+            <a:ext cx="314324" cy="1104900"/>
+          </a:xfrm>
+          <a:prstGeom prst="rightBrace">
+            <a:avLst/>
+          </a:prstGeom>
+          <a:ln w="38100"/>
+        </p:spPr>
+        <p:style>
+          <a:lnRef idx="1">
+            <a:schemeClr val="dk1"/>
+          </a:lnRef>
+          <a:fillRef idx="0">
+            <a:schemeClr val="dk1"/>
+          </a:fillRef>
+          <a:effectRef idx="0">
+            <a:schemeClr val="dk1"/>
+          </a:effectRef>
+          <a:fontRef idx="minor">
+            <a:schemeClr val="tx1"/>
+          </a:fontRef>
+        </p:style>
+        <p:txBody>
+          <a:bodyPr rtlCol="0" anchor="ctr"/>
+          <a:lstStyle/>
+          <a:p>
+            <a:pPr algn="ctr"/>
+            <a:endParaRPr lang="en-US">
+              <a:ln>
+                <a:solidFill>
+                  <a:schemeClr val="tx1"/>
+                </a:solidFill>
+              </a:ln>
+            </a:endParaRPr>
+          </a:p>
+        </p:txBody>
+      </p:sp>
+      <p:sp>
+        <p:nvSpPr>
+          <p:cNvPr id="5" name="TextBox 4">
+            <a:extLst>
+              <a:ext uri="{FF2B5EF4-FFF2-40B4-BE49-F238E27FC236}">
+                <a16:creationId xmlns:a16="http://schemas.microsoft.com/office/drawing/2014/main" id="{4BAB4F35-791B-CB4F-491A-945006C63768}"/>
+              </a:ext>
+            </a:extLst>
+          </p:cNvPr>
+          <p:cNvSpPr txBox="1"/>
+          <p:nvPr/>
+        </p:nvSpPr>
+        <p:spPr>
+          <a:xfrm>
+            <a:off x="7515225" y="2065437"/>
+            <a:ext cx="1771650" cy="315813"/>
+          </a:xfrm>
+          <a:prstGeom prst="rect">
+            <a:avLst/>
+          </a:prstGeom>
+          <a:noFill/>
+        </p:spPr>
+        <p:txBody>
+          <a:bodyPr wrap="square" rtlCol="0">
+            <a:spAutoFit/>
+          </a:bodyPr>
+          <a:lstStyle/>
+          <a:p>
+            <a:r>
+              <a:rPr lang="en-US" sz="1400" dirty="0"/>
+              <a:t>Caused by the delay</a:t>
+            </a:r>
+          </a:p>
+        </p:txBody>
+      </p:sp>
+    </p:spTree>
+    <p:extLst>
+      <p:ext uri="{BB962C8B-B14F-4D97-AF65-F5344CB8AC3E}">
+        <p14:creationId xmlns:p14="http://schemas.microsoft.com/office/powerpoint/2010/main" val="2657233373"/>
+      </p:ext>
+    </p:extLst>
+  </p:cSld>
+  <p:clrMapOvr>
+    <a:masterClrMapping/>
+  </p:clrMapOvr>
+  <p:timing>
+    <p:tnLst>
+      <p:par>
+        <p:cTn id="1" dur="indefinite" restart="never" nodeType="tmRoot">
+          <p:childTnLst>
+            <p:seq concurrent="1" nextAc="seek">
+              <p:cTn id="2" dur="indefinite" nodeType="mainSeq">
+                <p:childTnLst>
+                  <p:par>
+                    <p:cTn id="3" fill="hold">
+                      <p:stCondLst>
+                        <p:cond delay="indefinite"/>
+                      </p:stCondLst>
+                      <p:childTnLst>
+                        <p:par>
+                          <p:cTn id="4" fill="hold">
+                            <p:stCondLst>
+                              <p:cond delay="0"/>
+                            </p:stCondLst>
+                            <p:childTnLst>
+                              <p:par>
+                                <p:cTn id="5" presetID="10" presetClass="entr" presetSubtype="0" fill="hold" nodeType="clickEffect">
+                                  <p:stCondLst>
+                                    <p:cond delay="0"/>
+                                  </p:stCondLst>
+                                  <p:childTnLst>
+                                    <p:set>
+                                      <p:cBhvr>
+                                        <p:cTn id="6" dur="1" fill="hold">
+                                          <p:stCondLst>
+                                            <p:cond delay="0"/>
+                                          </p:stCondLst>
+                                        </p:cTn>
+                                        <p:tgtEl>
+                                          <p:spTgt spid="6146"/>
+                                        </p:tgtEl>
+                                        <p:attrNameLst>
+                                          <p:attrName>style.visibility</p:attrName>
+                                        </p:attrNameLst>
+                                      </p:cBhvr>
+                                      <p:to>
+                                        <p:strVal val="visible"/>
+                                      </p:to>
+                                    </p:set>
+                                    <p:animEffect transition="in" filter="fade">
+                                      <p:cBhvr>
+                                        <p:cTn id="7" dur="500"/>
+                                        <p:tgtEl>
+                                          <p:spTgt spid="6146"/>
+                                        </p:tgtEl>
+                                      </p:cBhvr>
+                                    </p:animEffect>
+                                  </p:childTnLst>
+                                </p:cTn>
+                              </p:par>
+                            </p:childTnLst>
+                          </p:cTn>
+                        </p:par>
+                      </p:childTnLst>
+                    </p:cTn>
+                  </p:par>
+                  <p:par>
+                    <p:cTn id="8" fill="hold">
+                      <p:stCondLst>
+                        <p:cond delay="indefinite"/>
+                      </p:stCondLst>
+                      <p:childTnLst>
+                        <p:par>
+                          <p:cTn id="9" fill="hold">
+                            <p:stCondLst>
+                              <p:cond delay="0"/>
+                            </p:stCondLst>
+                            <p:childTnLst>
+                              <p:par>
+                                <p:cTn id="10" presetID="10" presetClass="entr" presetSubtype="0" fill="hold" grpId="0" nodeType="clickEffect">
+                                  <p:stCondLst>
+                                    <p:cond delay="0"/>
+                                  </p:stCondLst>
+                                  <p:childTnLst>
+                                    <p:set>
+                                      <p:cBhvr>
+                                        <p:cTn id="11" dur="1" fill="hold">
+                                          <p:stCondLst>
+                                            <p:cond delay="0"/>
+                                          </p:stCondLst>
+                                        </p:cTn>
+                                        <p:tgtEl>
+                                          <p:spTgt spid="4"/>
+                                        </p:tgtEl>
+                                        <p:attrNameLst>
+                                          <p:attrName>style.visibility</p:attrName>
+                                        </p:attrNameLst>
+                                      </p:cBhvr>
+                                      <p:to>
+                                        <p:strVal val="visible"/>
+                                      </p:to>
+                                    </p:set>
+                                    <p:animEffect transition="in" filter="fade">
+                                      <p:cBhvr>
+                                        <p:cTn id="12" dur="500"/>
+                                        <p:tgtEl>
+                                          <p:spTgt spid="4"/>
+                                        </p:tgtEl>
+                                      </p:cBhvr>
+                                    </p:animEffect>
+                                  </p:childTnLst>
+                                </p:cTn>
+                              </p:par>
+                            </p:childTnLst>
+                          </p:cTn>
+                        </p:par>
+                      </p:childTnLst>
+                    </p:cTn>
+                  </p:par>
+                  <p:par>
+                    <p:cTn id="13" fill="hold">
+                      <p:stCondLst>
+                        <p:cond delay="indefinite"/>
+                      </p:stCondLst>
+                      <p:childTnLst>
+                        <p:par>
+                          <p:cTn id="14" fill="hold">
+                            <p:stCondLst>
+                              <p:cond delay="0"/>
+                            </p:stCondLst>
+                            <p:childTnLst>
+                              <p:par>
+                                <p:cTn id="15" presetID="10" presetClass="entr" presetSubtype="0" fill="hold" grpId="0" nodeType="clickEffect">
+                                  <p:stCondLst>
+                                    <p:cond delay="0"/>
+                                  </p:stCondLst>
+                                  <p:childTnLst>
+                                    <p:set>
+                                      <p:cBhvr>
+                                        <p:cTn id="16" dur="1" fill="hold">
+                                          <p:stCondLst>
+                                            <p:cond delay="0"/>
+                                          </p:stCondLst>
+                                        </p:cTn>
+                                        <p:tgtEl>
+                                          <p:spTgt spid="5"/>
+                                        </p:tgtEl>
+                                        <p:attrNameLst>
+                                          <p:attrName>style.visibility</p:attrName>
+                                        </p:attrNameLst>
+                                      </p:cBhvr>
+                                      <p:to>
+                                        <p:strVal val="visible"/>
+                                      </p:to>
+                                    </p:set>
+                                    <p:animEffect transition="in" filter="fade">
+                                      <p:cBhvr>
+                                        <p:cTn id="17" dur="500"/>
+                                        <p:tgtEl>
+                                          <p:spTgt spid="5"/>
+                                        </p:tgtEl>
+                                      </p:cBhvr>
+                                    </p:animEffect>
+                                  </p:childTnLst>
+                                </p:cTn>
+                              </p:par>
+                            </p:childTnLst>
+                          </p:cTn>
+                        </p:par>
+                      </p:childTnLst>
+                    </p:cTn>
+                  </p:par>
+                  <p:par>
+                    <p:cTn id="18" fill="hold">
+                      <p:stCondLst>
+                        <p:cond delay="indefinite"/>
+                      </p:stCondLst>
+                      <p:childTnLst>
+                        <p:par>
+                          <p:cTn id="19" fill="hold">
+                            <p:stCondLst>
+                              <p:cond delay="0"/>
+                            </p:stCondLst>
+                            <p:childTnLst>
+                              <p:par>
+                                <p:cTn id="20" presetID="10" presetClass="entr" presetSubtype="0" fill="hold" grpId="0" nodeType="clickEffect">
+                                  <p:stCondLst>
+                                    <p:cond delay="0"/>
+                                  </p:stCondLst>
+                                  <p:childTnLst>
+                                    <p:set>
+                                      <p:cBhvr>
+                                        <p:cTn id="21" dur="1" fill="hold">
+                                          <p:stCondLst>
+                                            <p:cond delay="0"/>
+                                          </p:stCondLst>
+                                        </p:cTn>
+                                        <p:tgtEl>
+                                          <p:spTgt spid="3">
+                                            <p:txEl>
+                                              <p:pRg st="0" end="0"/>
+                                            </p:txEl>
+                                          </p:spTgt>
+                                        </p:tgtEl>
+                                        <p:attrNameLst>
+                                          <p:attrName>style.visibility</p:attrName>
+                                        </p:attrNameLst>
+                                      </p:cBhvr>
+                                      <p:to>
+                                        <p:strVal val="visible"/>
+                                      </p:to>
+                                    </p:set>
+                                    <p:animEffect transition="in" filter="fade">
+                                      <p:cBhvr>
+                                        <p:cTn id="22" dur="500"/>
+                                        <p:tgtEl>
+                                          <p:spTgt spid="3">
+                                            <p:txEl>
+                                              <p:pRg st="0" end="0"/>
+                                            </p:txEl>
+                                          </p:spTgt>
+                                        </p:tgtEl>
+                                      </p:cBhvr>
+                                    </p:animEffect>
+                                  </p:childTnLst>
+                                </p:cTn>
+                              </p:par>
+                            </p:childTnLst>
+                          </p:cTn>
+                        </p:par>
+                      </p:childTnLst>
+                    </p:cTn>
+                  </p:par>
+                  <p:par>
+                    <p:cTn id="23" fill="hold">
+                      <p:stCondLst>
+                        <p:cond delay="indefinite"/>
+                      </p:stCondLst>
+                      <p:childTnLst>
+                        <p:par>
+                          <p:cTn id="24" fill="hold">
+                            <p:stCondLst>
+                              <p:cond delay="0"/>
+                            </p:stCondLst>
+                            <p:childTnLst>
+                              <p:par>
+                                <p:cTn id="25" presetID="10" presetClass="entr" presetSubtype="0" fill="hold" grpId="0" nodeType="clickEffect">
+                                  <p:stCondLst>
+                                    <p:cond delay="0"/>
+                                  </p:stCondLst>
+                                  <p:childTnLst>
+                                    <p:set>
+                                      <p:cBhvr>
+                                        <p:cTn id="26" dur="1" fill="hold">
+                                          <p:stCondLst>
+                                            <p:cond delay="0"/>
+                                          </p:stCondLst>
+                                        </p:cTn>
+                                        <p:tgtEl>
+                                          <p:spTgt spid="3">
+                                            <p:txEl>
+                                              <p:pRg st="1" end="1"/>
+                                            </p:txEl>
+                                          </p:spTgt>
+                                        </p:tgtEl>
+                                        <p:attrNameLst>
+                                          <p:attrName>style.visibility</p:attrName>
+                                        </p:attrNameLst>
+                                      </p:cBhvr>
+                                      <p:to>
+                                        <p:strVal val="visible"/>
+                                      </p:to>
+                                    </p:set>
+                                    <p:animEffect transition="in" filter="fade">
+                                      <p:cBhvr>
+                                        <p:cTn id="27" dur="500"/>
+                                        <p:tgtEl>
+                                          <p:spTgt spid="3">
+                                            <p:txEl>
+                                              <p:pRg st="1" end="1"/>
+                                            </p:txEl>
+                                          </p:spTgt>
+                                        </p:tgtEl>
+                                      </p:cBhvr>
+                                    </p:animEffect>
+                                  </p:childTnLst>
+                                </p:cTn>
+                              </p:par>
+                            </p:childTnLst>
+                          </p:cTn>
+                        </p:par>
+                      </p:childTnLst>
+                    </p:cTn>
+                  </p:par>
+                </p:childTnLst>
+              </p:cTn>
+              <p:prevCondLst>
+                <p:cond evt="onPrev" delay="0">
+                  <p:tgtEl>
+                    <p:sldTgt/>
+                  </p:tgtEl>
+                </p:cond>
+              </p:prevCondLst>
+              <p:nextCondLst>
+                <p:cond evt="onNext" delay="0">
+                  <p:tgtEl>
+                    <p:sldTgt/>
+                  </p:tgtEl>
+                </p:cond>
+              </p:nextCondLst>
+            </p:seq>
+          </p:childTnLst>
+        </p:cTn>
+      </p:par>
+    </p:tnLst>
+    <p:bldLst>
+      <p:bldP spid="3" grpId="0" build="p"/>
+      <p:bldP spid="4" grpId="0" animBg="1"/>
+      <p:bldP spid="5" grpId="0"/>
+    </p:bldLst>
+  </p:timing>
+</p:sld>
+</file>
+
+<file path=ppt/slides/slide2.xml><?xml version="1.0" encoding="utf-8"?>
+<p:sld xmlns:a="http://schemas.openxmlformats.org/drawingml/2006/main" xmlns:r="http://schemas.openxmlformats.org/officeDocument/2006/relationships" xmlns:p="http://schemas.openxmlformats.org/presentationml/2006/main">
+  <p:cSld>
+    <p:spTree>
+      <p:nvGrpSpPr>
+        <p:cNvPr id="1" name=""/>
+        <p:cNvGrpSpPr/>
+        <p:nvPr/>
+      </p:nvGrpSpPr>
+      <p:grpSpPr>
+        <a:xfrm>
+          <a:off x="0" y="0"/>
+          <a:ext cx="0" cy="0"/>
+          <a:chOff x="0" y="0"/>
+          <a:chExt cx="0" cy="0"/>
+        </a:xfrm>
+      </p:grpSpPr>
+      <p:sp>
+        <p:nvSpPr>
+          <p:cNvPr id="2" name="Title 1">
+            <a:extLst>
+              <a:ext uri="{FF2B5EF4-FFF2-40B4-BE49-F238E27FC236}">
+                <a16:creationId xmlns:a16="http://schemas.microsoft.com/office/drawing/2014/main" id="{1BEF5859-10C9-4588-9727-B9362E26C29D}"/>
+              </a:ext>
+            </a:extLst>
+          </p:cNvPr>
+          <p:cNvSpPr>
+            <a:spLocks noGrp="1"/>
+          </p:cNvSpPr>
+          <p:nvPr>
+            <p:ph type="title"/>
+          </p:nvPr>
+        </p:nvSpPr>
+        <p:spPr>
+          <a:xfrm>
+            <a:off x="1333500" y="1020445"/>
+            <a:ext cx="2895600" cy="1325563"/>
+          </a:xfrm>
+        </p:spPr>
+        <p:txBody>
+          <a:bodyPr/>
+          <a:lstStyle/>
+          <a:p>
+            <a:r>
+              <a:rPr lang="en-US" dirty="0"/>
+              <a:t>Presentation summary</a:t>
+            </a:r>
+          </a:p>
+        </p:txBody>
+      </p:sp>
+      <p:sp>
+        <p:nvSpPr>
+          <p:cNvPr id="3" name="Content Placeholder 2">
+            <a:extLst>
+              <a:ext uri="{FF2B5EF4-FFF2-40B4-BE49-F238E27FC236}">
+                <a16:creationId xmlns:a16="http://schemas.microsoft.com/office/drawing/2014/main" id="{5671D7E5-EF66-4BCD-8DAA-E9061157F0BE}"/>
+              </a:ext>
+            </a:extLst>
+          </p:cNvPr>
+          <p:cNvSpPr>
+            <a:spLocks noGrp="1"/>
+          </p:cNvSpPr>
+          <p:nvPr>
+            <p:ph idx="1"/>
+          </p:nvPr>
+        </p:nvSpPr>
+        <p:spPr>
+          <a:xfrm>
+            <a:off x="1333500" y="2674013"/>
+            <a:ext cx="3238500" cy="3679162"/>
+          </a:xfrm>
+        </p:spPr>
+        <p:txBody>
+          <a:bodyPr>
+            <a:normAutofit lnSpcReduction="10000"/>
+          </a:bodyPr>
+          <a:lstStyle/>
+          <a:p>
+            <a:pPr marL="285750" indent="-285750">
+              <a:buFont typeface="Arial" panose="020B0604020202020204" pitchFamily="34" charset="0"/>
+              <a:buChar char="•"/>
+            </a:pPr>
+            <a:r>
+              <a:rPr lang="en-US" dirty="0">
+                <a:hlinkClick r:id="rId3" action="ppaction://hlinksldjump"/>
+              </a:rPr>
+              <a:t>Introduction</a:t>
+            </a:r>
+            <a:endParaRPr lang="en-US" dirty="0">
+              <a:hlinkClick r:id="rId4" action="ppaction://hlinksldjump"/>
+            </a:endParaRPr>
+          </a:p>
+          <a:p>
+            <a:pPr marL="285750" indent="-285750">
+              <a:buFont typeface="Arial" panose="020B0604020202020204" pitchFamily="34" charset="0"/>
+              <a:buChar char="•"/>
+            </a:pPr>
+            <a:r>
+              <a:rPr lang="en-US" dirty="0">
+                <a:hlinkClick r:id="rId4" action="ppaction://hlinksldjump"/>
+              </a:rPr>
+              <a:t>Exploring the data</a:t>
+            </a:r>
+            <a:endParaRPr lang="en-US" dirty="0"/>
+          </a:p>
+          <a:p>
+            <a:pPr marL="285750" indent="-285750">
+              <a:buFont typeface="Arial" panose="020B0604020202020204" pitchFamily="34" charset="0"/>
+              <a:buChar char="•"/>
+            </a:pPr>
+            <a:r>
+              <a:rPr lang="en-US" dirty="0">
+                <a:hlinkClick r:id="rId5" action="ppaction://hlinksldjump"/>
+              </a:rPr>
+              <a:t>Find the customer segmentation</a:t>
+            </a:r>
+            <a:endParaRPr lang="en-US" dirty="0"/>
+          </a:p>
+          <a:p>
+            <a:pPr marL="285750" indent="-285750">
+              <a:buFont typeface="Arial" panose="020B0604020202020204" pitchFamily="34" charset="0"/>
+              <a:buChar char="•"/>
+            </a:pPr>
+            <a:r>
+              <a:rPr lang="en-US" dirty="0">
+                <a:hlinkClick r:id="rId6" action="ppaction://hlinksldjump"/>
+              </a:rPr>
+              <a:t>Create Churn Analysis</a:t>
+            </a:r>
+            <a:endParaRPr lang="en-US" dirty="0"/>
+          </a:p>
+          <a:p>
+            <a:pPr marL="285750" indent="-285750">
+              <a:buFont typeface="Arial" panose="020B0604020202020204" pitchFamily="34" charset="0"/>
+              <a:buChar char="•"/>
+            </a:pPr>
+            <a:r>
+              <a:rPr lang="en-US" dirty="0">
+                <a:hlinkClick r:id="rId7" action="ppaction://hlinksldjump"/>
+              </a:rPr>
+              <a:t>Design a Predictive Model</a:t>
+            </a:r>
+            <a:endParaRPr lang="en-US" dirty="0"/>
+          </a:p>
+          <a:p>
+            <a:pPr marL="285750" indent="-285750">
+              <a:buFont typeface="Arial" panose="020B0604020202020204" pitchFamily="34" charset="0"/>
+              <a:buChar char="•"/>
+            </a:pPr>
+            <a:r>
+              <a:rPr lang="en-US" dirty="0">
+                <a:hlinkClick r:id="rId8" action="ppaction://hlinksldjump"/>
+              </a:rPr>
+              <a:t>The recommendations</a:t>
+            </a:r>
+            <a:endParaRPr lang="en-US" dirty="0"/>
+          </a:p>
+          <a:p>
+            <a:pPr marL="285750" indent="-285750">
+              <a:buFont typeface="Arial" panose="020B0604020202020204" pitchFamily="34" charset="0"/>
+              <a:buChar char="•"/>
+            </a:pPr>
+            <a:r>
+              <a:rPr lang="en-US" dirty="0">
+                <a:hlinkClick r:id="rId9" action="ppaction://hlinksldjump"/>
+              </a:rPr>
+              <a:t>Appendix</a:t>
+            </a:r>
+            <a:endParaRPr lang="en-US" dirty="0"/>
+          </a:p>
+        </p:txBody>
+      </p:sp>
+    </p:spTree>
+    <p:extLst>
+      <p:ext uri="{BB962C8B-B14F-4D97-AF65-F5344CB8AC3E}">
+        <p14:creationId xmlns:p14="http://schemas.microsoft.com/office/powerpoint/2010/main" val="1713219598"/>
+      </p:ext>
+    </p:extLst>
+  </p:cSld>
+  <p:clrMapOvr>
+    <a:masterClrMapping/>
+  </p:clrMapOvr>
+</p:sld>
+</file>
+
+<file path=ppt/slides/slide20.xml><?xml version="1.0" encoding="utf-8"?>
+<p:sld xmlns:a="http://schemas.openxmlformats.org/drawingml/2006/main" xmlns:r="http://schemas.openxmlformats.org/officeDocument/2006/relationships" xmlns:p="http://schemas.openxmlformats.org/presentationml/2006/main">
+  <p:cSld>
+    <p:spTree>
+      <p:nvGrpSpPr>
+        <p:cNvPr id="1" name=""/>
+        <p:cNvGrpSpPr/>
+        <p:nvPr/>
+      </p:nvGrpSpPr>
+      <p:grpSpPr>
+        <a:xfrm>
+          <a:off x="0" y="0"/>
+          <a:ext cx="0" cy="0"/>
+          <a:chOff x="0" y="0"/>
+          <a:chExt cx="0" cy="0"/>
+        </a:xfrm>
+      </p:grpSpPr>
+      <p:sp>
+        <p:nvSpPr>
+          <p:cNvPr id="2" name="Title 1">
+            <a:extLst>
+              <a:ext uri="{FF2B5EF4-FFF2-40B4-BE49-F238E27FC236}">
+                <a16:creationId xmlns:a16="http://schemas.microsoft.com/office/drawing/2014/main" id="{566C97BE-403B-122E-90D1-2788978A0B6F}"/>
+              </a:ext>
+            </a:extLst>
+          </p:cNvPr>
+          <p:cNvSpPr>
+            <a:spLocks noGrp="1"/>
+          </p:cNvSpPr>
+          <p:nvPr>
+            <p:ph type="ctrTitle"/>
+          </p:nvPr>
+        </p:nvSpPr>
+        <p:spPr>
+          <a:xfrm>
+            <a:off x="6991350" y="406400"/>
+            <a:ext cx="4179570" cy="3457971"/>
+          </a:xfrm>
+        </p:spPr>
+        <p:txBody>
+          <a:bodyPr/>
+          <a:lstStyle/>
+          <a:p>
+            <a:r>
+              <a:rPr lang="en-US" dirty="0"/>
+              <a:t>Predictive Model</a:t>
+            </a:r>
+          </a:p>
+        </p:txBody>
+      </p:sp>
+    </p:spTree>
+    <p:extLst>
+      <p:ext uri="{BB962C8B-B14F-4D97-AF65-F5344CB8AC3E}">
+        <p14:creationId xmlns:p14="http://schemas.microsoft.com/office/powerpoint/2010/main" val="1708449329"/>
+      </p:ext>
+    </p:extLst>
+  </p:cSld>
+  <p:clrMapOvr>
+    <a:masterClrMapping/>
+  </p:clrMapOvr>
+</p:sld>
+</file>
+
+<file path=ppt/slides/slide21.xml><?xml version="1.0" encoding="utf-8"?>
+<p:sld xmlns:a="http://schemas.openxmlformats.org/drawingml/2006/main" xmlns:r="http://schemas.openxmlformats.org/officeDocument/2006/relationships" xmlns:p="http://schemas.openxmlformats.org/presentationml/2006/main">
+  <p:cSld>
+    <p:spTree>
+      <p:nvGrpSpPr>
+        <p:cNvPr id="1" name=""/>
+        <p:cNvGrpSpPr/>
+        <p:nvPr/>
+      </p:nvGrpSpPr>
+      <p:grpSpPr>
+        <a:xfrm>
+          <a:off x="0" y="0"/>
+          <a:ext cx="0" cy="0"/>
+          <a:chOff x="0" y="0"/>
+          <a:chExt cx="0" cy="0"/>
+        </a:xfrm>
+      </p:grpSpPr>
+      <p:sp>
+        <p:nvSpPr>
+          <p:cNvPr id="2" name="Title 1">
+            <a:extLst>
+              <a:ext uri="{FF2B5EF4-FFF2-40B4-BE49-F238E27FC236}">
+                <a16:creationId xmlns:a16="http://schemas.microsoft.com/office/drawing/2014/main" id="{0A32731C-311B-46F7-A865-6C3AF6B09A47}"/>
+              </a:ext>
+            </a:extLst>
+          </p:cNvPr>
+          <p:cNvSpPr>
+            <a:spLocks noGrp="1"/>
+          </p:cNvSpPr>
+          <p:nvPr>
+            <p:ph type="title"/>
+          </p:nvPr>
+        </p:nvSpPr>
+        <p:spPr>
+          <a:xfrm>
+            <a:off x="1531938" y="578786"/>
+            <a:ext cx="3102198" cy="678724"/>
+          </a:xfrm>
+        </p:spPr>
+        <p:txBody>
+          <a:bodyPr>
+            <a:normAutofit fontScale="90000"/>
+          </a:bodyPr>
+          <a:lstStyle/>
+          <a:p>
+            <a:r>
+              <a:rPr lang="en-US" dirty="0"/>
+              <a:t>Predictive Modeling</a:t>
+            </a:r>
+          </a:p>
+        </p:txBody>
+      </p:sp>
+      <p:sp>
+        <p:nvSpPr>
+          <p:cNvPr id="3" name="Text Placeholder 2">
+            <a:extLst>
+              <a:ext uri="{FF2B5EF4-FFF2-40B4-BE49-F238E27FC236}">
+                <a16:creationId xmlns:a16="http://schemas.microsoft.com/office/drawing/2014/main" id="{9D5232F9-FD00-464A-9F17-619C91AEF8F3}"/>
+              </a:ext>
+            </a:extLst>
+          </p:cNvPr>
+          <p:cNvSpPr>
+            <a:spLocks noGrp="1"/>
+          </p:cNvSpPr>
+          <p:nvPr>
+            <p:ph sz="half" idx="2"/>
+          </p:nvPr>
+        </p:nvSpPr>
+        <p:spPr>
+          <a:xfrm>
+            <a:off x="479161" y="2515021"/>
+            <a:ext cx="4788652" cy="1827958"/>
+          </a:xfrm>
+        </p:spPr>
+        <p:txBody>
+          <a:bodyPr>
+            <a:normAutofit/>
+          </a:bodyPr>
+          <a:lstStyle/>
+          <a:p>
+            <a:r>
+              <a:rPr lang="en-US" b="0" dirty="0"/>
+              <a:t>After conducting a churn analysis on the customer segment using the purchasing behavior and geographic location, I created a predictive model to forecast the next 12 months.</a:t>
+            </a:r>
+          </a:p>
+        </p:txBody>
+      </p:sp>
+      <p:pic>
+        <p:nvPicPr>
+          <p:cNvPr id="8198" name="Picture 6">
+            <a:extLst>
+              <a:ext uri="{FF2B5EF4-FFF2-40B4-BE49-F238E27FC236}">
+                <a16:creationId xmlns:a16="http://schemas.microsoft.com/office/drawing/2014/main" id="{3EF290E0-211D-FDD8-3E25-1CEC3B9B1729}"/>
+              </a:ext>
+            </a:extLst>
+          </p:cNvPr>
+          <p:cNvPicPr>
+            <a:picLocks noChangeAspect="1" noChangeArrowheads="1"/>
+          </p:cNvPicPr>
+          <p:nvPr/>
+        </p:nvPicPr>
+        <p:blipFill>
+          <a:blip r:embed="rId3">
+            <a:extLst>
+              <a:ext uri="{28A0092B-C50C-407E-A947-70E740481C1C}">
+                <a14:useLocalDpi xmlns:a14="http://schemas.microsoft.com/office/drawing/2010/main" val="0"/>
+              </a:ext>
+            </a:extLst>
+          </a:blip>
+          <a:srcRect/>
+          <a:stretch>
+            <a:fillRect/>
+          </a:stretch>
+        </p:blipFill>
+        <p:spPr bwMode="auto">
+          <a:xfrm>
+            <a:off x="5689767" y="1106774"/>
+            <a:ext cx="6502233" cy="4644452"/>
+          </a:xfrm>
+          <a:prstGeom prst="rect">
+            <a:avLst/>
+          </a:prstGeom>
+          <a:noFill/>
+          <a:extLst>
+            <a:ext uri="{909E8E84-426E-40DD-AFC4-6F175D3DCCD1}">
+              <a14:hiddenFill xmlns:a14="http://schemas.microsoft.com/office/drawing/2010/main">
+                <a:solidFill>
+                  <a:srgbClr val="FFFFFF"/>
+                </a:solidFill>
+              </a14:hiddenFill>
+            </a:ext>
+          </a:extLst>
+        </p:spPr>
+      </p:pic>
+    </p:spTree>
+    <p:extLst>
+      <p:ext uri="{BB962C8B-B14F-4D97-AF65-F5344CB8AC3E}">
+        <p14:creationId xmlns:p14="http://schemas.microsoft.com/office/powerpoint/2010/main" val="3310072761"/>
+      </p:ext>
+    </p:extLst>
+  </p:cSld>
+  <p:clrMapOvr>
+    <a:masterClrMapping/>
+  </p:clrMapOvr>
+</p:sld>
+</file>
+
+<file path=ppt/slides/slide22.xml><?xml version="1.0" encoding="utf-8"?>
+<p:sld xmlns:a="http://schemas.openxmlformats.org/drawingml/2006/main" xmlns:r="http://schemas.openxmlformats.org/officeDocument/2006/relationships" xmlns:p="http://schemas.openxmlformats.org/presentationml/2006/main">
+  <p:cSld>
+    <p:spTree>
+      <p:nvGrpSpPr>
+        <p:cNvPr id="1" name=""/>
+        <p:cNvGrpSpPr/>
+        <p:nvPr/>
+      </p:nvGrpSpPr>
+      <p:grpSpPr>
+        <a:xfrm>
+          <a:off x="0" y="0"/>
+          <a:ext cx="0" cy="0"/>
+          <a:chOff x="0" y="0"/>
+          <a:chExt cx="0" cy="0"/>
+        </a:xfrm>
+      </p:grpSpPr>
+      <p:sp>
+        <p:nvSpPr>
+          <p:cNvPr id="2" name="Title 1">
+            <a:extLst>
+              <a:ext uri="{FF2B5EF4-FFF2-40B4-BE49-F238E27FC236}">
+                <a16:creationId xmlns:a16="http://schemas.microsoft.com/office/drawing/2014/main" id="{566C97BE-403B-122E-90D1-2788978A0B6F}"/>
+              </a:ext>
+            </a:extLst>
+          </p:cNvPr>
+          <p:cNvSpPr>
+            <a:spLocks noGrp="1"/>
+          </p:cNvSpPr>
+          <p:nvPr>
+            <p:ph type="ctrTitle"/>
+          </p:nvPr>
+        </p:nvSpPr>
+        <p:spPr>
+          <a:xfrm>
+            <a:off x="6991350" y="406400"/>
+            <a:ext cx="4648200" cy="3457971"/>
+          </a:xfrm>
+        </p:spPr>
+        <p:txBody>
+          <a:bodyPr/>
+          <a:lstStyle/>
+          <a:p>
+            <a:r>
+              <a:rPr lang="en-US" dirty="0"/>
+              <a:t>The recommendations</a:t>
+            </a:r>
+          </a:p>
+        </p:txBody>
+      </p:sp>
+    </p:spTree>
+    <p:extLst>
+      <p:ext uri="{BB962C8B-B14F-4D97-AF65-F5344CB8AC3E}">
+        <p14:creationId xmlns:p14="http://schemas.microsoft.com/office/powerpoint/2010/main" val="3992641955"/>
+      </p:ext>
+    </p:extLst>
+  </p:cSld>
+  <p:clrMapOvr>
+    <a:masterClrMapping/>
+  </p:clrMapOvr>
+</p:sld>
+</file>
+
+<file path=ppt/slides/slide23.xml><?xml version="1.0" encoding="utf-8"?>
+<p:sld xmlns:a="http://schemas.openxmlformats.org/drawingml/2006/main" xmlns:r="http://schemas.openxmlformats.org/officeDocument/2006/relationships" xmlns:p="http://schemas.openxmlformats.org/presentationml/2006/main">
+  <p:cSld>
+    <p:spTree>
+      <p:nvGrpSpPr>
+        <p:cNvPr id="1" name=""/>
+        <p:cNvGrpSpPr/>
+        <p:nvPr/>
+      </p:nvGrpSpPr>
+      <p:grpSpPr>
+        <a:xfrm>
+          <a:off x="0" y="0"/>
+          <a:ext cx="0" cy="0"/>
+          <a:chOff x="0" y="0"/>
+          <a:chExt cx="0" cy="0"/>
+        </a:xfrm>
+      </p:grpSpPr>
+      <p:sp>
+        <p:nvSpPr>
+          <p:cNvPr id="2" name="Title 1">
+            <a:extLst>
+              <a:ext uri="{FF2B5EF4-FFF2-40B4-BE49-F238E27FC236}">
+                <a16:creationId xmlns:a16="http://schemas.microsoft.com/office/drawing/2014/main" id="{A95E2E6A-35EC-1B8E-0FD7-8C67870ACA64}"/>
+              </a:ext>
+            </a:extLst>
+          </p:cNvPr>
+          <p:cNvSpPr>
+            <a:spLocks noGrp="1"/>
+          </p:cNvSpPr>
+          <p:nvPr>
+            <p:ph type="title"/>
+          </p:nvPr>
+        </p:nvSpPr>
+        <p:spPr>
+          <a:xfrm>
+            <a:off x="2933700" y="568961"/>
+            <a:ext cx="8420100" cy="831214"/>
+          </a:xfrm>
+        </p:spPr>
+        <p:txBody>
+          <a:bodyPr/>
+          <a:lstStyle/>
+          <a:p>
+            <a:r>
+              <a:rPr lang="en-US" dirty="0"/>
+              <a:t>Findings &amp; Recommendations</a:t>
+            </a:r>
+          </a:p>
+        </p:txBody>
+      </p:sp>
+      <p:sp>
+        <p:nvSpPr>
+          <p:cNvPr id="12" name="Text Placeholder 11">
+            <a:extLst>
+              <a:ext uri="{FF2B5EF4-FFF2-40B4-BE49-F238E27FC236}">
+                <a16:creationId xmlns:a16="http://schemas.microsoft.com/office/drawing/2014/main" id="{554B61B9-26F6-B304-92CD-03053DAAF2A8}"/>
+              </a:ext>
+            </a:extLst>
+          </p:cNvPr>
+          <p:cNvSpPr>
+            <a:spLocks noGrp="1"/>
+          </p:cNvSpPr>
+          <p:nvPr>
+            <p:ph type="body" idx="1"/>
+          </p:nvPr>
+        </p:nvSpPr>
+        <p:spPr>
+          <a:xfrm>
+            <a:off x="1696426" y="1888842"/>
+            <a:ext cx="3924300" cy="555335"/>
+          </a:xfrm>
+        </p:spPr>
+        <p:txBody>
+          <a:bodyPr/>
+          <a:lstStyle/>
+          <a:p>
+            <a:r>
+              <a:rPr lang="en-US" dirty="0"/>
+              <a:t>Findings</a:t>
+            </a:r>
+          </a:p>
+        </p:txBody>
+      </p:sp>
+      <p:sp>
+        <p:nvSpPr>
+          <p:cNvPr id="35" name="Content Placeholder 34">
+            <a:extLst>
+              <a:ext uri="{FF2B5EF4-FFF2-40B4-BE49-F238E27FC236}">
+                <a16:creationId xmlns:a16="http://schemas.microsoft.com/office/drawing/2014/main" id="{EDBE6233-75E9-40D1-968F-58CA9AD0FF50}"/>
+              </a:ext>
+            </a:extLst>
+          </p:cNvPr>
+          <p:cNvSpPr>
+            <a:spLocks noGrp="1"/>
+          </p:cNvSpPr>
+          <p:nvPr>
+            <p:ph sz="half" idx="13"/>
+          </p:nvPr>
+        </p:nvSpPr>
+        <p:spPr>
+          <a:xfrm>
+            <a:off x="1696426" y="2398760"/>
+            <a:ext cx="4848502" cy="4200448"/>
+          </a:xfrm>
+        </p:spPr>
+        <p:txBody>
+          <a:bodyPr>
+            <a:normAutofit fontScale="92500" lnSpcReduction="10000"/>
+          </a:bodyPr>
+          <a:lstStyle/>
+          <a:p>
+            <a:pPr marL="285750" indent="-285750">
+              <a:buFont typeface="Arial" panose="020B0604020202020204" pitchFamily="34" charset="0"/>
+              <a:buChar char="•"/>
+            </a:pPr>
+            <a:r>
+              <a:rPr lang="en-US" dirty="0"/>
+              <a:t>The company is on a growing scale since the beginning, with around 20% growth rate in the last year.</a:t>
+            </a:r>
+          </a:p>
+          <a:p>
+            <a:pPr marL="285750" indent="-285750">
+              <a:buFont typeface="Arial" panose="020B0604020202020204" pitchFamily="34" charset="0"/>
+              <a:buChar char="•"/>
+            </a:pPr>
+            <a:r>
+              <a:rPr lang="en-US" b="0" dirty="0"/>
+              <a:t>Seasonality trend starts from March till August.</a:t>
+            </a:r>
+            <a:endParaRPr lang="en-US" dirty="0"/>
+          </a:p>
+          <a:p>
+            <a:pPr marL="285750" indent="-285750">
+              <a:buFont typeface="Arial" panose="020B0604020202020204" pitchFamily="34" charset="0"/>
+              <a:buChar char="•"/>
+            </a:pPr>
+            <a:r>
+              <a:rPr lang="en-US" b="0" dirty="0"/>
+              <a:t>Most selling categories are related to home furniture, beauty products, and sports.</a:t>
+            </a:r>
+          </a:p>
+          <a:p>
+            <a:pPr marL="285750" indent="-285750">
+              <a:buFont typeface="Arial" panose="020B0604020202020204" pitchFamily="34" charset="0"/>
+              <a:buChar char="•"/>
+            </a:pPr>
+            <a:r>
+              <a:rPr lang="en-US" b="0" dirty="0"/>
+              <a:t>The highest states in purchasing </a:t>
+            </a:r>
+            <a:r>
+              <a:rPr lang="en-US" b="0" u="sng" dirty="0"/>
+              <a:t>value</a:t>
+            </a:r>
+            <a:r>
+              <a:rPr lang="en-US" b="0" dirty="0"/>
+              <a:t> are RJ, MG, and PR.</a:t>
+            </a:r>
+          </a:p>
+          <a:p>
+            <a:pPr marL="285750" indent="-285750">
+              <a:buFont typeface="Arial" panose="020B0604020202020204" pitchFamily="34" charset="0"/>
+              <a:buChar char="•"/>
+            </a:pPr>
+            <a:r>
+              <a:rPr lang="en-US" b="0" dirty="0"/>
+              <a:t>The payments value distribution are between 50 – 250.</a:t>
+            </a:r>
+          </a:p>
+          <a:p>
+            <a:pPr marL="285750" indent="-285750">
+              <a:buFont typeface="Arial" panose="020B0604020202020204" pitchFamily="34" charset="0"/>
+              <a:buChar char="•"/>
+            </a:pPr>
+            <a:r>
+              <a:rPr lang="en-US" b="0" dirty="0"/>
+              <a:t>The company’s rating is overall high, but the order delivery delay have a high impact on the low ratings.</a:t>
+            </a:r>
+          </a:p>
+        </p:txBody>
+      </p:sp>
+      <p:sp>
+        <p:nvSpPr>
+          <p:cNvPr id="14" name="Text Placeholder 13">
+            <a:extLst>
+              <a:ext uri="{FF2B5EF4-FFF2-40B4-BE49-F238E27FC236}">
+                <a16:creationId xmlns:a16="http://schemas.microsoft.com/office/drawing/2014/main" id="{CB9F9E8B-42CD-AC26-AFC9-F1F66695693B}"/>
+              </a:ext>
+            </a:extLst>
+          </p:cNvPr>
+          <p:cNvSpPr>
+            <a:spLocks noGrp="1"/>
+          </p:cNvSpPr>
+          <p:nvPr>
+            <p:ph type="body" sz="quarter" idx="3"/>
+          </p:nvPr>
+        </p:nvSpPr>
+        <p:spPr>
+          <a:xfrm>
+            <a:off x="6971751" y="1888842"/>
+            <a:ext cx="3943627" cy="464499"/>
+          </a:xfrm>
+        </p:spPr>
+        <p:txBody>
+          <a:bodyPr/>
+          <a:lstStyle/>
+          <a:p>
+            <a:r>
+              <a:rPr lang="en-US" dirty="0"/>
+              <a:t>Recommendations</a:t>
+            </a:r>
+          </a:p>
+        </p:txBody>
+      </p:sp>
+      <p:sp>
+        <p:nvSpPr>
+          <p:cNvPr id="50" name="Content Placeholder 49">
+            <a:extLst>
+              <a:ext uri="{FF2B5EF4-FFF2-40B4-BE49-F238E27FC236}">
+                <a16:creationId xmlns:a16="http://schemas.microsoft.com/office/drawing/2014/main" id="{8F6B2AE9-DDE4-FD99-A235-3B39EEE21481}"/>
+              </a:ext>
+            </a:extLst>
+          </p:cNvPr>
+          <p:cNvSpPr>
+            <a:spLocks noGrp="1"/>
+          </p:cNvSpPr>
+          <p:nvPr>
+            <p:ph sz="half" idx="14"/>
+          </p:nvPr>
+        </p:nvSpPr>
+        <p:spPr>
+          <a:xfrm>
+            <a:off x="6971751" y="2398760"/>
+            <a:ext cx="4188854" cy="3967749"/>
+          </a:xfrm>
+        </p:spPr>
+        <p:txBody>
+          <a:bodyPr>
+            <a:normAutofit fontScale="92500" lnSpcReduction="20000"/>
+          </a:bodyPr>
+          <a:lstStyle/>
+          <a:p>
+            <a:pPr marL="285750" indent="-285750">
+              <a:buFont typeface="Arial" panose="020B0604020202020204" pitchFamily="34" charset="0"/>
+              <a:buChar char="•"/>
+            </a:pPr>
+            <a:r>
+              <a:rPr lang="en-US" dirty="0"/>
+              <a:t>Develop a main dashboard with the most selling categories in the company user’s app.</a:t>
+            </a:r>
+          </a:p>
+          <a:p>
+            <a:pPr marL="285750" indent="-285750">
+              <a:buFont typeface="Arial" panose="020B0604020202020204" pitchFamily="34" charset="0"/>
+              <a:buChar char="•"/>
+            </a:pPr>
+            <a:r>
+              <a:rPr lang="en-US" dirty="0"/>
+              <a:t>Prioritize the low-price items in the search feature in the user’s app, to enhance the customer experience.</a:t>
+            </a:r>
+          </a:p>
+          <a:p>
+            <a:pPr marL="285750" indent="-285750">
+              <a:buFont typeface="Arial" panose="020B0604020202020204" pitchFamily="34" charset="0"/>
+              <a:buChar char="•"/>
+            </a:pPr>
+            <a:r>
+              <a:rPr lang="en-US" dirty="0"/>
+              <a:t>Minimize the order delivery duration, to enhance the customer’s reviews score or increase the estimated delivery time to develop honesty with the customers.</a:t>
+            </a:r>
+          </a:p>
+          <a:p>
+            <a:pPr marL="285750" indent="-285750">
+              <a:buFont typeface="Arial" panose="020B0604020202020204" pitchFamily="34" charset="0"/>
+              <a:buChar char="•"/>
+            </a:pPr>
+            <a:r>
+              <a:rPr lang="en-US" dirty="0"/>
+              <a:t>Cooperation with the SEO team to increase the advertising in the highest states and cities in purchasing, to increase the customer base.</a:t>
+            </a:r>
+          </a:p>
+        </p:txBody>
+      </p:sp>
+    </p:spTree>
+    <p:extLst>
+      <p:ext uri="{BB962C8B-B14F-4D97-AF65-F5344CB8AC3E}">
+        <p14:creationId xmlns:p14="http://schemas.microsoft.com/office/powerpoint/2010/main" val="103458723"/>
+      </p:ext>
+    </p:extLst>
+  </p:cSld>
+  <p:clrMapOvr>
+    <a:masterClrMapping/>
+  </p:clrMapOvr>
+</p:sld>
+</file>
+
+<file path=ppt/slides/slide24.xml><?xml version="1.0" encoding="utf-8"?>
+<p:sld xmlns:a="http://schemas.openxmlformats.org/drawingml/2006/main" xmlns:r="http://schemas.openxmlformats.org/officeDocument/2006/relationships" xmlns:p="http://schemas.openxmlformats.org/presentationml/2006/main">
+  <p:cSld>
+    <p:spTree>
+      <p:nvGrpSpPr>
+        <p:cNvPr id="1" name=""/>
+        <p:cNvGrpSpPr/>
+        <p:nvPr/>
+      </p:nvGrpSpPr>
+      <p:grpSpPr>
+        <a:xfrm>
+          <a:off x="0" y="0"/>
+          <a:ext cx="0" cy="0"/>
+          <a:chOff x="0" y="0"/>
+          <a:chExt cx="0" cy="0"/>
+        </a:xfrm>
+      </p:grpSpPr>
+      <p:sp>
+        <p:nvSpPr>
+          <p:cNvPr id="17" name="Title 1">
+            <a:extLst>
+              <a:ext uri="{FF2B5EF4-FFF2-40B4-BE49-F238E27FC236}">
+                <a16:creationId xmlns:a16="http://schemas.microsoft.com/office/drawing/2014/main" id="{09140014-73D5-419B-8867-972BB18D52D4}"/>
+              </a:ext>
+            </a:extLst>
+          </p:cNvPr>
+          <p:cNvSpPr>
+            <a:spLocks noGrp="1"/>
+          </p:cNvSpPr>
+          <p:nvPr>
+            <p:ph type="title"/>
+          </p:nvPr>
+        </p:nvSpPr>
+        <p:spPr>
+          <a:xfrm>
+            <a:off x="838200" y="337192"/>
+            <a:ext cx="5655197" cy="1997867"/>
+          </a:xfrm>
+        </p:spPr>
+        <p:txBody>
+          <a:bodyPr anchor="b"/>
+          <a:lstStyle/>
+          <a:p>
+            <a:r>
+              <a:rPr lang="en-US" dirty="0"/>
+              <a:t>Appendix</a:t>
+            </a:r>
+          </a:p>
+        </p:txBody>
+      </p:sp>
+      <p:sp>
+        <p:nvSpPr>
+          <p:cNvPr id="6" name="Text Placeholder 5">
+            <a:extLst>
+              <a:ext uri="{FF2B5EF4-FFF2-40B4-BE49-F238E27FC236}">
+                <a16:creationId xmlns:a16="http://schemas.microsoft.com/office/drawing/2014/main" id="{D2E1CF79-4FDC-8CAF-CC16-E309A2C49758}"/>
+              </a:ext>
+            </a:extLst>
+          </p:cNvPr>
+          <p:cNvSpPr>
+            <a:spLocks noGrp="1"/>
+          </p:cNvSpPr>
+          <p:nvPr>
+            <p:ph type="body" idx="1"/>
+          </p:nvPr>
+        </p:nvSpPr>
+        <p:spPr>
+          <a:xfrm>
+            <a:off x="838200" y="2705177"/>
+            <a:ext cx="5733772" cy="448990"/>
+          </a:xfrm>
+        </p:spPr>
+        <p:txBody>
+          <a:bodyPr/>
+          <a:lstStyle/>
+          <a:p>
+            <a:r>
+              <a:rPr lang="en-US" dirty="0"/>
+              <a:t>Link for the documentation files on GitHub:</a:t>
+            </a:r>
+          </a:p>
+        </p:txBody>
+      </p:sp>
+      <p:sp>
+        <p:nvSpPr>
+          <p:cNvPr id="20" name="Content Placeholder 3">
+            <a:extLst>
+              <a:ext uri="{FF2B5EF4-FFF2-40B4-BE49-F238E27FC236}">
+                <a16:creationId xmlns:a16="http://schemas.microsoft.com/office/drawing/2014/main" id="{33D8731E-4977-402E-8BFD-895B4D0544CC}"/>
+              </a:ext>
+            </a:extLst>
+          </p:cNvPr>
+          <p:cNvSpPr>
+            <a:spLocks noGrp="1"/>
+          </p:cNvSpPr>
+          <p:nvPr>
+            <p:ph sz="half" idx="2"/>
+          </p:nvPr>
+        </p:nvSpPr>
+        <p:spPr>
+          <a:xfrm>
+            <a:off x="838199" y="3154166"/>
+            <a:ext cx="5733773" cy="3032733"/>
+          </a:xfrm>
+        </p:spPr>
+        <p:txBody>
+          <a:bodyPr>
+            <a:noAutofit/>
+          </a:bodyPr>
+          <a:lstStyle/>
+          <a:p>
+            <a:pPr marL="0" indent="0">
+              <a:buNone/>
+            </a:pPr>
+            <a:r>
+              <a:rPr lang="en-US" dirty="0">
+                <a:hlinkClick r:id="rId3"/>
+              </a:rPr>
+              <a:t>github.com/a7mdNasrr/</a:t>
+            </a:r>
+            <a:r>
+              <a:rPr lang="en-US" dirty="0" err="1">
+                <a:hlinkClick r:id="rId3"/>
+              </a:rPr>
+              <a:t>Olist</a:t>
+            </a:r>
+            <a:r>
+              <a:rPr lang="en-US" dirty="0">
+                <a:hlinkClick r:id="rId3"/>
+              </a:rPr>
+              <a:t>-Brazilian-E-commerce-Analysis-Project</a:t>
+            </a:r>
+            <a:endParaRPr lang="en-US" dirty="0"/>
+          </a:p>
+          <a:p>
+            <a:pPr marL="0" indent="0">
+              <a:buNone/>
+            </a:pPr>
+            <a:endParaRPr lang="en-US" dirty="0"/>
+          </a:p>
+        </p:txBody>
+      </p:sp>
+    </p:spTree>
+    <p:extLst>
+      <p:ext uri="{BB962C8B-B14F-4D97-AF65-F5344CB8AC3E}">
+        <p14:creationId xmlns:p14="http://schemas.microsoft.com/office/powerpoint/2010/main" val="2403577982"/>
+      </p:ext>
+    </p:extLst>
+  </p:cSld>
+  <p:clrMapOvr>
+    <a:masterClrMapping/>
+  </p:clrMapOvr>
+</p:sld>
+</file>
+
+<file path=ppt/slides/slide25.xml><?xml version="1.0" encoding="utf-8"?>
+<p:sld xmlns:a="http://schemas.openxmlformats.org/drawingml/2006/main" xmlns:r="http://schemas.openxmlformats.org/officeDocument/2006/relationships" xmlns:p="http://schemas.openxmlformats.org/presentationml/2006/main">
+  <p:cSld>
+    <p:spTree>
+      <p:nvGrpSpPr>
+        <p:cNvPr id="1" name=""/>
+        <p:cNvGrpSpPr/>
+        <p:nvPr/>
+      </p:nvGrpSpPr>
+      <p:grpSpPr>
+        <a:xfrm>
+          <a:off x="0" y="0"/>
+          <a:ext cx="0" cy="0"/>
+          <a:chOff x="0" y="0"/>
+          <a:chExt cx="0" cy="0"/>
+        </a:xfrm>
+      </p:grpSpPr>
+      <p:sp>
+        <p:nvSpPr>
+          <p:cNvPr id="2" name="Title 1">
+            <a:extLst>
+              <a:ext uri="{FF2B5EF4-FFF2-40B4-BE49-F238E27FC236}">
+                <a16:creationId xmlns:a16="http://schemas.microsoft.com/office/drawing/2014/main" id="{8BDF1EDE-5423-435C-B149-87AB1BC22B83}"/>
+              </a:ext>
+            </a:extLst>
+          </p:cNvPr>
+          <p:cNvSpPr>
+            <a:spLocks noGrp="1"/>
+          </p:cNvSpPr>
+          <p:nvPr>
+            <p:ph type="ctrTitle"/>
+          </p:nvPr>
+        </p:nvSpPr>
+        <p:spPr>
+          <a:xfrm>
+            <a:off x="4267200" y="1615736"/>
+            <a:ext cx="4179570" cy="1524735"/>
+          </a:xfrm>
+        </p:spPr>
+        <p:txBody>
+          <a:bodyPr/>
+          <a:lstStyle/>
+          <a:p>
+            <a:r>
+              <a:rPr lang="en-US" sz="4000" dirty="0"/>
+              <a:t>THANK YOU</a:t>
+            </a:r>
+          </a:p>
+        </p:txBody>
+      </p:sp>
+      <p:sp>
+        <p:nvSpPr>
+          <p:cNvPr id="3" name="Subtitle 2">
+            <a:extLst>
+              <a:ext uri="{FF2B5EF4-FFF2-40B4-BE49-F238E27FC236}">
+                <a16:creationId xmlns:a16="http://schemas.microsoft.com/office/drawing/2014/main" id="{AF64C29E-DF30-4DC6-AB95-2016F9A703B6}"/>
+              </a:ext>
+            </a:extLst>
+          </p:cNvPr>
+          <p:cNvSpPr>
+            <a:spLocks noGrp="1"/>
+          </p:cNvSpPr>
+          <p:nvPr>
+            <p:ph type="subTitle" idx="1"/>
+          </p:nvPr>
+        </p:nvSpPr>
+        <p:spPr>
+          <a:xfrm>
+            <a:off x="4267199" y="3238103"/>
+            <a:ext cx="7000569" cy="3118247"/>
+          </a:xfrm>
+        </p:spPr>
+        <p:txBody>
+          <a:bodyPr>
+            <a:noAutofit/>
+          </a:bodyPr>
+          <a:lstStyle/>
+          <a:p>
+            <a:r>
+              <a:rPr lang="en-US" dirty="0"/>
+              <a:t>Ahmed Nasser, Data Analyst</a:t>
+            </a:r>
+          </a:p>
+          <a:p>
+            <a:r>
+              <a:rPr lang="en-US" dirty="0"/>
+              <a:t>Email: a-n-ahmed@hotmail.com</a:t>
+            </a:r>
+          </a:p>
+          <a:p>
+            <a:r>
+              <a:rPr lang="en-US" dirty="0"/>
+              <a:t>Portfolio: a7mdnasrr.github.io/AhmedNasser.github.io</a:t>
+            </a:r>
+          </a:p>
+        </p:txBody>
+      </p:sp>
+    </p:spTree>
+    <p:extLst>
+      <p:ext uri="{BB962C8B-B14F-4D97-AF65-F5344CB8AC3E}">
+        <p14:creationId xmlns:p14="http://schemas.microsoft.com/office/powerpoint/2010/main" val="1969787568"/>
+      </p:ext>
+    </p:extLst>
+  </p:cSld>
+  <p:clrMapOvr>
+    <a:masterClrMapping/>
+  </p:clrMapOvr>
+</p:sld>
+</file>
+
+<file path=ppt/slides/slide3.xml><?xml version="1.0" encoding="utf-8"?>
+<p:sld xmlns:a="http://schemas.openxmlformats.org/drawingml/2006/main" xmlns:r="http://schemas.openxmlformats.org/officeDocument/2006/relationships" xmlns:p="http://schemas.openxmlformats.org/presentationml/2006/main">
+  <p:cSld>
+    <p:spTree>
+      <p:nvGrpSpPr>
+        <p:cNvPr id="1" name=""/>
+        <p:cNvGrpSpPr/>
+        <p:nvPr/>
+      </p:nvGrpSpPr>
+      <p:grpSpPr>
+        <a:xfrm>
+          <a:off x="0" y="0"/>
+          <a:ext cx="0" cy="0"/>
+          <a:chOff x="0" y="0"/>
+          <a:chExt cx="0" cy="0"/>
+        </a:xfrm>
+      </p:grpSpPr>
+      <p:sp>
+        <p:nvSpPr>
+          <p:cNvPr id="2" name="Title 1">
+            <a:extLst>
+              <a:ext uri="{FF2B5EF4-FFF2-40B4-BE49-F238E27FC236}">
+                <a16:creationId xmlns:a16="http://schemas.microsoft.com/office/drawing/2014/main" id="{0A32731C-311B-46F7-A865-6C3AF6B09A47}"/>
+              </a:ext>
+            </a:extLst>
+          </p:cNvPr>
+          <p:cNvSpPr>
+            <a:spLocks noGrp="1"/>
+          </p:cNvSpPr>
+          <p:nvPr>
+            <p:ph type="title"/>
+          </p:nvPr>
+        </p:nvSpPr>
+        <p:spPr>
+          <a:xfrm>
+            <a:off x="1322318" y="268360"/>
+            <a:ext cx="7288282" cy="2121177"/>
+          </a:xfrm>
+        </p:spPr>
+        <p:txBody>
+          <a:bodyPr/>
+          <a:lstStyle/>
+          <a:p>
+            <a:r>
+              <a:rPr lang="en-US" dirty="0"/>
+              <a:t>Introduction</a:t>
+            </a:r>
+          </a:p>
+        </p:txBody>
+      </p:sp>
+      <p:sp>
+        <p:nvSpPr>
+          <p:cNvPr id="3" name="Text Placeholder 2">
+            <a:extLst>
+              <a:ext uri="{FF2B5EF4-FFF2-40B4-BE49-F238E27FC236}">
+                <a16:creationId xmlns:a16="http://schemas.microsoft.com/office/drawing/2014/main" id="{9D5232F9-FD00-464A-9F17-619C91AEF8F3}"/>
+              </a:ext>
+            </a:extLst>
+          </p:cNvPr>
+          <p:cNvSpPr>
+            <a:spLocks noGrp="1"/>
+          </p:cNvSpPr>
+          <p:nvPr>
+            <p:ph sz="half" idx="2"/>
+          </p:nvPr>
+        </p:nvSpPr>
+        <p:spPr>
+          <a:xfrm>
+            <a:off x="1322388" y="2763078"/>
+            <a:ext cx="7288212" cy="3407051"/>
+          </a:xfrm>
+        </p:spPr>
+        <p:txBody>
+          <a:bodyPr>
+            <a:normAutofit/>
+          </a:bodyPr>
+          <a:lstStyle/>
+          <a:p>
+            <a:r>
+              <a:rPr lang="en-US" b="0" dirty="0"/>
+              <a:t>As a senior data analyst working at a fast-growing e-commerce platform, </a:t>
+            </a:r>
+            <a:r>
+              <a:rPr lang="en-US" b="0" dirty="0" err="1"/>
+              <a:t>Olist</a:t>
+            </a:r>
+            <a:r>
+              <a:rPr lang="en-US" b="0" dirty="0"/>
+              <a:t>, based in Brazil. </a:t>
+            </a:r>
+          </a:p>
+          <a:p>
+            <a:r>
+              <a:rPr lang="en-US" b="0" dirty="0"/>
+              <a:t>The company operates a marketplace connecting sellers and buyers across various product categories.</a:t>
+            </a:r>
+          </a:p>
+          <a:p>
+            <a:r>
+              <a:rPr lang="en-US" b="0" dirty="0"/>
+              <a:t>My task is to analyze the available dataset to derive actionable insights to improve business operations and customer experience, by first answering the business objectives. </a:t>
+            </a:r>
+          </a:p>
+          <a:p>
+            <a:r>
+              <a:rPr lang="en-US" dirty="0"/>
+              <a:t>In this analysis case study, I'll use the six steps of the data analysis process, which is (Ask, Prepare, Process, Analyze, Share, and Act).</a:t>
+            </a:r>
+          </a:p>
+        </p:txBody>
+      </p:sp>
+    </p:spTree>
+    <p:extLst>
+      <p:ext uri="{BB962C8B-B14F-4D97-AF65-F5344CB8AC3E}">
+        <p14:creationId xmlns:p14="http://schemas.microsoft.com/office/powerpoint/2010/main" val="3571516367"/>
+      </p:ext>
+    </p:extLst>
+  </p:cSld>
+  <p:clrMapOvr>
+    <a:masterClrMapping/>
+  </p:clrMapOvr>
+</p:sld>
+</file>
+
+<file path=ppt/slides/slide4.xml><?xml version="1.0" encoding="utf-8"?>
+<p:sld xmlns:a="http://schemas.openxmlformats.org/drawingml/2006/main" xmlns:r="http://schemas.openxmlformats.org/officeDocument/2006/relationships" xmlns:p="http://schemas.openxmlformats.org/presentationml/2006/main">
+  <p:cSld>
+    <p:spTree>
+      <p:nvGrpSpPr>
+        <p:cNvPr id="1" name=""/>
+        <p:cNvGrpSpPr/>
+        <p:nvPr/>
+      </p:nvGrpSpPr>
+      <p:grpSpPr>
+        <a:xfrm>
+          <a:off x="0" y="0"/>
+          <a:ext cx="0" cy="0"/>
+          <a:chOff x="0" y="0"/>
+          <a:chExt cx="0" cy="0"/>
+        </a:xfrm>
+      </p:grpSpPr>
+      <p:sp>
+        <p:nvSpPr>
+          <p:cNvPr id="2" name="Title 1">
+            <a:extLst>
+              <a:ext uri="{FF2B5EF4-FFF2-40B4-BE49-F238E27FC236}">
+                <a16:creationId xmlns:a16="http://schemas.microsoft.com/office/drawing/2014/main" id="{566C97BE-403B-122E-90D1-2788978A0B6F}"/>
+              </a:ext>
+            </a:extLst>
+          </p:cNvPr>
+          <p:cNvSpPr>
+            <a:spLocks noGrp="1"/>
+          </p:cNvSpPr>
+          <p:nvPr>
+            <p:ph type="ctrTitle"/>
+          </p:nvPr>
+        </p:nvSpPr>
+        <p:spPr>
+          <a:xfrm>
+            <a:off x="6991350" y="406400"/>
+            <a:ext cx="4179570" cy="3457971"/>
+          </a:xfrm>
+        </p:spPr>
+        <p:txBody>
+          <a:bodyPr/>
+          <a:lstStyle/>
+          <a:p>
+            <a:r>
+              <a:rPr lang="en-US" dirty="0"/>
+              <a:t>Exploring the data</a:t>
+            </a:r>
+          </a:p>
+        </p:txBody>
+      </p:sp>
+    </p:spTree>
+    <p:extLst>
+      <p:ext uri="{BB962C8B-B14F-4D97-AF65-F5344CB8AC3E}">
+        <p14:creationId xmlns:p14="http://schemas.microsoft.com/office/powerpoint/2010/main" val="334696707"/>
+      </p:ext>
+    </p:extLst>
+  </p:cSld>
+  <p:clrMapOvr>
+    <a:masterClrMapping/>
+  </p:clrMapOvr>
+</p:sld>
+</file>
+
+<file path=ppt/slides/slide5.xml><?xml version="1.0" encoding="utf-8"?>
+<p:sld xmlns:a="http://schemas.openxmlformats.org/drawingml/2006/main" xmlns:r="http://schemas.openxmlformats.org/officeDocument/2006/relationships" xmlns:p="http://schemas.openxmlformats.org/presentationml/2006/main">
+  <p:cSld>
+    <p:spTree>
+      <p:nvGrpSpPr>
+        <p:cNvPr id="1" name=""/>
+        <p:cNvGrpSpPr/>
+        <p:nvPr/>
+      </p:nvGrpSpPr>
+      <p:grpSpPr>
+        <a:xfrm>
+          <a:off x="0" y="0"/>
+          <a:ext cx="0" cy="0"/>
+          <a:chOff x="0" y="0"/>
+          <a:chExt cx="0" cy="0"/>
+        </a:xfrm>
+      </p:grpSpPr>
+      <p:sp>
+        <p:nvSpPr>
+          <p:cNvPr id="2" name="Title 1">
+            <a:extLst>
+              <a:ext uri="{FF2B5EF4-FFF2-40B4-BE49-F238E27FC236}">
+                <a16:creationId xmlns:a16="http://schemas.microsoft.com/office/drawing/2014/main" id="{0A32731C-311B-46F7-A865-6C3AF6B09A47}"/>
+              </a:ext>
+            </a:extLst>
+          </p:cNvPr>
+          <p:cNvSpPr>
+            <a:spLocks noGrp="1"/>
+          </p:cNvSpPr>
+          <p:nvPr>
+            <p:ph type="title"/>
+          </p:nvPr>
+        </p:nvSpPr>
+        <p:spPr>
+          <a:xfrm>
+            <a:off x="1684337" y="558059"/>
+            <a:ext cx="3583475" cy="678724"/>
+          </a:xfrm>
+        </p:spPr>
+        <p:txBody>
+          <a:bodyPr>
+            <a:normAutofit fontScale="90000"/>
+          </a:bodyPr>
+          <a:lstStyle/>
+          <a:p>
+            <a:r>
+              <a:rPr lang="en-US" dirty="0"/>
+              <a:t>Company Summary</a:t>
+            </a:r>
+          </a:p>
+        </p:txBody>
+      </p:sp>
+      <p:pic>
+        <p:nvPicPr>
+          <p:cNvPr id="8" name="Picture 4">
+            <a:extLst>
+              <a:ext uri="{FF2B5EF4-FFF2-40B4-BE49-F238E27FC236}">
+                <a16:creationId xmlns:a16="http://schemas.microsoft.com/office/drawing/2014/main" id="{B7D38F6B-FA6E-0B61-4706-F4F91FD50355}"/>
+              </a:ext>
+            </a:extLst>
+          </p:cNvPr>
+          <p:cNvPicPr>
+            <a:picLocks noChangeAspect="1" noChangeArrowheads="1"/>
+          </p:cNvPicPr>
+          <p:nvPr/>
+        </p:nvPicPr>
+        <p:blipFill>
+          <a:blip r:embed="rId3">
+            <a:extLst>
+              <a:ext uri="{28A0092B-C50C-407E-A947-70E740481C1C}">
+                <a14:useLocalDpi xmlns:a14="http://schemas.microsoft.com/office/drawing/2010/main" val="0"/>
+              </a:ext>
+            </a:extLst>
+          </a:blip>
+          <a:srcRect/>
+          <a:stretch>
+            <a:fillRect/>
+          </a:stretch>
+        </p:blipFill>
+        <p:spPr bwMode="auto">
+          <a:xfrm>
+            <a:off x="6948584" y="2866597"/>
+            <a:ext cx="5096766" cy="3640547"/>
+          </a:xfrm>
+          <a:prstGeom prst="rect">
+            <a:avLst/>
+          </a:prstGeom>
+          <a:noFill/>
+          <a:extLst>
+            <a:ext uri="{909E8E84-426E-40DD-AFC4-6F175D3DCCD1}">
+              <a14:hiddenFill xmlns:a14="http://schemas.microsoft.com/office/drawing/2010/main">
+                <a:solidFill>
+                  <a:srgbClr val="FFFFFF"/>
+                </a:solidFill>
+              </a14:hiddenFill>
+            </a:ext>
+          </a:extLst>
+        </p:spPr>
+      </p:pic>
+      <p:sp>
+        <p:nvSpPr>
+          <p:cNvPr id="10" name="Content Placeholder 9">
+            <a:extLst>
+              <a:ext uri="{FF2B5EF4-FFF2-40B4-BE49-F238E27FC236}">
+                <a16:creationId xmlns:a16="http://schemas.microsoft.com/office/drawing/2014/main" id="{45484728-96A7-1890-E815-231863F1DDD4}"/>
+              </a:ext>
+            </a:extLst>
+          </p:cNvPr>
+          <p:cNvSpPr>
+            <a:spLocks noGrp="1"/>
+          </p:cNvSpPr>
+          <p:nvPr>
+            <p:ph sz="half" idx="2"/>
+          </p:nvPr>
+        </p:nvSpPr>
+        <p:spPr>
+          <a:xfrm>
+            <a:off x="7134044" y="1451863"/>
+            <a:ext cx="4971751" cy="1023918"/>
+          </a:xfrm>
+        </p:spPr>
+        <p:txBody>
+          <a:bodyPr/>
+          <a:lstStyle/>
+          <a:p>
+            <a:r>
+              <a:rPr lang="en-US" b="0" i="0" dirty="0">
+                <a:solidFill>
+                  <a:srgbClr val="1C1C1C"/>
+                </a:solidFill>
+                <a:effectLst/>
+                <a:highlight>
+                  <a:srgbClr val="FFFFFF"/>
+                </a:highlight>
+                <a:latin typeface="Inter"/>
+              </a:rPr>
+              <a:t>The overall yearly trend indicates that the company is experiencing rapid growth</a:t>
+            </a:r>
+            <a:r>
+              <a:rPr lang="en-US" b="0" dirty="0"/>
+              <a:t>, with a </a:t>
+            </a:r>
+            <a:r>
+              <a:rPr lang="en-US" dirty="0"/>
+              <a:t>19%</a:t>
+            </a:r>
+            <a:r>
+              <a:rPr lang="en-US" b="0" dirty="0"/>
+              <a:t> growth rate in the last year.</a:t>
+            </a:r>
+          </a:p>
+        </p:txBody>
+      </p:sp>
+      <p:graphicFrame>
+        <p:nvGraphicFramePr>
+          <p:cNvPr id="11" name="Content Placeholder 6">
+            <a:extLst>
+              <a:ext uri="{FF2B5EF4-FFF2-40B4-BE49-F238E27FC236}">
+                <a16:creationId xmlns:a16="http://schemas.microsoft.com/office/drawing/2014/main" id="{0DBB7019-914D-14D9-7277-80CFEBB1594D}"/>
+              </a:ext>
+            </a:extLst>
+          </p:cNvPr>
+          <p:cNvGraphicFramePr>
+            <a:graphicFrameLocks/>
+          </p:cNvGraphicFramePr>
+          <p:nvPr>
+            <p:extLst>
+              <p:ext uri="{D42A27DB-BD31-4B8C-83A1-F6EECF244321}">
+                <p14:modId xmlns:p14="http://schemas.microsoft.com/office/powerpoint/2010/main" val="558689844"/>
+              </p:ext>
+            </p:extLst>
+          </p:nvPr>
+        </p:nvGraphicFramePr>
+        <p:xfrm>
+          <a:off x="262216" y="1742810"/>
+          <a:ext cx="6397062" cy="1691640"/>
+        </p:xfrm>
+        <a:graphic>
+          <a:graphicData uri="http://schemas.openxmlformats.org/drawingml/2006/table">
+            <a:tbl>
+              <a:tblPr firstRow="1" bandRow="1">
+                <a:tableStyleId>{5C22544A-7EE6-4342-B048-85BDC9FD1C3A}</a:tableStyleId>
+              </a:tblPr>
+              <a:tblGrid>
+                <a:gridCol w="977519">
+                  <a:extLst>
+                    <a:ext uri="{9D8B030D-6E8A-4147-A177-3AD203B41FA5}">
+                      <a16:colId xmlns:a16="http://schemas.microsoft.com/office/drawing/2014/main" val="197477540"/>
+                    </a:ext>
+                  </a:extLst>
+                </a:gridCol>
+                <a:gridCol w="1224598">
+                  <a:extLst>
+                    <a:ext uri="{9D8B030D-6E8A-4147-A177-3AD203B41FA5}">
+                      <a16:colId xmlns:a16="http://schemas.microsoft.com/office/drawing/2014/main" val="2839865819"/>
+                    </a:ext>
+                  </a:extLst>
+                </a:gridCol>
+                <a:gridCol w="1106743">
+                  <a:extLst>
+                    <a:ext uri="{9D8B030D-6E8A-4147-A177-3AD203B41FA5}">
+                      <a16:colId xmlns:a16="http://schemas.microsoft.com/office/drawing/2014/main" val="3325453257"/>
+                    </a:ext>
+                  </a:extLst>
+                </a:gridCol>
+                <a:gridCol w="1087184">
+                  <a:extLst>
+                    <a:ext uri="{9D8B030D-6E8A-4147-A177-3AD203B41FA5}">
+                      <a16:colId xmlns:a16="http://schemas.microsoft.com/office/drawing/2014/main" val="2718574273"/>
+                    </a:ext>
+                  </a:extLst>
+                </a:gridCol>
+                <a:gridCol w="909256">
+                  <a:extLst>
+                    <a:ext uri="{9D8B030D-6E8A-4147-A177-3AD203B41FA5}">
+                      <a16:colId xmlns:a16="http://schemas.microsoft.com/office/drawing/2014/main" val="1215705218"/>
+                    </a:ext>
+                  </a:extLst>
+                </a:gridCol>
+                <a:gridCol w="1091762">
+                  <a:extLst>
+                    <a:ext uri="{9D8B030D-6E8A-4147-A177-3AD203B41FA5}">
+                      <a16:colId xmlns:a16="http://schemas.microsoft.com/office/drawing/2014/main" val="1837671517"/>
+                    </a:ext>
+                  </a:extLst>
+                </a:gridCol>
+              </a:tblGrid>
+              <a:tr h="282577">
+                <a:tc>
+                  <a:txBody>
+                    <a:bodyPr/>
+                    <a:lstStyle/>
+                    <a:p>
+                      <a:pPr algn="ctr"/>
+                      <a:r>
+                        <a:rPr lang="en-US" sz="1600" dirty="0">
+                          <a:solidFill>
+                            <a:schemeClr val="tx1"/>
+                          </a:solidFill>
+                        </a:rPr>
+                        <a:t>Orders</a:t>
+                      </a:r>
+                    </a:p>
+                  </a:txBody>
+                  <a:tcPr anchor="ctr"/>
+                </a:tc>
+                <a:tc>
+                  <a:txBody>
+                    <a:bodyPr/>
+                    <a:lstStyle/>
+                    <a:p>
+                      <a:pPr algn="ctr"/>
+                      <a:r>
+                        <a:rPr lang="en-US" sz="1600" dirty="0">
+                          <a:solidFill>
+                            <a:schemeClr val="tx1"/>
+                          </a:solidFill>
+                        </a:rPr>
+                        <a:t>Current month</a:t>
+                      </a:r>
+                    </a:p>
+                  </a:txBody>
+                  <a:tcPr anchor="ctr"/>
+                </a:tc>
+                <a:tc>
+                  <a:txBody>
+                    <a:bodyPr/>
+                    <a:lstStyle/>
+                    <a:p>
+                      <a:pPr algn="ctr"/>
+                      <a:r>
+                        <a:rPr lang="en-US" sz="1600" dirty="0">
+                          <a:solidFill>
+                            <a:schemeClr val="tx1"/>
+                          </a:solidFill>
+                        </a:rPr>
+                        <a:t>Last month</a:t>
+                      </a:r>
+                    </a:p>
+                  </a:txBody>
+                  <a:tcPr anchor="ctr"/>
+                </a:tc>
+                <a:tc>
+                  <a:txBody>
+                    <a:bodyPr/>
+                    <a:lstStyle/>
+                    <a:p>
+                      <a:pPr algn="ctr"/>
+                      <a:r>
+                        <a:rPr lang="en-US" sz="1600" dirty="0">
+                          <a:solidFill>
+                            <a:schemeClr val="tx1"/>
+                          </a:solidFill>
+                        </a:rPr>
+                        <a:t>Historical</a:t>
+                      </a:r>
+                    </a:p>
+                    <a:p>
+                      <a:pPr algn="ctr"/>
+                      <a:r>
+                        <a:rPr lang="en-US" sz="1600" dirty="0">
+                          <a:solidFill>
+                            <a:schemeClr val="tx1"/>
+                          </a:solidFill>
+                        </a:rPr>
+                        <a:t>month</a:t>
+                      </a:r>
+                    </a:p>
+                  </a:txBody>
+                  <a:tcPr anchor="ctr"/>
+                </a:tc>
+                <a:tc>
+                  <a:txBody>
+                    <a:bodyPr/>
+                    <a:lstStyle/>
+                    <a:p>
+                      <a:pPr algn="ctr" rtl="0"/>
+                      <a:r>
+                        <a:rPr lang="en-US" sz="1600" dirty="0">
+                          <a:solidFill>
+                            <a:schemeClr val="tx1"/>
+                          </a:solidFill>
+                        </a:rPr>
+                        <a:t>Median</a:t>
+                      </a:r>
+                      <a:endParaRPr lang="en-US" sz="1600" dirty="0"/>
+                    </a:p>
+                  </a:txBody>
+                  <a:tcPr anchor="ctr"/>
+                </a:tc>
+                <a:tc>
+                  <a:txBody>
+                    <a:bodyPr/>
+                    <a:lstStyle/>
+                    <a:p>
+                      <a:pPr algn="ctr"/>
+                      <a:r>
+                        <a:rPr lang="en-US" sz="1600" dirty="0">
+                          <a:solidFill>
+                            <a:schemeClr val="tx1"/>
+                          </a:solidFill>
+                        </a:rPr>
+                        <a:t>Highest month</a:t>
+                      </a:r>
+                    </a:p>
+                  </a:txBody>
+                  <a:tcPr anchor="ctr"/>
+                </a:tc>
+                <a:extLst>
+                  <a:ext uri="{0D108BD9-81ED-4DB2-BD59-A6C34878D82A}">
+                    <a16:rowId xmlns:a16="http://schemas.microsoft.com/office/drawing/2014/main" val="94904047"/>
+                  </a:ext>
+                </a:extLst>
+              </a:tr>
+              <a:tr h="370840">
+                <a:tc>
+                  <a:txBody>
+                    <a:bodyPr/>
+                    <a:lstStyle/>
+                    <a:p>
+                      <a:pPr algn="ctr"/>
+                      <a:r>
+                        <a:rPr lang="en-US" sz="1600" b="1" dirty="0">
+                          <a:solidFill>
+                            <a:schemeClr val="tx1"/>
+                          </a:solidFill>
+                        </a:rPr>
+                        <a:t>Volume</a:t>
+                      </a:r>
+                    </a:p>
+                  </a:txBody>
+                  <a:tcPr anchor="ctr"/>
+                </a:tc>
+                <a:tc>
+                  <a:txBody>
+                    <a:bodyPr/>
+                    <a:lstStyle/>
+                    <a:p>
+                      <a:pPr algn="ctr"/>
+                      <a:r>
+                        <a:rPr lang="en-US" sz="1600" b="0" i="0" kern="1200" dirty="0">
+                          <a:solidFill>
+                            <a:schemeClr val="dk1"/>
+                          </a:solidFill>
+                          <a:effectLst/>
+                          <a:latin typeface="+mn-lt"/>
+                          <a:ea typeface="+mn-ea"/>
+                          <a:cs typeface="+mn-cs"/>
+                        </a:rPr>
+                        <a:t>6790</a:t>
+                      </a:r>
+                      <a:endParaRPr lang="en-US" sz="1600" b="0" dirty="0">
+                        <a:solidFill>
+                          <a:schemeClr val="tx1"/>
+                        </a:solidFill>
+                      </a:endParaRPr>
+                    </a:p>
+                  </a:txBody>
+                  <a:tcPr anchor="ctr"/>
+                </a:tc>
+                <a:tc>
+                  <a:txBody>
+                    <a:bodyPr/>
+                    <a:lstStyle/>
+                    <a:p>
+                      <a:pPr algn="ctr"/>
+                      <a:r>
+                        <a:rPr lang="en-US" sz="1600" b="0" i="0" kern="1200" dirty="0">
+                          <a:solidFill>
+                            <a:schemeClr val="dk1"/>
+                          </a:solidFill>
+                          <a:effectLst/>
+                          <a:latin typeface="+mn-lt"/>
+                          <a:ea typeface="+mn-ea"/>
+                          <a:cs typeface="+mn-cs"/>
+                        </a:rPr>
+                        <a:t>6533</a:t>
+                      </a:r>
+                      <a:endParaRPr lang="en-US" sz="1600" dirty="0">
+                        <a:solidFill>
+                          <a:schemeClr val="tx1"/>
+                        </a:solidFill>
+                      </a:endParaRPr>
+                    </a:p>
+                  </a:txBody>
+                  <a:tcPr anchor="ctr"/>
+                </a:tc>
+                <a:tc>
+                  <a:txBody>
+                    <a:bodyPr/>
+                    <a:lstStyle/>
+                    <a:p>
+                      <a:pPr algn="ctr"/>
+                      <a:r>
+                        <a:rPr lang="en-US" sz="1600" b="0" i="0" kern="1200" dirty="0">
+                          <a:solidFill>
+                            <a:schemeClr val="dk1"/>
+                          </a:solidFill>
+                          <a:effectLst/>
+                          <a:latin typeface="+mn-lt"/>
+                          <a:ea typeface="+mn-ea"/>
+                          <a:cs typeface="+mn-cs"/>
+                        </a:rPr>
+                        <a:t>4550</a:t>
+                      </a:r>
+                      <a:endParaRPr lang="en-US" sz="1600" dirty="0">
+                        <a:solidFill>
+                          <a:schemeClr val="tx1"/>
+                        </a:solidFill>
+                      </a:endParaRPr>
+                    </a:p>
+                  </a:txBody>
+                  <a:tcPr anchor="ctr"/>
+                </a:tc>
+                <a:tc>
+                  <a:txBody>
+                    <a:bodyPr/>
+                    <a:lstStyle/>
+                    <a:p>
+                      <a:pPr algn="ctr"/>
+                      <a:r>
+                        <a:rPr lang="en-US" sz="1600" dirty="0"/>
+                        <a:t>4550</a:t>
+                      </a:r>
+                      <a:endParaRPr lang="en-US" sz="1600" dirty="0">
+                        <a:solidFill>
+                          <a:schemeClr val="tx1"/>
+                        </a:solidFill>
+                      </a:endParaRPr>
+                    </a:p>
+                  </a:txBody>
+                  <a:tcPr anchor="ctr"/>
+                </a:tc>
+                <a:tc>
+                  <a:txBody>
+                    <a:bodyPr/>
+                    <a:lstStyle/>
+                    <a:p>
+                      <a:pPr algn="ctr"/>
+                      <a:r>
+                        <a:rPr lang="en-US" sz="1600" dirty="0"/>
+                        <a:t>7934</a:t>
+                      </a:r>
+                      <a:endParaRPr lang="en-US" sz="1600" dirty="0">
+                        <a:solidFill>
+                          <a:schemeClr val="tx1"/>
+                        </a:solidFill>
+                      </a:endParaRPr>
+                    </a:p>
+                  </a:txBody>
+                  <a:tcPr anchor="ctr"/>
+                </a:tc>
+                <a:extLst>
+                  <a:ext uri="{0D108BD9-81ED-4DB2-BD59-A6C34878D82A}">
+                    <a16:rowId xmlns:a16="http://schemas.microsoft.com/office/drawing/2014/main" val="3955663692"/>
+                  </a:ext>
+                </a:extLst>
+              </a:tr>
+              <a:tr h="370840">
+                <a:tc>
+                  <a:txBody>
+                    <a:bodyPr/>
+                    <a:lstStyle/>
+                    <a:p>
+                      <a:pPr algn="ctr"/>
+                      <a:r>
+                        <a:rPr lang="en-US" sz="1600" b="1" dirty="0">
+                          <a:solidFill>
+                            <a:schemeClr val="tx1"/>
+                          </a:solidFill>
+                        </a:rPr>
+                        <a:t>Revenue</a:t>
+                      </a:r>
+                    </a:p>
+                  </a:txBody>
+                  <a:tcPr anchor="ctr"/>
+                </a:tc>
+                <a:tc>
+                  <a:txBody>
+                    <a:bodyPr/>
+                    <a:lstStyle/>
+                    <a:p>
+                      <a:pPr algn="ctr"/>
+                      <a:r>
+                        <a:rPr lang="en-US" sz="1600" b="0" i="0" kern="1200" dirty="0">
+                          <a:solidFill>
+                            <a:schemeClr val="dk1"/>
+                          </a:solidFill>
+                          <a:effectLst/>
+                          <a:latin typeface="+mn-lt"/>
+                          <a:ea typeface="+mn-ea"/>
+                          <a:cs typeface="+mn-cs"/>
+                        </a:rPr>
+                        <a:t>1125306</a:t>
+                      </a:r>
+                      <a:endParaRPr lang="en-US" sz="1600" b="0" dirty="0">
+                        <a:solidFill>
+                          <a:schemeClr val="tx1"/>
+                        </a:solidFill>
+                      </a:endParaRPr>
+                    </a:p>
+                  </a:txBody>
+                  <a:tcPr anchor="ctr"/>
+                </a:tc>
+                <a:tc>
+                  <a:txBody>
+                    <a:bodyPr/>
+                    <a:lstStyle/>
+                    <a:p>
+                      <a:pPr algn="ctr"/>
+                      <a:r>
+                        <a:rPr lang="en-US" sz="1600" b="0" i="0" kern="1200" dirty="0">
+                          <a:solidFill>
+                            <a:schemeClr val="dk1"/>
+                          </a:solidFill>
+                          <a:effectLst/>
+                          <a:latin typeface="+mn-lt"/>
+                          <a:ea typeface="+mn-ea"/>
+                          <a:cs typeface="+mn-cs"/>
+                        </a:rPr>
+                        <a:t>1162720</a:t>
+                      </a:r>
+                      <a:endParaRPr lang="en-US" sz="1600" dirty="0">
+                        <a:solidFill>
+                          <a:schemeClr val="tx1"/>
+                        </a:solidFill>
+                      </a:endParaRPr>
+                    </a:p>
+                  </a:txBody>
+                  <a:tcPr anchor="ctr"/>
+                </a:tc>
+                <a:tc>
+                  <a:txBody>
+                    <a:bodyPr/>
+                    <a:lstStyle/>
+                    <a:p>
+                      <a:pPr algn="ctr"/>
+                      <a:r>
+                        <a:rPr lang="en-US" sz="1600" b="0" i="0" kern="1200" dirty="0">
+                          <a:solidFill>
+                            <a:schemeClr val="dk1"/>
+                          </a:solidFill>
+                          <a:effectLst/>
+                          <a:latin typeface="+mn-lt"/>
+                          <a:ea typeface="+mn-ea"/>
+                          <a:cs typeface="+mn-cs"/>
+                        </a:rPr>
+                        <a:t>764429</a:t>
+                      </a:r>
+                      <a:endParaRPr lang="en-US" sz="1600" dirty="0">
+                        <a:solidFill>
+                          <a:schemeClr val="tx1"/>
+                        </a:solidFill>
+                      </a:endParaRPr>
+                    </a:p>
+                  </a:txBody>
+                  <a:tcPr anchor="ctr"/>
+                </a:tc>
+                <a:tc>
+                  <a:txBody>
+                    <a:bodyPr/>
+                    <a:lstStyle/>
+                    <a:p>
+                      <a:pPr algn="ctr"/>
+                      <a:r>
+                        <a:rPr lang="en-US" sz="1600" b="0" i="0" kern="1200" dirty="0">
+                          <a:solidFill>
+                            <a:schemeClr val="dk1"/>
+                          </a:solidFill>
+                          <a:effectLst/>
+                          <a:latin typeface="+mn-lt"/>
+                          <a:ea typeface="+mn-ea"/>
+                          <a:cs typeface="+mn-cs"/>
+                        </a:rPr>
+                        <a:t>817058</a:t>
+                      </a:r>
+                      <a:endParaRPr lang="en-US" sz="1600" dirty="0">
+                        <a:solidFill>
+                          <a:schemeClr val="tx1"/>
+                        </a:solidFill>
+                      </a:endParaRPr>
+                    </a:p>
+                  </a:txBody>
+                  <a:tcPr anchor="ctr"/>
+                </a:tc>
+                <a:tc>
+                  <a:txBody>
+                    <a:bodyPr/>
+                    <a:lstStyle/>
+                    <a:p>
+                      <a:pPr algn="ctr"/>
+                      <a:r>
+                        <a:rPr lang="en-US" sz="1600" b="0" i="0" kern="1200" dirty="0">
+                          <a:solidFill>
+                            <a:schemeClr val="dk1"/>
+                          </a:solidFill>
+                          <a:effectLst/>
+                          <a:latin typeface="+mn-lt"/>
+                          <a:ea typeface="+mn-ea"/>
+                          <a:cs typeface="+mn-cs"/>
+                        </a:rPr>
+                        <a:t>1348281</a:t>
+                      </a:r>
+                      <a:endParaRPr lang="en-US" sz="1600" dirty="0">
+                        <a:solidFill>
+                          <a:schemeClr val="tx1"/>
+                        </a:solidFill>
+                      </a:endParaRPr>
+                    </a:p>
+                  </a:txBody>
+                  <a:tcPr anchor="ctr"/>
+                </a:tc>
+                <a:extLst>
+                  <a:ext uri="{0D108BD9-81ED-4DB2-BD59-A6C34878D82A}">
+                    <a16:rowId xmlns:a16="http://schemas.microsoft.com/office/drawing/2014/main" val="3054540397"/>
+                  </a:ext>
+                </a:extLst>
+              </a:tr>
+              <a:tr h="370840">
+                <a:tc>
+                  <a:txBody>
+                    <a:bodyPr/>
+                    <a:lstStyle/>
+                    <a:p>
+                      <a:pPr algn="ctr" rtl="0"/>
+                      <a:r>
+                        <a:rPr lang="en-US" sz="1600" b="1" dirty="0">
+                          <a:solidFill>
+                            <a:schemeClr val="tx1"/>
+                          </a:solidFill>
+                        </a:rPr>
+                        <a:t>Growth%</a:t>
+                      </a:r>
+                    </a:p>
+                  </a:txBody>
+                  <a:tcPr anchor="ctr"/>
+                </a:tc>
+                <a:tc>
+                  <a:txBody>
+                    <a:bodyPr/>
+                    <a:lstStyle/>
+                    <a:p>
+                      <a:pPr algn="ctr"/>
+                      <a:r>
+                        <a:rPr lang="en-US" sz="1600" b="1" dirty="0">
+                          <a:solidFill>
+                            <a:schemeClr val="tx1"/>
+                          </a:solidFill>
+                        </a:rPr>
+                        <a:t>-</a:t>
+                      </a:r>
+                    </a:p>
+                  </a:txBody>
+                  <a:tcPr anchor="ctr"/>
+                </a:tc>
+                <a:tc>
+                  <a:txBody>
+                    <a:bodyPr/>
+                    <a:lstStyle/>
+                    <a:p>
+                      <a:pPr algn="ctr"/>
+                      <a:r>
+                        <a:rPr lang="en-US" sz="1600" b="1" dirty="0">
+                          <a:solidFill>
+                            <a:schemeClr val="tx1"/>
+                          </a:solidFill>
+                        </a:rPr>
+                        <a:t>3.93%</a:t>
+                      </a:r>
+                    </a:p>
+                  </a:txBody>
+                  <a:tcPr anchor="ctr"/>
+                </a:tc>
+                <a:tc>
+                  <a:txBody>
+                    <a:bodyPr/>
+                    <a:lstStyle/>
+                    <a:p>
+                      <a:pPr algn="ctr"/>
+                      <a:r>
+                        <a:rPr lang="en-US" sz="1600" b="1" dirty="0">
+                          <a:solidFill>
+                            <a:schemeClr val="tx1"/>
+                          </a:solidFill>
+                        </a:rPr>
+                        <a:t>49.23%</a:t>
+                      </a:r>
+                    </a:p>
+                  </a:txBody>
+                  <a:tcPr anchor="ctr"/>
+                </a:tc>
+                <a:tc>
+                  <a:txBody>
+                    <a:bodyPr/>
+                    <a:lstStyle/>
+                    <a:p>
+                      <a:pPr algn="ctr"/>
+                      <a:r>
+                        <a:rPr lang="en-US" sz="1600" b="1" dirty="0">
+                          <a:solidFill>
+                            <a:schemeClr val="tx1"/>
+                          </a:solidFill>
+                        </a:rPr>
+                        <a:t>49.23%</a:t>
+                      </a:r>
+                    </a:p>
+                  </a:txBody>
+                  <a:tcPr anchor="ctr"/>
+                </a:tc>
+                <a:tc>
+                  <a:txBody>
+                    <a:bodyPr/>
+                    <a:lstStyle/>
+                    <a:p>
+                      <a:pPr algn="ctr"/>
+                      <a:r>
+                        <a:rPr lang="en-US" sz="1600" b="1" dirty="0">
+                          <a:solidFill>
+                            <a:schemeClr val="tx1"/>
+                          </a:solidFill>
+                        </a:rPr>
+                        <a:t>(-14.42%)</a:t>
+                      </a:r>
+                    </a:p>
+                  </a:txBody>
+                  <a:tcPr anchor="ctr"/>
+                </a:tc>
+                <a:extLst>
+                  <a:ext uri="{0D108BD9-81ED-4DB2-BD59-A6C34878D82A}">
+                    <a16:rowId xmlns:a16="http://schemas.microsoft.com/office/drawing/2014/main" val="2541303578"/>
+                  </a:ext>
+                </a:extLst>
+              </a:tr>
+            </a:tbl>
+          </a:graphicData>
+        </a:graphic>
+      </p:graphicFrame>
+      <p:sp>
+        <p:nvSpPr>
+          <p:cNvPr id="12" name="Content Placeholder 9">
+            <a:extLst>
+              <a:ext uri="{FF2B5EF4-FFF2-40B4-BE49-F238E27FC236}">
+                <a16:creationId xmlns:a16="http://schemas.microsoft.com/office/drawing/2014/main" id="{8BD716D0-D810-F8E4-3BA5-1B58490FC913}"/>
+              </a:ext>
+            </a:extLst>
+          </p:cNvPr>
+          <p:cNvSpPr txBox="1">
+            <a:spLocks/>
+          </p:cNvSpPr>
+          <p:nvPr/>
+        </p:nvSpPr>
+        <p:spPr>
+          <a:xfrm>
+            <a:off x="428444" y="3940477"/>
+            <a:ext cx="4971751" cy="1023918"/>
+          </a:xfrm>
+          <a:prstGeom prst="rect">
+            <a:avLst/>
+          </a:prstGeom>
+        </p:spPr>
+        <p:txBody>
+          <a:bodyPr vert="horz" lIns="91440" tIns="45720" rIns="91440" bIns="45720" rtlCol="0">
+            <a:normAutofit/>
+          </a:bodyPr>
+          <a:lstStyle>
+            <a:lvl1pPr marL="0" indent="0" algn="l" defTabSz="914400" rtl="0" eaLnBrk="1" latinLnBrk="0" hangingPunct="1">
+              <a:lnSpc>
+                <a:spcPct val="100000"/>
+              </a:lnSpc>
+              <a:spcBef>
+                <a:spcPts val="1000"/>
+              </a:spcBef>
+              <a:buFont typeface="Arial" panose="020B0604020202020204" pitchFamily="34" charset="0"/>
+              <a:buNone/>
+              <a:defRPr sz="1800" b="1" kern="1200" spc="50" baseline="0">
+                <a:solidFill>
+                  <a:schemeClr val="tx1"/>
+                </a:solidFill>
+                <a:latin typeface="+mn-lt"/>
+                <a:ea typeface="+mn-ea"/>
+                <a:cs typeface="+mn-cs"/>
+              </a:defRPr>
+            </a:lvl1pPr>
+            <a:lvl2pPr marL="283464" indent="-285750" algn="l" defTabSz="914400" rtl="0" eaLnBrk="1" latinLnBrk="0" hangingPunct="1">
+              <a:lnSpc>
+                <a:spcPct val="100000"/>
+              </a:lnSpc>
+              <a:spcBef>
+                <a:spcPts val="1000"/>
+              </a:spcBef>
+              <a:buFont typeface="Arial" panose="020B0604020202020204" pitchFamily="34" charset="0"/>
+              <a:buChar char="•"/>
+              <a:defRPr sz="1800" kern="1200" spc="50" baseline="0">
+                <a:solidFill>
+                  <a:schemeClr val="tx1"/>
+                </a:solidFill>
+                <a:latin typeface="+mn-lt"/>
+                <a:ea typeface="+mn-ea"/>
+                <a:cs typeface="+mn-cs"/>
+              </a:defRPr>
+            </a:lvl2pPr>
+            <a:lvl3pPr marL="566928" indent="-285750" algn="l" defTabSz="914400" rtl="0" eaLnBrk="1" latinLnBrk="0" hangingPunct="1">
+              <a:lnSpc>
+                <a:spcPct val="100000"/>
+              </a:lnSpc>
+              <a:spcBef>
+                <a:spcPts val="1000"/>
+              </a:spcBef>
+              <a:buFont typeface="Arial" panose="020B0604020202020204" pitchFamily="34" charset="0"/>
+              <a:buChar char="•"/>
+              <a:defRPr sz="1800" kern="1200" spc="50" baseline="0">
+                <a:solidFill>
+                  <a:schemeClr val="tx1"/>
+                </a:solidFill>
+                <a:latin typeface="+mn-lt"/>
+                <a:ea typeface="+mn-ea"/>
+                <a:cs typeface="+mn-cs"/>
+              </a:defRPr>
+            </a:lvl3pPr>
+            <a:lvl4pPr marL="859536" indent="-285750" algn="l" defTabSz="914400" rtl="0" eaLnBrk="1" latinLnBrk="0" hangingPunct="1">
+              <a:lnSpc>
+                <a:spcPct val="100000"/>
+              </a:lnSpc>
+              <a:spcBef>
+                <a:spcPts val="1000"/>
+              </a:spcBef>
+              <a:buFont typeface="Arial" panose="020B0604020202020204" pitchFamily="34" charset="0"/>
+              <a:buChar char="•"/>
+              <a:defRPr sz="1800" kern="1200" spc="50" baseline="0">
+                <a:solidFill>
+                  <a:schemeClr val="tx1"/>
+                </a:solidFill>
+                <a:latin typeface="+mn-lt"/>
+                <a:ea typeface="+mn-ea"/>
+                <a:cs typeface="+mn-cs"/>
+              </a:defRPr>
+            </a:lvl4pPr>
+            <a:lvl5pPr marL="1143000" indent="-285750" algn="l" defTabSz="914400" rtl="0" eaLnBrk="1" latinLnBrk="0" hangingPunct="1">
+              <a:lnSpc>
+                <a:spcPct val="100000"/>
+              </a:lnSpc>
+              <a:spcBef>
+                <a:spcPts val="1000"/>
+              </a:spcBef>
+              <a:buFont typeface="Arial" panose="020B0604020202020204" pitchFamily="34" charset="0"/>
+              <a:buChar char="•"/>
+              <a:defRPr sz="1800" kern="1200" spc="50" baseline="0">
+                <a:solidFill>
+                  <a:schemeClr val="tx1"/>
+                </a:solidFill>
+                <a:latin typeface="+mn-lt"/>
+                <a:ea typeface="+mn-ea"/>
+                <a:cs typeface="+mn-cs"/>
+              </a:defRPr>
+            </a:lvl5pPr>
+            <a:lvl6pPr marL="2514600" indent="-228600" algn="l" defTabSz="914400" rtl="0" eaLnBrk="1" latinLnBrk="0" hangingPunct="1">
+              <a:lnSpc>
+                <a:spcPct val="90000"/>
+              </a:lnSpc>
+              <a:spcBef>
+                <a:spcPts val="500"/>
+              </a:spcBef>
+              <a:buFont typeface="Arial" panose="020B0604020202020204" pitchFamily="34" charset="0"/>
+              <a:buChar char="•"/>
+              <a:defRPr sz="1800" kern="1200">
+                <a:solidFill>
+                  <a:schemeClr val="tx1"/>
+                </a:solidFill>
+                <a:latin typeface="+mn-lt"/>
+                <a:ea typeface="+mn-ea"/>
+                <a:cs typeface="+mn-cs"/>
+              </a:defRPr>
+            </a:lvl6pPr>
+            <a:lvl7pPr marL="2971800" indent="-228600" algn="l" defTabSz="914400" rtl="0" eaLnBrk="1" latinLnBrk="0" hangingPunct="1">
+              <a:lnSpc>
+                <a:spcPct val="90000"/>
+              </a:lnSpc>
+              <a:spcBef>
+                <a:spcPts val="500"/>
+              </a:spcBef>
+              <a:buFont typeface="Arial" panose="020B0604020202020204" pitchFamily="34" charset="0"/>
+              <a:buChar char="•"/>
+              <a:defRPr sz="1800" kern="1200">
+                <a:solidFill>
+                  <a:schemeClr val="tx1"/>
+                </a:solidFill>
+                <a:latin typeface="+mn-lt"/>
+                <a:ea typeface="+mn-ea"/>
+                <a:cs typeface="+mn-cs"/>
+              </a:defRPr>
+            </a:lvl7pPr>
+            <a:lvl8pPr marL="3429000" indent="-228600" algn="l" defTabSz="914400" rtl="0" eaLnBrk="1" latinLnBrk="0" hangingPunct="1">
+              <a:lnSpc>
+                <a:spcPct val="90000"/>
+              </a:lnSpc>
+              <a:spcBef>
+                <a:spcPts val="500"/>
+              </a:spcBef>
+              <a:buFont typeface="Arial" panose="020B0604020202020204" pitchFamily="34" charset="0"/>
+              <a:buChar char="•"/>
+              <a:defRPr sz="1800" kern="1200">
+                <a:solidFill>
+                  <a:schemeClr val="tx1"/>
+                </a:solidFill>
+                <a:latin typeface="+mn-lt"/>
+                <a:ea typeface="+mn-ea"/>
+                <a:cs typeface="+mn-cs"/>
+              </a:defRPr>
+            </a:lvl8pPr>
+            <a:lvl9pPr marL="3886200" indent="-228600" algn="l" defTabSz="914400" rtl="0" eaLnBrk="1" latinLnBrk="0" hangingPunct="1">
+              <a:lnSpc>
+                <a:spcPct val="90000"/>
+              </a:lnSpc>
+              <a:spcBef>
+                <a:spcPts val="500"/>
+              </a:spcBef>
+              <a:buFont typeface="Arial" panose="020B0604020202020204" pitchFamily="34" charset="0"/>
+              <a:buChar char="•"/>
+              <a:defRPr sz="1800" kern="1200">
+                <a:solidFill>
+                  <a:schemeClr val="tx1"/>
+                </a:solidFill>
+                <a:latin typeface="+mn-lt"/>
+                <a:ea typeface="+mn-ea"/>
+                <a:cs typeface="+mn-cs"/>
+              </a:defRPr>
+            </a:lvl9pPr>
+          </a:lstStyle>
+          <a:p>
+            <a:r>
+              <a:rPr lang="en-US" b="0" dirty="0">
+                <a:solidFill>
+                  <a:srgbClr val="1C1C1C"/>
+                </a:solidFill>
+                <a:highlight>
+                  <a:srgbClr val="FFFFFF"/>
+                </a:highlight>
+                <a:latin typeface="Inter"/>
+              </a:rPr>
+              <a:t>From the table above we notice that the Volume growth rate is around 4% from the last month, and 50% from the same month last year.</a:t>
+            </a:r>
+            <a:endParaRPr lang="en-US" b="0" dirty="0"/>
+          </a:p>
+        </p:txBody>
+      </p:sp>
+    </p:spTree>
+    <p:extLst>
+      <p:ext uri="{BB962C8B-B14F-4D97-AF65-F5344CB8AC3E}">
+        <p14:creationId xmlns:p14="http://schemas.microsoft.com/office/powerpoint/2010/main" val="238750115"/>
+      </p:ext>
+    </p:extLst>
+  </p:cSld>
+  <p:clrMapOvr>
+    <a:masterClrMapping/>
+  </p:clrMapOvr>
+  <p:timing>
+    <p:tnLst>
+      <p:par>
+        <p:cTn id="1" dur="indefinite" restart="never" nodeType="tmRoot">
+          <p:childTnLst>
+            <p:seq concurrent="1" nextAc="seek">
+              <p:cTn id="2" dur="indefinite" nodeType="mainSeq">
+                <p:childTnLst>
+                  <p:par>
+                    <p:cTn id="3" fill="hold">
+                      <p:stCondLst>
+                        <p:cond delay="indefinite"/>
+                      </p:stCondLst>
+                      <p:childTnLst>
+                        <p:par>
+                          <p:cTn id="4" fill="hold">
+                            <p:stCondLst>
+                              <p:cond delay="0"/>
+                            </p:stCondLst>
+                            <p:childTnLst>
+                              <p:par>
+                                <p:cTn id="5" presetID="10" presetClass="entr" presetSubtype="0" fill="hold" nodeType="clickEffect">
+                                  <p:stCondLst>
+                                    <p:cond delay="0"/>
+                                  </p:stCondLst>
+                                  <p:childTnLst>
+                                    <p:set>
+                                      <p:cBhvr>
+                                        <p:cTn id="6" dur="1" fill="hold">
+                                          <p:stCondLst>
+                                            <p:cond delay="0"/>
+                                          </p:stCondLst>
+                                        </p:cTn>
+                                        <p:tgtEl>
+                                          <p:spTgt spid="11"/>
+                                        </p:tgtEl>
+                                        <p:attrNameLst>
+                                          <p:attrName>style.visibility</p:attrName>
+                                        </p:attrNameLst>
+                                      </p:cBhvr>
+                                      <p:to>
+                                        <p:strVal val="visible"/>
+                                      </p:to>
+                                    </p:set>
+                                    <p:animEffect transition="in" filter="fade">
+                                      <p:cBhvr>
+                                        <p:cTn id="7" dur="500"/>
+                                        <p:tgtEl>
+                                          <p:spTgt spid="11"/>
+                                        </p:tgtEl>
+                                      </p:cBhvr>
+                                    </p:animEffect>
+                                  </p:childTnLst>
+                                </p:cTn>
+                              </p:par>
+                            </p:childTnLst>
+                          </p:cTn>
+                        </p:par>
+                      </p:childTnLst>
+                    </p:cTn>
+                  </p:par>
+                  <p:par>
+                    <p:cTn id="8" fill="hold">
+                      <p:stCondLst>
+                        <p:cond delay="indefinite"/>
+                      </p:stCondLst>
+                      <p:childTnLst>
+                        <p:par>
+                          <p:cTn id="9" fill="hold">
+                            <p:stCondLst>
+                              <p:cond delay="0"/>
+                            </p:stCondLst>
+                            <p:childTnLst>
+                              <p:par>
+                                <p:cTn id="10" presetID="10" presetClass="entr" presetSubtype="0" fill="hold" grpId="0" nodeType="clickEffect">
+                                  <p:stCondLst>
+                                    <p:cond delay="0"/>
+                                  </p:stCondLst>
+                                  <p:childTnLst>
+                                    <p:set>
+                                      <p:cBhvr>
+                                        <p:cTn id="11" dur="1" fill="hold">
+                                          <p:stCondLst>
+                                            <p:cond delay="0"/>
+                                          </p:stCondLst>
+                                        </p:cTn>
+                                        <p:tgtEl>
+                                          <p:spTgt spid="12"/>
+                                        </p:tgtEl>
+                                        <p:attrNameLst>
+                                          <p:attrName>style.visibility</p:attrName>
+                                        </p:attrNameLst>
+                                      </p:cBhvr>
+                                      <p:to>
+                                        <p:strVal val="visible"/>
+                                      </p:to>
+                                    </p:set>
+                                    <p:animEffect transition="in" filter="fade">
+                                      <p:cBhvr>
+                                        <p:cTn id="12" dur="500"/>
+                                        <p:tgtEl>
+                                          <p:spTgt spid="12"/>
+                                        </p:tgtEl>
+                                      </p:cBhvr>
+                                    </p:animEffect>
+                                  </p:childTnLst>
+                                </p:cTn>
+                              </p:par>
+                            </p:childTnLst>
+                          </p:cTn>
+                        </p:par>
+                      </p:childTnLst>
+                    </p:cTn>
+                  </p:par>
+                  <p:par>
+                    <p:cTn id="13" fill="hold">
+                      <p:stCondLst>
+                        <p:cond delay="indefinite"/>
+                      </p:stCondLst>
+                      <p:childTnLst>
+                        <p:par>
+                          <p:cTn id="14" fill="hold">
+                            <p:stCondLst>
+                              <p:cond delay="0"/>
+                            </p:stCondLst>
+                            <p:childTnLst>
+                              <p:par>
+                                <p:cTn id="15" presetID="10" presetClass="entr" presetSubtype="0" fill="hold" nodeType="clickEffect">
+                                  <p:stCondLst>
+                                    <p:cond delay="0"/>
+                                  </p:stCondLst>
+                                  <p:childTnLst>
+                                    <p:set>
+                                      <p:cBhvr>
+                                        <p:cTn id="16" dur="1" fill="hold">
+                                          <p:stCondLst>
+                                            <p:cond delay="0"/>
+                                          </p:stCondLst>
+                                        </p:cTn>
+                                        <p:tgtEl>
+                                          <p:spTgt spid="8"/>
+                                        </p:tgtEl>
+                                        <p:attrNameLst>
+                                          <p:attrName>style.visibility</p:attrName>
+                                        </p:attrNameLst>
+                                      </p:cBhvr>
+                                      <p:to>
+                                        <p:strVal val="visible"/>
+                                      </p:to>
+                                    </p:set>
+                                    <p:animEffect transition="in" filter="fade">
+                                      <p:cBhvr>
+                                        <p:cTn id="17" dur="500"/>
+                                        <p:tgtEl>
+                                          <p:spTgt spid="8"/>
+                                        </p:tgtEl>
+                                      </p:cBhvr>
+                                    </p:animEffect>
+                                  </p:childTnLst>
+                                </p:cTn>
+                              </p:par>
+                            </p:childTnLst>
+                          </p:cTn>
+                        </p:par>
+                      </p:childTnLst>
+                    </p:cTn>
+                  </p:par>
+                  <p:par>
+                    <p:cTn id="18" fill="hold">
+                      <p:stCondLst>
+                        <p:cond delay="indefinite"/>
+                      </p:stCondLst>
+                      <p:childTnLst>
+                        <p:par>
+                          <p:cTn id="19" fill="hold">
+                            <p:stCondLst>
+                              <p:cond delay="0"/>
+                            </p:stCondLst>
+                            <p:childTnLst>
+                              <p:par>
+                                <p:cTn id="20" presetID="10" presetClass="entr" presetSubtype="0" fill="hold" grpId="0" nodeType="clickEffect">
+                                  <p:stCondLst>
+                                    <p:cond delay="0"/>
+                                  </p:stCondLst>
+                                  <p:childTnLst>
+                                    <p:set>
+                                      <p:cBhvr>
+                                        <p:cTn id="21" dur="1" fill="hold">
+                                          <p:stCondLst>
+                                            <p:cond delay="0"/>
+                                          </p:stCondLst>
+                                        </p:cTn>
+                                        <p:tgtEl>
+                                          <p:spTgt spid="10">
+                                            <p:txEl>
+                                              <p:pRg st="0" end="0"/>
+                                            </p:txEl>
+                                          </p:spTgt>
+                                        </p:tgtEl>
+                                        <p:attrNameLst>
+                                          <p:attrName>style.visibility</p:attrName>
+                                        </p:attrNameLst>
+                                      </p:cBhvr>
+                                      <p:to>
+                                        <p:strVal val="visible"/>
+                                      </p:to>
+                                    </p:set>
+                                    <p:animEffect transition="in" filter="fade">
+                                      <p:cBhvr>
+                                        <p:cTn id="22" dur="500"/>
+                                        <p:tgtEl>
+                                          <p:spTgt spid="10">
+                                            <p:txEl>
+                                              <p:pRg st="0" end="0"/>
+                                            </p:txEl>
+                                          </p:spTgt>
+                                        </p:tgtEl>
+                                      </p:cBhvr>
+                                    </p:animEffect>
+                                  </p:childTnLst>
+                                </p:cTn>
+                              </p:par>
+                            </p:childTnLst>
+                          </p:cTn>
+                        </p:par>
+                      </p:childTnLst>
+                    </p:cTn>
+                  </p:par>
+                </p:childTnLst>
+              </p:cTn>
+              <p:prevCondLst>
+                <p:cond evt="onPrev" delay="0">
+                  <p:tgtEl>
+                    <p:sldTgt/>
+                  </p:tgtEl>
+                </p:cond>
+              </p:prevCondLst>
+              <p:nextCondLst>
+                <p:cond evt="onNext" delay="0">
+                  <p:tgtEl>
+                    <p:sldTgt/>
+                  </p:tgtEl>
+                </p:cond>
+              </p:nextCondLst>
+            </p:seq>
+          </p:childTnLst>
+        </p:cTn>
+      </p:par>
+    </p:tnLst>
+    <p:bldLst>
+      <p:bldP spid="10" grpId="0" build="p"/>
+      <p:bldP spid="12" grpId="0"/>
+    </p:bldLst>
+  </p:timing>
+</p:sld>
+</file>
+
+<file path=ppt/slides/slide6.xml><?xml version="1.0" encoding="utf-8"?>
+<p:sld xmlns:a="http://schemas.openxmlformats.org/drawingml/2006/main" xmlns:r="http://schemas.openxmlformats.org/officeDocument/2006/relationships" xmlns:p="http://schemas.openxmlformats.org/presentationml/2006/main">
+  <p:cSld>
+    <p:spTree>
+      <p:nvGrpSpPr>
+        <p:cNvPr id="1" name=""/>
+        <p:cNvGrpSpPr/>
+        <p:nvPr/>
+      </p:nvGrpSpPr>
+      <p:grpSpPr>
+        <a:xfrm>
+          <a:off x="0" y="0"/>
+          <a:ext cx="0" cy="0"/>
+          <a:chOff x="0" y="0"/>
+          <a:chExt cx="0" cy="0"/>
+        </a:xfrm>
+      </p:grpSpPr>
+      <p:sp>
+        <p:nvSpPr>
+          <p:cNvPr id="2" name="Title 1">
+            <a:extLst>
+              <a:ext uri="{FF2B5EF4-FFF2-40B4-BE49-F238E27FC236}">
+                <a16:creationId xmlns:a16="http://schemas.microsoft.com/office/drawing/2014/main" id="{0A32731C-311B-46F7-A865-6C3AF6B09A47}"/>
+              </a:ext>
+            </a:extLst>
+          </p:cNvPr>
+          <p:cNvSpPr>
+            <a:spLocks noGrp="1"/>
+          </p:cNvSpPr>
+          <p:nvPr>
+            <p:ph type="title"/>
+          </p:nvPr>
+        </p:nvSpPr>
+        <p:spPr>
+          <a:xfrm>
+            <a:off x="1684338" y="558059"/>
+            <a:ext cx="3102198" cy="678724"/>
+          </a:xfrm>
+        </p:spPr>
+        <p:txBody>
+          <a:bodyPr/>
+          <a:lstStyle/>
+          <a:p>
+            <a:r>
+              <a:rPr lang="en-US" dirty="0"/>
+              <a:t>Orders trend</a:t>
+            </a:r>
+          </a:p>
+        </p:txBody>
+      </p:sp>
+      <p:sp>
+        <p:nvSpPr>
+          <p:cNvPr id="3" name="Text Placeholder 2">
+            <a:extLst>
+              <a:ext uri="{FF2B5EF4-FFF2-40B4-BE49-F238E27FC236}">
+                <a16:creationId xmlns:a16="http://schemas.microsoft.com/office/drawing/2014/main" id="{9D5232F9-FD00-464A-9F17-619C91AEF8F3}"/>
+              </a:ext>
+            </a:extLst>
+          </p:cNvPr>
+          <p:cNvSpPr>
+            <a:spLocks noGrp="1"/>
+          </p:cNvSpPr>
+          <p:nvPr>
+            <p:ph sz="half" idx="2"/>
+          </p:nvPr>
+        </p:nvSpPr>
+        <p:spPr>
+          <a:xfrm>
+            <a:off x="479161" y="2515021"/>
+            <a:ext cx="4788652" cy="1827958"/>
+          </a:xfrm>
+        </p:spPr>
+        <p:txBody>
+          <a:bodyPr>
+            <a:normAutofit lnSpcReduction="10000"/>
+          </a:bodyPr>
+          <a:lstStyle/>
+          <a:p>
+            <a:r>
+              <a:rPr lang="en-US" b="0" dirty="0"/>
+              <a:t>From this visual we notice that the company started at the end of 2016, and with a noticeable increase in the end of 2017</a:t>
+            </a:r>
+          </a:p>
+          <a:p>
+            <a:r>
+              <a:rPr lang="en-US" b="0" dirty="0"/>
+              <a:t>And a near-stability in volume till the med of 2018</a:t>
+            </a:r>
+          </a:p>
+        </p:txBody>
+      </p:sp>
+      <p:graphicFrame>
+        <p:nvGraphicFramePr>
+          <p:cNvPr id="4" name="Content Placeholder 6">
+            <a:extLst>
+              <a:ext uri="{FF2B5EF4-FFF2-40B4-BE49-F238E27FC236}">
+                <a16:creationId xmlns:a16="http://schemas.microsoft.com/office/drawing/2014/main" id="{DC57625E-ABEA-F6E4-EB93-9C12AE0BAE58}"/>
+              </a:ext>
+            </a:extLst>
+          </p:cNvPr>
+          <p:cNvGraphicFramePr>
+            <a:graphicFrameLocks/>
+          </p:cNvGraphicFramePr>
+          <p:nvPr>
+            <p:extLst>
+              <p:ext uri="{D42A27DB-BD31-4B8C-83A1-F6EECF244321}">
+                <p14:modId xmlns:p14="http://schemas.microsoft.com/office/powerpoint/2010/main" val="2999976034"/>
+              </p:ext>
+            </p:extLst>
+          </p:nvPr>
+        </p:nvGraphicFramePr>
+        <p:xfrm>
+          <a:off x="6737449" y="897421"/>
+          <a:ext cx="5082878" cy="1381760"/>
+        </p:xfrm>
+        <a:graphic>
+          <a:graphicData uri="http://schemas.openxmlformats.org/drawingml/2006/table">
+            <a:tbl>
+              <a:tblPr firstRow="1" bandRow="1">
+                <a:tableStyleId>{5C22544A-7EE6-4342-B048-85BDC9FD1C3A}</a:tableStyleId>
+              </a:tblPr>
+              <a:tblGrid>
+                <a:gridCol w="1380227">
+                  <a:extLst>
+                    <a:ext uri="{9D8B030D-6E8A-4147-A177-3AD203B41FA5}">
+                      <a16:colId xmlns:a16="http://schemas.microsoft.com/office/drawing/2014/main" val="2839865819"/>
+                    </a:ext>
+                  </a:extLst>
+                </a:gridCol>
+                <a:gridCol w="1216324">
+                  <a:extLst>
+                    <a:ext uri="{9D8B030D-6E8A-4147-A177-3AD203B41FA5}">
+                      <a16:colId xmlns:a16="http://schemas.microsoft.com/office/drawing/2014/main" val="3325453257"/>
+                    </a:ext>
+                  </a:extLst>
+                </a:gridCol>
+                <a:gridCol w="1319842">
+                  <a:extLst>
+                    <a:ext uri="{9D8B030D-6E8A-4147-A177-3AD203B41FA5}">
+                      <a16:colId xmlns:a16="http://schemas.microsoft.com/office/drawing/2014/main" val="2718574273"/>
+                    </a:ext>
+                  </a:extLst>
+                </a:gridCol>
+                <a:gridCol w="1166485">
+                  <a:extLst>
+                    <a:ext uri="{9D8B030D-6E8A-4147-A177-3AD203B41FA5}">
+                      <a16:colId xmlns:a16="http://schemas.microsoft.com/office/drawing/2014/main" val="1837671517"/>
+                    </a:ext>
+                  </a:extLst>
+                </a:gridCol>
+              </a:tblGrid>
+              <a:tr h="282577">
+                <a:tc>
+                  <a:txBody>
+                    <a:bodyPr/>
+                    <a:lstStyle/>
+                    <a:p>
+                      <a:pPr algn="ctr"/>
+                      <a:r>
+                        <a:rPr lang="en-US" dirty="0">
+                          <a:solidFill>
+                            <a:schemeClr val="tx1"/>
+                          </a:solidFill>
+                        </a:rPr>
+                        <a:t>Orders</a:t>
+                      </a:r>
+                    </a:p>
+                  </a:txBody>
+                  <a:tcPr anchor="ctr"/>
+                </a:tc>
+                <a:tc>
+                  <a:txBody>
+                    <a:bodyPr/>
+                    <a:lstStyle/>
+                    <a:p>
+                      <a:pPr algn="ctr"/>
+                      <a:r>
+                        <a:rPr lang="en-US" dirty="0">
+                          <a:solidFill>
+                            <a:schemeClr val="tx1"/>
+                          </a:solidFill>
+                        </a:rPr>
+                        <a:t>Lowest month</a:t>
+                      </a:r>
+                    </a:p>
+                  </a:txBody>
+                  <a:tcPr anchor="ctr"/>
+                </a:tc>
+                <a:tc>
+                  <a:txBody>
+                    <a:bodyPr/>
+                    <a:lstStyle/>
+                    <a:p>
+                      <a:pPr algn="ctr"/>
+                      <a:r>
+                        <a:rPr lang="en-US" dirty="0">
+                          <a:solidFill>
+                            <a:schemeClr val="tx1"/>
+                          </a:solidFill>
+                        </a:rPr>
+                        <a:t>Avg orders monthly</a:t>
+                      </a:r>
+                    </a:p>
+                  </a:txBody>
+                  <a:tcPr anchor="ctr"/>
+                </a:tc>
+                <a:tc>
+                  <a:txBody>
+                    <a:bodyPr/>
+                    <a:lstStyle/>
+                    <a:p>
+                      <a:pPr algn="ctr"/>
+                      <a:r>
+                        <a:rPr lang="en-US" dirty="0">
+                          <a:solidFill>
+                            <a:schemeClr val="tx1"/>
+                          </a:solidFill>
+                        </a:rPr>
+                        <a:t>Highest month</a:t>
+                      </a:r>
+                    </a:p>
+                  </a:txBody>
+                  <a:tcPr anchor="ctr"/>
+                </a:tc>
+                <a:extLst>
+                  <a:ext uri="{0D108BD9-81ED-4DB2-BD59-A6C34878D82A}">
+                    <a16:rowId xmlns:a16="http://schemas.microsoft.com/office/drawing/2014/main" val="94904047"/>
+                  </a:ext>
+                </a:extLst>
+              </a:tr>
+              <a:tr h="370840">
+                <a:tc>
+                  <a:txBody>
+                    <a:bodyPr/>
+                    <a:lstStyle/>
+                    <a:p>
+                      <a:pPr algn="ctr"/>
+                      <a:r>
+                        <a:rPr lang="en-US" b="1" dirty="0">
+                          <a:solidFill>
+                            <a:schemeClr val="tx1"/>
+                          </a:solidFill>
+                        </a:rPr>
+                        <a:t>Volume</a:t>
+                      </a:r>
+                    </a:p>
+                  </a:txBody>
+                  <a:tcPr anchor="ctr"/>
+                </a:tc>
+                <a:tc>
+                  <a:txBody>
+                    <a:bodyPr/>
+                    <a:lstStyle/>
+                    <a:p>
+                      <a:pPr algn="ctr"/>
+                      <a:r>
+                        <a:rPr lang="en-US" dirty="0"/>
+                        <a:t>1</a:t>
+                      </a:r>
+                      <a:endParaRPr lang="en-US" dirty="0">
+                        <a:solidFill>
+                          <a:schemeClr val="tx1"/>
+                        </a:solidFill>
+                      </a:endParaRPr>
+                    </a:p>
+                  </a:txBody>
+                  <a:tcPr anchor="ctr"/>
+                </a:tc>
+                <a:tc>
+                  <a:txBody>
+                    <a:bodyPr/>
+                    <a:lstStyle/>
+                    <a:p>
+                      <a:pPr algn="ctr"/>
+                      <a:r>
+                        <a:rPr lang="en-US" dirty="0"/>
+                        <a:t>4512</a:t>
+                      </a:r>
+                      <a:endParaRPr lang="en-US" dirty="0">
+                        <a:solidFill>
+                          <a:schemeClr val="tx1"/>
+                        </a:solidFill>
+                      </a:endParaRPr>
+                    </a:p>
+                  </a:txBody>
+                  <a:tcPr anchor="ctr"/>
+                </a:tc>
+                <a:tc>
+                  <a:txBody>
+                    <a:bodyPr/>
+                    <a:lstStyle/>
+                    <a:p>
+                      <a:pPr algn="ctr"/>
+                      <a:r>
+                        <a:rPr lang="en-US" dirty="0"/>
+                        <a:t>7934</a:t>
+                      </a:r>
+                      <a:endParaRPr lang="en-US" dirty="0">
+                        <a:solidFill>
+                          <a:schemeClr val="tx1"/>
+                        </a:solidFill>
+                      </a:endParaRPr>
+                    </a:p>
+                  </a:txBody>
+                  <a:tcPr anchor="ctr"/>
+                </a:tc>
+                <a:extLst>
+                  <a:ext uri="{0D108BD9-81ED-4DB2-BD59-A6C34878D82A}">
+                    <a16:rowId xmlns:a16="http://schemas.microsoft.com/office/drawing/2014/main" val="3955663692"/>
+                  </a:ext>
+                </a:extLst>
+              </a:tr>
+              <a:tr h="370840">
+                <a:tc>
+                  <a:txBody>
+                    <a:bodyPr/>
+                    <a:lstStyle/>
+                    <a:p>
+                      <a:pPr algn="ctr"/>
+                      <a:r>
+                        <a:rPr lang="en-US" b="1" dirty="0">
+                          <a:solidFill>
+                            <a:schemeClr val="tx1"/>
+                          </a:solidFill>
+                        </a:rPr>
+                        <a:t>Value</a:t>
+                      </a:r>
+                    </a:p>
+                  </a:txBody>
+                  <a:tcPr anchor="ctr"/>
+                </a:tc>
+                <a:tc>
+                  <a:txBody>
+                    <a:bodyPr/>
+                    <a:lstStyle/>
+                    <a:p>
+                      <a:pPr algn="ctr"/>
+                      <a:r>
+                        <a:rPr lang="en-US" sz="1800" b="0" i="0" kern="1200" dirty="0">
+                          <a:solidFill>
+                            <a:schemeClr val="dk1"/>
+                          </a:solidFill>
+                          <a:effectLst/>
+                          <a:latin typeface="+mn-lt"/>
+                          <a:ea typeface="+mn-ea"/>
+                          <a:cs typeface="+mn-cs"/>
+                        </a:rPr>
+                        <a:t>19.62</a:t>
+                      </a:r>
+                      <a:endParaRPr lang="en-US" dirty="0">
+                        <a:solidFill>
+                          <a:schemeClr val="tx1"/>
+                        </a:solidFill>
+                      </a:endParaRPr>
+                    </a:p>
+                  </a:txBody>
+                  <a:tcPr anchor="ctr"/>
+                </a:tc>
+                <a:tc>
+                  <a:txBody>
+                    <a:bodyPr/>
+                    <a:lstStyle/>
+                    <a:p>
+                      <a:pPr algn="ctr"/>
+                      <a:r>
+                        <a:rPr lang="en-US" dirty="0">
+                          <a:solidFill>
+                            <a:schemeClr val="tx1"/>
+                          </a:solidFill>
+                        </a:rPr>
+                        <a:t>777396.3	</a:t>
+                      </a:r>
+                    </a:p>
+                  </a:txBody>
+                  <a:tcPr anchor="ctr"/>
+                </a:tc>
+                <a:tc>
+                  <a:txBody>
+                    <a:bodyPr/>
+                    <a:lstStyle/>
+                    <a:p>
+                      <a:pPr algn="ctr"/>
+                      <a:r>
+                        <a:rPr lang="en-US" sz="1800" b="0" i="0" kern="1200" dirty="0">
+                          <a:solidFill>
+                            <a:schemeClr val="dk1"/>
+                          </a:solidFill>
+                          <a:effectLst/>
+                          <a:latin typeface="+mn-lt"/>
+                          <a:ea typeface="+mn-ea"/>
+                          <a:cs typeface="+mn-cs"/>
+                        </a:rPr>
+                        <a:t>1348281</a:t>
+                      </a:r>
+                      <a:endParaRPr lang="en-US" dirty="0">
+                        <a:solidFill>
+                          <a:schemeClr val="tx1"/>
+                        </a:solidFill>
+                      </a:endParaRPr>
+                    </a:p>
+                  </a:txBody>
+                  <a:tcPr anchor="ctr"/>
+                </a:tc>
+                <a:extLst>
+                  <a:ext uri="{0D108BD9-81ED-4DB2-BD59-A6C34878D82A}">
+                    <a16:rowId xmlns:a16="http://schemas.microsoft.com/office/drawing/2014/main" val="3054540397"/>
+                  </a:ext>
+                </a:extLst>
+              </a:tr>
+            </a:tbl>
+          </a:graphicData>
+        </a:graphic>
+      </p:graphicFrame>
+      <p:pic>
+        <p:nvPicPr>
+          <p:cNvPr id="2052" name="Picture 4">
+            <a:extLst>
+              <a:ext uri="{FF2B5EF4-FFF2-40B4-BE49-F238E27FC236}">
+                <a16:creationId xmlns:a16="http://schemas.microsoft.com/office/drawing/2014/main" id="{0C6F3BFB-D292-7C44-D120-72BF2CF3214C}"/>
+              </a:ext>
+            </a:extLst>
+          </p:cNvPr>
+          <p:cNvPicPr>
+            <a:picLocks noChangeAspect="1" noChangeArrowheads="1"/>
+          </p:cNvPicPr>
+          <p:nvPr/>
+        </p:nvPicPr>
+        <p:blipFill>
+          <a:blip r:embed="rId3">
+            <a:extLst>
+              <a:ext uri="{28A0092B-C50C-407E-A947-70E740481C1C}">
+                <a14:useLocalDpi xmlns:a14="http://schemas.microsoft.com/office/drawing/2010/main" val="0"/>
+              </a:ext>
+            </a:extLst>
+          </a:blip>
+          <a:srcRect/>
+          <a:stretch>
+            <a:fillRect/>
+          </a:stretch>
+        </p:blipFill>
+        <p:spPr bwMode="auto">
+          <a:xfrm>
+            <a:off x="6409839" y="2812211"/>
+            <a:ext cx="5410488" cy="3864634"/>
+          </a:xfrm>
+          <a:prstGeom prst="rect">
+            <a:avLst/>
+          </a:prstGeom>
+          <a:noFill/>
+          <a:extLst>
+            <a:ext uri="{909E8E84-426E-40DD-AFC4-6F175D3DCCD1}">
+              <a14:hiddenFill xmlns:a14="http://schemas.microsoft.com/office/drawing/2010/main">
+                <a:solidFill>
+                  <a:srgbClr val="FFFFFF"/>
+                </a:solidFill>
+              </a14:hiddenFill>
+            </a:ext>
+          </a:extLst>
+        </p:spPr>
+      </p:pic>
+    </p:spTree>
+    <p:extLst>
+      <p:ext uri="{BB962C8B-B14F-4D97-AF65-F5344CB8AC3E}">
+        <p14:creationId xmlns:p14="http://schemas.microsoft.com/office/powerpoint/2010/main" val="4051284654"/>
+      </p:ext>
+    </p:extLst>
+  </p:cSld>
+  <p:clrMapOvr>
+    <a:masterClrMapping/>
+  </p:clrMapOvr>
+  <p:timing>
+    <p:tnLst>
+      <p:par>
+        <p:cTn id="1" dur="indefinite" restart="never" nodeType="tmRoot">
+          <p:childTnLst>
+            <p:seq concurrent="1" nextAc="seek">
+              <p:cTn id="2" dur="indefinite" nodeType="mainSeq">
+                <p:childTnLst>
+                  <p:par>
+                    <p:cTn id="3" fill="hold">
+                      <p:stCondLst>
+                        <p:cond delay="indefinite"/>
+                      </p:stCondLst>
+                      <p:childTnLst>
+                        <p:par>
+                          <p:cTn id="4" fill="hold">
+                            <p:stCondLst>
+                              <p:cond delay="0"/>
+                            </p:stCondLst>
+                            <p:childTnLst>
+                              <p:par>
+                                <p:cTn id="5" presetID="10" presetClass="entr" presetSubtype="0" fill="hold" nodeType="clickEffect">
+                                  <p:stCondLst>
+                                    <p:cond delay="0"/>
+                                  </p:stCondLst>
+                                  <p:childTnLst>
+                                    <p:set>
+                                      <p:cBhvr>
+                                        <p:cTn id="6" dur="1" fill="hold">
+                                          <p:stCondLst>
+                                            <p:cond delay="0"/>
+                                          </p:stCondLst>
+                                        </p:cTn>
+                                        <p:tgtEl>
+                                          <p:spTgt spid="4"/>
+                                        </p:tgtEl>
+                                        <p:attrNameLst>
+                                          <p:attrName>style.visibility</p:attrName>
+                                        </p:attrNameLst>
+                                      </p:cBhvr>
+                                      <p:to>
+                                        <p:strVal val="visible"/>
+                                      </p:to>
+                                    </p:set>
+                                    <p:animEffect transition="in" filter="fade">
+                                      <p:cBhvr>
+                                        <p:cTn id="7" dur="500"/>
+                                        <p:tgtEl>
+                                          <p:spTgt spid="4"/>
+                                        </p:tgtEl>
+                                      </p:cBhvr>
+                                    </p:animEffect>
+                                  </p:childTnLst>
+                                </p:cTn>
+                              </p:par>
+                              <p:par>
+                                <p:cTn id="8" presetID="10" presetClass="entr" presetSubtype="0" fill="hold" nodeType="withEffect">
+                                  <p:stCondLst>
+                                    <p:cond delay="0"/>
+                                  </p:stCondLst>
+                                  <p:childTnLst>
+                                    <p:set>
+                                      <p:cBhvr>
+                                        <p:cTn id="9" dur="1" fill="hold">
+                                          <p:stCondLst>
+                                            <p:cond delay="0"/>
+                                          </p:stCondLst>
+                                        </p:cTn>
+                                        <p:tgtEl>
+                                          <p:spTgt spid="2052"/>
+                                        </p:tgtEl>
+                                        <p:attrNameLst>
+                                          <p:attrName>style.visibility</p:attrName>
+                                        </p:attrNameLst>
+                                      </p:cBhvr>
+                                      <p:to>
+                                        <p:strVal val="visible"/>
+                                      </p:to>
+                                    </p:set>
+                                    <p:animEffect transition="in" filter="fade">
+                                      <p:cBhvr>
+                                        <p:cTn id="10" dur="500"/>
+                                        <p:tgtEl>
+                                          <p:spTgt spid="2052"/>
+                                        </p:tgtEl>
+                                      </p:cBhvr>
+                                    </p:animEffect>
+                                  </p:childTnLst>
+                                </p:cTn>
+                              </p:par>
+                            </p:childTnLst>
+                          </p:cTn>
+                        </p:par>
+                      </p:childTnLst>
+                    </p:cTn>
+                  </p:par>
+                  <p:par>
+                    <p:cTn id="11" fill="hold">
+                      <p:stCondLst>
+                        <p:cond delay="indefinite"/>
+                      </p:stCondLst>
+                      <p:childTnLst>
+                        <p:par>
+                          <p:cTn id="12" fill="hold">
+                            <p:stCondLst>
+                              <p:cond delay="0"/>
+                            </p:stCondLst>
+                            <p:childTnLst>
+                              <p:par>
+                                <p:cTn id="13" presetID="10" presetClass="entr" presetSubtype="0" fill="hold" grpId="0" nodeType="clickEffect">
+                                  <p:stCondLst>
+                                    <p:cond delay="0"/>
+                                  </p:stCondLst>
+                                  <p:childTnLst>
+                                    <p:set>
+                                      <p:cBhvr>
+                                        <p:cTn id="14" dur="1" fill="hold">
+                                          <p:stCondLst>
+                                            <p:cond delay="0"/>
+                                          </p:stCondLst>
+                                        </p:cTn>
+                                        <p:tgtEl>
+                                          <p:spTgt spid="3">
+                                            <p:txEl>
+                                              <p:pRg st="0" end="0"/>
+                                            </p:txEl>
+                                          </p:spTgt>
+                                        </p:tgtEl>
+                                        <p:attrNameLst>
+                                          <p:attrName>style.visibility</p:attrName>
+                                        </p:attrNameLst>
+                                      </p:cBhvr>
+                                      <p:to>
+                                        <p:strVal val="visible"/>
+                                      </p:to>
+                                    </p:set>
+                                    <p:animEffect transition="in" filter="fade">
+                                      <p:cBhvr>
+                                        <p:cTn id="15" dur="500"/>
+                                        <p:tgtEl>
+                                          <p:spTgt spid="3">
+                                            <p:txEl>
+                                              <p:pRg st="0" end="0"/>
+                                            </p:txEl>
+                                          </p:spTgt>
+                                        </p:tgtEl>
+                                      </p:cBhvr>
+                                    </p:animEffect>
+                                  </p:childTnLst>
+                                </p:cTn>
+                              </p:par>
+                            </p:childTnLst>
+                          </p:cTn>
+                        </p:par>
+                      </p:childTnLst>
+                    </p:cTn>
+                  </p:par>
+                  <p:par>
+                    <p:cTn id="16" fill="hold">
+                      <p:stCondLst>
+                        <p:cond delay="indefinite"/>
+                      </p:stCondLst>
+                      <p:childTnLst>
+                        <p:par>
+                          <p:cTn id="17" fill="hold">
+                            <p:stCondLst>
+                              <p:cond delay="0"/>
+                            </p:stCondLst>
+                            <p:childTnLst>
+                              <p:par>
+                                <p:cTn id="18" presetID="10" presetClass="entr" presetSubtype="0" fill="hold" grpId="0" nodeType="clickEffect">
+                                  <p:stCondLst>
+                                    <p:cond delay="0"/>
+                                  </p:stCondLst>
+                                  <p:childTnLst>
+                                    <p:set>
+                                      <p:cBhvr>
+                                        <p:cTn id="19" dur="1" fill="hold">
+                                          <p:stCondLst>
+                                            <p:cond delay="0"/>
+                                          </p:stCondLst>
+                                        </p:cTn>
+                                        <p:tgtEl>
+                                          <p:spTgt spid="3">
+                                            <p:txEl>
+                                              <p:pRg st="1" end="1"/>
+                                            </p:txEl>
+                                          </p:spTgt>
+                                        </p:tgtEl>
+                                        <p:attrNameLst>
+                                          <p:attrName>style.visibility</p:attrName>
+                                        </p:attrNameLst>
+                                      </p:cBhvr>
+                                      <p:to>
+                                        <p:strVal val="visible"/>
+                                      </p:to>
+                                    </p:set>
+                                    <p:animEffect transition="in" filter="fade">
+                                      <p:cBhvr>
+                                        <p:cTn id="20" dur="500"/>
+                                        <p:tgtEl>
+                                          <p:spTgt spid="3">
+                                            <p:txEl>
+                                              <p:pRg st="1" end="1"/>
+                                            </p:txEl>
+                                          </p:spTgt>
+                                        </p:tgtEl>
+                                      </p:cBhvr>
+                                    </p:animEffect>
+                                  </p:childTnLst>
+                                </p:cTn>
+                              </p:par>
+                            </p:childTnLst>
+                          </p:cTn>
+                        </p:par>
+                      </p:childTnLst>
+                    </p:cTn>
+                  </p:par>
+                </p:childTnLst>
+              </p:cTn>
+              <p:prevCondLst>
+                <p:cond evt="onPrev" delay="0">
+                  <p:tgtEl>
+                    <p:sldTgt/>
+                  </p:tgtEl>
+                </p:cond>
+              </p:prevCondLst>
+              <p:nextCondLst>
+                <p:cond evt="onNext" delay="0">
+                  <p:tgtEl>
+                    <p:sldTgt/>
+                  </p:tgtEl>
+                </p:cond>
+              </p:nextCondLst>
+            </p:seq>
+          </p:childTnLst>
+        </p:cTn>
+      </p:par>
+    </p:tnLst>
+    <p:bldLst>
+      <p:bldP spid="3" grpId="0" build="p"/>
+    </p:bldLst>
+  </p:timing>
+</p:sld>
+</file>
+
+<file path=ppt/slides/slide7.xml><?xml version="1.0" encoding="utf-8"?>
+<p:sld xmlns:a="http://schemas.openxmlformats.org/drawingml/2006/main" xmlns:r="http://schemas.openxmlformats.org/officeDocument/2006/relationships" xmlns:p="http://schemas.openxmlformats.org/presentationml/2006/main">
+  <p:cSld>
+    <p:spTree>
+      <p:nvGrpSpPr>
+        <p:cNvPr id="1" name=""/>
+        <p:cNvGrpSpPr/>
+        <p:nvPr/>
+      </p:nvGrpSpPr>
+      <p:grpSpPr>
+        <a:xfrm>
+          <a:off x="0" y="0"/>
+          <a:ext cx="0" cy="0"/>
+          <a:chOff x="0" y="0"/>
+          <a:chExt cx="0" cy="0"/>
+        </a:xfrm>
+      </p:grpSpPr>
+      <p:sp>
+        <p:nvSpPr>
+          <p:cNvPr id="2" name="Title 1">
+            <a:extLst>
+              <a:ext uri="{FF2B5EF4-FFF2-40B4-BE49-F238E27FC236}">
+                <a16:creationId xmlns:a16="http://schemas.microsoft.com/office/drawing/2014/main" id="{0A32731C-311B-46F7-A865-6C3AF6B09A47}"/>
+              </a:ext>
+            </a:extLst>
+          </p:cNvPr>
+          <p:cNvSpPr>
+            <a:spLocks noGrp="1"/>
+          </p:cNvSpPr>
+          <p:nvPr>
+            <p:ph type="title"/>
+          </p:nvPr>
+        </p:nvSpPr>
+        <p:spPr>
+          <a:xfrm>
+            <a:off x="1684338" y="465826"/>
+            <a:ext cx="3603982" cy="770957"/>
+          </a:xfrm>
+        </p:spPr>
+        <p:txBody>
+          <a:bodyPr>
+            <a:normAutofit/>
+          </a:bodyPr>
+          <a:lstStyle/>
+          <a:p>
+            <a:r>
+              <a:rPr lang="en-US" dirty="0"/>
+              <a:t>Order status</a:t>
+            </a:r>
+          </a:p>
+        </p:txBody>
+      </p:sp>
+      <p:sp>
+        <p:nvSpPr>
+          <p:cNvPr id="3" name="Text Placeholder 2">
+            <a:extLst>
+              <a:ext uri="{FF2B5EF4-FFF2-40B4-BE49-F238E27FC236}">
+                <a16:creationId xmlns:a16="http://schemas.microsoft.com/office/drawing/2014/main" id="{9D5232F9-FD00-464A-9F17-619C91AEF8F3}"/>
+              </a:ext>
+            </a:extLst>
+          </p:cNvPr>
+          <p:cNvSpPr>
+            <a:spLocks noGrp="1"/>
+          </p:cNvSpPr>
+          <p:nvPr>
+            <p:ph sz="half" idx="2"/>
+          </p:nvPr>
+        </p:nvSpPr>
+        <p:spPr>
+          <a:xfrm>
+            <a:off x="479161" y="2515021"/>
+            <a:ext cx="4028151" cy="1827958"/>
+          </a:xfrm>
+        </p:spPr>
+        <p:txBody>
+          <a:bodyPr>
+            <a:normAutofit/>
+          </a:bodyPr>
+          <a:lstStyle/>
+          <a:p>
+            <a:r>
+              <a:rPr lang="en-US" b="0" dirty="0"/>
+              <a:t>Regarding this chart we notice that </a:t>
+            </a:r>
+            <a:r>
+              <a:rPr lang="en-US" dirty="0"/>
+              <a:t>delivered</a:t>
+            </a:r>
+            <a:r>
+              <a:rPr lang="en-US" b="0" dirty="0"/>
+              <a:t> orders are increasing over time, supporting that the number of orders are increasing </a:t>
+            </a:r>
+          </a:p>
+        </p:txBody>
+      </p:sp>
+      <p:pic>
+        <p:nvPicPr>
+          <p:cNvPr id="7174" name="Picture 6">
+            <a:extLst>
+              <a:ext uri="{FF2B5EF4-FFF2-40B4-BE49-F238E27FC236}">
+                <a16:creationId xmlns:a16="http://schemas.microsoft.com/office/drawing/2014/main" id="{9CD5DFD4-7B99-17D9-FDE9-6044DBFC6B40}"/>
+              </a:ext>
+            </a:extLst>
+          </p:cNvPr>
+          <p:cNvPicPr>
+            <a:picLocks noChangeAspect="1" noChangeArrowheads="1"/>
+          </p:cNvPicPr>
+          <p:nvPr/>
+        </p:nvPicPr>
+        <p:blipFill>
+          <a:blip r:embed="rId3">
+            <a:extLst>
+              <a:ext uri="{28A0092B-C50C-407E-A947-70E740481C1C}">
+                <a14:useLocalDpi xmlns:a14="http://schemas.microsoft.com/office/drawing/2010/main" val="0"/>
+              </a:ext>
+            </a:extLst>
+          </a:blip>
+          <a:srcRect/>
+          <a:stretch>
+            <a:fillRect/>
+          </a:stretch>
+        </p:blipFill>
+        <p:spPr bwMode="auto">
+          <a:xfrm>
+            <a:off x="4630229" y="728367"/>
+            <a:ext cx="7561771" cy="5401265"/>
+          </a:xfrm>
+          <a:prstGeom prst="rect">
+            <a:avLst/>
+          </a:prstGeom>
+          <a:noFill/>
+          <a:extLst>
+            <a:ext uri="{909E8E84-426E-40DD-AFC4-6F175D3DCCD1}">
+              <a14:hiddenFill xmlns:a14="http://schemas.microsoft.com/office/drawing/2010/main">
+                <a:solidFill>
+                  <a:srgbClr val="FFFFFF"/>
+                </a:solidFill>
+              </a14:hiddenFill>
+            </a:ext>
+          </a:extLst>
+        </p:spPr>
+      </p:pic>
+    </p:spTree>
+    <p:extLst>
+      <p:ext uri="{BB962C8B-B14F-4D97-AF65-F5344CB8AC3E}">
+        <p14:creationId xmlns:p14="http://schemas.microsoft.com/office/powerpoint/2010/main" val="2020739787"/>
+      </p:ext>
+    </p:extLst>
+  </p:cSld>
+  <p:clrMapOvr>
+    <a:masterClrMapping/>
+  </p:clrMapOvr>
+  <p:timing>
+    <p:tnLst>
+      <p:par>
+        <p:cTn id="1" dur="indefinite" restart="never" nodeType="tmRoot">
+          <p:childTnLst>
+            <p:seq concurrent="1" nextAc="seek">
+              <p:cTn id="2" dur="indefinite" nodeType="mainSeq">
+                <p:childTnLst>
+                  <p:par>
+                    <p:cTn id="3" fill="hold">
+                      <p:stCondLst>
+                        <p:cond delay="indefinite"/>
+                      </p:stCondLst>
+                      <p:childTnLst>
+                        <p:par>
+                          <p:cTn id="4" fill="hold">
+                            <p:stCondLst>
+                              <p:cond delay="0"/>
+                            </p:stCondLst>
+                            <p:childTnLst>
+                              <p:par>
+                                <p:cTn id="5" presetID="10" presetClass="entr" presetSubtype="0" fill="hold" nodeType="clickEffect">
+                                  <p:stCondLst>
+                                    <p:cond delay="0"/>
+                                  </p:stCondLst>
+                                  <p:childTnLst>
+                                    <p:set>
+                                      <p:cBhvr>
+                                        <p:cTn id="6" dur="1" fill="hold">
+                                          <p:stCondLst>
+                                            <p:cond delay="0"/>
+                                          </p:stCondLst>
+                                        </p:cTn>
+                                        <p:tgtEl>
+                                          <p:spTgt spid="7174"/>
+                                        </p:tgtEl>
+                                        <p:attrNameLst>
+                                          <p:attrName>style.visibility</p:attrName>
+                                        </p:attrNameLst>
+                                      </p:cBhvr>
+                                      <p:to>
+                                        <p:strVal val="visible"/>
+                                      </p:to>
+                                    </p:set>
+                                    <p:animEffect transition="in" filter="fade">
+                                      <p:cBhvr>
+                                        <p:cTn id="7" dur="500"/>
+                                        <p:tgtEl>
+                                          <p:spTgt spid="7174"/>
+                                        </p:tgtEl>
+                                      </p:cBhvr>
+                                    </p:animEffect>
+                                  </p:childTnLst>
+                                </p:cTn>
+                              </p:par>
+                            </p:childTnLst>
+                          </p:cTn>
+                        </p:par>
+                      </p:childTnLst>
+                    </p:cTn>
+                  </p:par>
+                  <p:par>
+                    <p:cTn id="8" fill="hold">
+                      <p:stCondLst>
+                        <p:cond delay="indefinite"/>
+                      </p:stCondLst>
+                      <p:childTnLst>
+                        <p:par>
+                          <p:cTn id="9" fill="hold">
+                            <p:stCondLst>
+                              <p:cond delay="0"/>
+                            </p:stCondLst>
+                            <p:childTnLst>
+                              <p:par>
+                                <p:cTn id="10" presetID="10" presetClass="entr" presetSubtype="0" fill="hold" grpId="0" nodeType="clickEffect">
+                                  <p:stCondLst>
+                                    <p:cond delay="0"/>
+                                  </p:stCondLst>
+                                  <p:childTnLst>
+                                    <p:set>
+                                      <p:cBhvr>
+                                        <p:cTn id="11" dur="1" fill="hold">
+                                          <p:stCondLst>
+                                            <p:cond delay="0"/>
+                                          </p:stCondLst>
+                                        </p:cTn>
+                                        <p:tgtEl>
+                                          <p:spTgt spid="3">
+                                            <p:txEl>
+                                              <p:pRg st="0" end="0"/>
+                                            </p:txEl>
+                                          </p:spTgt>
+                                        </p:tgtEl>
+                                        <p:attrNameLst>
+                                          <p:attrName>style.visibility</p:attrName>
+                                        </p:attrNameLst>
+                                      </p:cBhvr>
+                                      <p:to>
+                                        <p:strVal val="visible"/>
+                                      </p:to>
+                                    </p:set>
+                                    <p:animEffect transition="in" filter="fade">
+                                      <p:cBhvr>
+                                        <p:cTn id="12" dur="500"/>
+                                        <p:tgtEl>
+                                          <p:spTgt spid="3">
+                                            <p:txEl>
+                                              <p:pRg st="0" end="0"/>
+                                            </p:txEl>
+                                          </p:spTgt>
+                                        </p:tgtEl>
+                                      </p:cBhvr>
+                                    </p:animEffect>
+                                  </p:childTnLst>
+                                </p:cTn>
+                              </p:par>
+                            </p:childTnLst>
+                          </p:cTn>
+                        </p:par>
+                      </p:childTnLst>
+                    </p:cTn>
+                  </p:par>
+                </p:childTnLst>
+              </p:cTn>
+              <p:prevCondLst>
+                <p:cond evt="onPrev" delay="0">
+                  <p:tgtEl>
+                    <p:sldTgt/>
+                  </p:tgtEl>
+                </p:cond>
+              </p:prevCondLst>
+              <p:nextCondLst>
+                <p:cond evt="onNext" delay="0">
+                  <p:tgtEl>
+                    <p:sldTgt/>
+                  </p:tgtEl>
+                </p:cond>
+              </p:nextCondLst>
+            </p:seq>
+          </p:childTnLst>
+        </p:cTn>
+      </p:par>
+    </p:tnLst>
+    <p:bldLst>
+      <p:bldP spid="3" grpId="0" build="p"/>
+    </p:bldLst>
+  </p:timing>
+</p:sld>
+</file>
+
+<file path=ppt/slides/slide8.xml><?xml version="1.0" encoding="utf-8"?>
+<p:sld xmlns:a="http://schemas.openxmlformats.org/drawingml/2006/main" xmlns:r="http://schemas.openxmlformats.org/officeDocument/2006/relationships" xmlns:p="http://schemas.openxmlformats.org/presentationml/2006/main">
+  <p:cSld>
+    <p:spTree>
+      <p:nvGrpSpPr>
+        <p:cNvPr id="1" name=""/>
+        <p:cNvGrpSpPr/>
+        <p:nvPr/>
+      </p:nvGrpSpPr>
+      <p:grpSpPr>
+        <a:xfrm>
+          <a:off x="0" y="0"/>
+          <a:ext cx="0" cy="0"/>
+          <a:chOff x="0" y="0"/>
+          <a:chExt cx="0" cy="0"/>
+        </a:xfrm>
+      </p:grpSpPr>
+      <p:sp>
+        <p:nvSpPr>
+          <p:cNvPr id="2" name="Title 1">
+            <a:extLst>
+              <a:ext uri="{FF2B5EF4-FFF2-40B4-BE49-F238E27FC236}">
+                <a16:creationId xmlns:a16="http://schemas.microsoft.com/office/drawing/2014/main" id="{0A32731C-311B-46F7-A865-6C3AF6B09A47}"/>
+              </a:ext>
+            </a:extLst>
+          </p:cNvPr>
+          <p:cNvSpPr>
+            <a:spLocks noGrp="1"/>
+          </p:cNvSpPr>
+          <p:nvPr>
+            <p:ph type="title"/>
+          </p:nvPr>
+        </p:nvSpPr>
+        <p:spPr>
+          <a:xfrm>
+            <a:off x="1684338" y="465826"/>
+            <a:ext cx="3603982" cy="770957"/>
+          </a:xfrm>
+        </p:spPr>
+        <p:txBody>
+          <a:bodyPr>
+            <a:normAutofit fontScale="90000"/>
+          </a:bodyPr>
+          <a:lstStyle/>
+          <a:p>
+            <a:r>
+              <a:rPr lang="en-US" dirty="0"/>
+              <a:t>Seasonality trend</a:t>
+            </a:r>
+          </a:p>
+        </p:txBody>
+      </p:sp>
+      <p:sp>
+        <p:nvSpPr>
+          <p:cNvPr id="3" name="Text Placeholder 2">
+            <a:extLst>
+              <a:ext uri="{FF2B5EF4-FFF2-40B4-BE49-F238E27FC236}">
+                <a16:creationId xmlns:a16="http://schemas.microsoft.com/office/drawing/2014/main" id="{9D5232F9-FD00-464A-9F17-619C91AEF8F3}"/>
+              </a:ext>
+            </a:extLst>
+          </p:cNvPr>
+          <p:cNvSpPr>
+            <a:spLocks noGrp="1"/>
+          </p:cNvSpPr>
+          <p:nvPr>
+            <p:ph sz="half" idx="2"/>
+          </p:nvPr>
+        </p:nvSpPr>
+        <p:spPr>
+          <a:xfrm>
+            <a:off x="479161" y="2515021"/>
+            <a:ext cx="4788652" cy="1827958"/>
+          </a:xfrm>
+        </p:spPr>
+        <p:txBody>
+          <a:bodyPr>
+            <a:normAutofit/>
+          </a:bodyPr>
+          <a:lstStyle/>
+          <a:p>
+            <a:r>
+              <a:rPr lang="en-US" b="0" dirty="0"/>
+              <a:t>This visual shows that there’s seasonal trend starting from March till August.</a:t>
+            </a:r>
+          </a:p>
+        </p:txBody>
+      </p:sp>
+      <p:pic>
+        <p:nvPicPr>
+          <p:cNvPr id="3076" name="Picture 4">
+            <a:extLst>
+              <a:ext uri="{FF2B5EF4-FFF2-40B4-BE49-F238E27FC236}">
+                <a16:creationId xmlns:a16="http://schemas.microsoft.com/office/drawing/2014/main" id="{8EC8E108-E0FB-40A1-E240-53A006EF72F0}"/>
+              </a:ext>
+            </a:extLst>
+          </p:cNvPr>
+          <p:cNvPicPr>
+            <a:picLocks noChangeAspect="1" noChangeArrowheads="1"/>
+          </p:cNvPicPr>
+          <p:nvPr/>
+        </p:nvPicPr>
+        <p:blipFill>
+          <a:blip r:embed="rId3">
+            <a:extLst>
+              <a:ext uri="{28A0092B-C50C-407E-A947-70E740481C1C}">
+                <a14:useLocalDpi xmlns:a14="http://schemas.microsoft.com/office/drawing/2010/main" val="0"/>
+              </a:ext>
+            </a:extLst>
+          </a:blip>
+          <a:srcRect/>
+          <a:stretch>
+            <a:fillRect/>
+          </a:stretch>
+        </p:blipFill>
+        <p:spPr bwMode="auto">
+          <a:xfrm>
+            <a:off x="5546785" y="1236783"/>
+            <a:ext cx="6349055" cy="4535039"/>
+          </a:xfrm>
+          <a:prstGeom prst="rect">
+            <a:avLst/>
+          </a:prstGeom>
+          <a:noFill/>
+          <a:extLst>
+            <a:ext uri="{909E8E84-426E-40DD-AFC4-6F175D3DCCD1}">
+              <a14:hiddenFill xmlns:a14="http://schemas.microsoft.com/office/drawing/2010/main">
+                <a:solidFill>
+                  <a:srgbClr val="FFFFFF"/>
+                </a:solidFill>
+              </a14:hiddenFill>
+            </a:ext>
+          </a:extLst>
+        </p:spPr>
+      </p:pic>
+    </p:spTree>
+    <p:extLst>
+      <p:ext uri="{BB962C8B-B14F-4D97-AF65-F5344CB8AC3E}">
+        <p14:creationId xmlns:p14="http://schemas.microsoft.com/office/powerpoint/2010/main" val="539509924"/>
+      </p:ext>
+    </p:extLst>
+  </p:cSld>
+  <p:clrMapOvr>
+    <a:masterClrMapping/>
+  </p:clrMapOvr>
+  <p:timing>
+    <p:tnLst>
+      <p:par>
+        <p:cTn id="1" dur="indefinite" restart="never" nodeType="tmRoot">
+          <p:childTnLst>
+            <p:seq concurrent="1" nextAc="seek">
+              <p:cTn id="2" dur="indefinite" nodeType="mainSeq">
+                <p:childTnLst>
+                  <p:par>
+                    <p:cTn id="3" fill="hold">
+                      <p:stCondLst>
+                        <p:cond delay="indefinite"/>
+                      </p:stCondLst>
+                      <p:childTnLst>
+                        <p:par>
+                          <p:cTn id="4" fill="hold">
+                            <p:stCondLst>
+                              <p:cond delay="0"/>
+                            </p:stCondLst>
+                            <p:childTnLst>
+                              <p:par>
+                                <p:cTn id="5" presetID="10" presetClass="entr" presetSubtype="0" fill="hold" nodeType="clickEffect">
+                                  <p:stCondLst>
+                                    <p:cond delay="0"/>
+                                  </p:stCondLst>
+                                  <p:childTnLst>
+                                    <p:set>
+                                      <p:cBhvr>
+                                        <p:cTn id="6" dur="1" fill="hold">
+                                          <p:stCondLst>
+                                            <p:cond delay="0"/>
+                                          </p:stCondLst>
+                                        </p:cTn>
+                                        <p:tgtEl>
+                                          <p:spTgt spid="3076"/>
+                                        </p:tgtEl>
+                                        <p:attrNameLst>
+                                          <p:attrName>style.visibility</p:attrName>
+                                        </p:attrNameLst>
+                                      </p:cBhvr>
+                                      <p:to>
+                                        <p:strVal val="visible"/>
+                                      </p:to>
+                                    </p:set>
+                                    <p:animEffect transition="in" filter="fade">
+                                      <p:cBhvr>
+                                        <p:cTn id="7" dur="500"/>
+                                        <p:tgtEl>
+                                          <p:spTgt spid="3076"/>
+                                        </p:tgtEl>
+                                      </p:cBhvr>
+                                    </p:animEffect>
+                                  </p:childTnLst>
+                                </p:cTn>
+                              </p:par>
+                            </p:childTnLst>
+                          </p:cTn>
+                        </p:par>
+                      </p:childTnLst>
+                    </p:cTn>
+                  </p:par>
+                  <p:par>
+                    <p:cTn id="8" fill="hold">
+                      <p:stCondLst>
+                        <p:cond delay="indefinite"/>
+                      </p:stCondLst>
+                      <p:childTnLst>
+                        <p:par>
+                          <p:cTn id="9" fill="hold">
+                            <p:stCondLst>
+                              <p:cond delay="0"/>
+                            </p:stCondLst>
+                            <p:childTnLst>
+                              <p:par>
+                                <p:cTn id="10" presetID="10" presetClass="entr" presetSubtype="0" fill="hold" grpId="0" nodeType="clickEffect">
+                                  <p:stCondLst>
+                                    <p:cond delay="0"/>
+                                  </p:stCondLst>
+                                  <p:childTnLst>
+                                    <p:set>
+                                      <p:cBhvr>
+                                        <p:cTn id="11" dur="1" fill="hold">
+                                          <p:stCondLst>
+                                            <p:cond delay="0"/>
+                                          </p:stCondLst>
+                                        </p:cTn>
+                                        <p:tgtEl>
+                                          <p:spTgt spid="3">
+                                            <p:txEl>
+                                              <p:pRg st="0" end="0"/>
+                                            </p:txEl>
+                                          </p:spTgt>
+                                        </p:tgtEl>
+                                        <p:attrNameLst>
+                                          <p:attrName>style.visibility</p:attrName>
+                                        </p:attrNameLst>
+                                      </p:cBhvr>
+                                      <p:to>
+                                        <p:strVal val="visible"/>
+                                      </p:to>
+                                    </p:set>
+                                    <p:animEffect transition="in" filter="fade">
+                                      <p:cBhvr>
+                                        <p:cTn id="12" dur="500"/>
+                                        <p:tgtEl>
+                                          <p:spTgt spid="3">
+                                            <p:txEl>
+                                              <p:pRg st="0" end="0"/>
+                                            </p:txEl>
+                                          </p:spTgt>
+                                        </p:tgtEl>
+                                      </p:cBhvr>
+                                    </p:animEffect>
+                                  </p:childTnLst>
+                                </p:cTn>
+                              </p:par>
+                            </p:childTnLst>
+                          </p:cTn>
+                        </p:par>
+                      </p:childTnLst>
+                    </p:cTn>
+                  </p:par>
+                </p:childTnLst>
+              </p:cTn>
+              <p:prevCondLst>
+                <p:cond evt="onPrev" delay="0">
+                  <p:tgtEl>
+                    <p:sldTgt/>
+                  </p:tgtEl>
+                </p:cond>
+              </p:prevCondLst>
+              <p:nextCondLst>
+                <p:cond evt="onNext" delay="0">
+                  <p:tgtEl>
+                    <p:sldTgt/>
+                  </p:tgtEl>
+                </p:cond>
+              </p:nextCondLst>
+            </p:seq>
+          </p:childTnLst>
+        </p:cTn>
+      </p:par>
+    </p:tnLst>
+    <p:bldLst>
+      <p:bldP spid="3" grpId="0" build="p"/>
+    </p:bldLst>
+  </p:timing>
+</p:sld>
+</file>
+
+<file path=ppt/slides/slide9.xml><?xml version="1.0" encoding="utf-8"?>
+<p:sld xmlns:a="http://schemas.openxmlformats.org/drawingml/2006/main" xmlns:r="http://schemas.openxmlformats.org/officeDocument/2006/relationships" xmlns:p="http://schemas.openxmlformats.org/presentationml/2006/main">
+  <p:cSld>
+    <p:spTree>
+      <p:nvGrpSpPr>
+        <p:cNvPr id="1" name=""/>
+        <p:cNvGrpSpPr/>
+        <p:nvPr/>
+      </p:nvGrpSpPr>
+      <p:grpSpPr>
+        <a:xfrm>
+          <a:off x="0" y="0"/>
+          <a:ext cx="0" cy="0"/>
+          <a:chOff x="0" y="0"/>
+          <a:chExt cx="0" cy="0"/>
+        </a:xfrm>
+      </p:grpSpPr>
+      <p:sp>
+        <p:nvSpPr>
+          <p:cNvPr id="2" name="Title 1">
+            <a:extLst>
+              <a:ext uri="{FF2B5EF4-FFF2-40B4-BE49-F238E27FC236}">
+                <a16:creationId xmlns:a16="http://schemas.microsoft.com/office/drawing/2014/main" id="{0A32731C-311B-46F7-A865-6C3AF6B09A47}"/>
+              </a:ext>
+            </a:extLst>
+          </p:cNvPr>
+          <p:cNvSpPr>
+            <a:spLocks noGrp="1"/>
+          </p:cNvSpPr>
+          <p:nvPr>
+            <p:ph type="title"/>
+          </p:nvPr>
+        </p:nvSpPr>
+        <p:spPr>
+          <a:xfrm>
+            <a:off x="1322387" y="662834"/>
+            <a:ext cx="3144837" cy="678724"/>
+          </a:xfrm>
+        </p:spPr>
+        <p:txBody>
+          <a:bodyPr>
+            <a:normAutofit fontScale="90000"/>
+          </a:bodyPr>
+          <a:lstStyle/>
+          <a:p>
+            <a:r>
+              <a:rPr lang="en-US" dirty="0"/>
+              <a:t>Most purchased products </a:t>
+            </a:r>
+          </a:p>
+        </p:txBody>
+      </p:sp>
+      <p:sp>
+        <p:nvSpPr>
+          <p:cNvPr id="3" name="Text Placeholder 2">
+            <a:extLst>
+              <a:ext uri="{FF2B5EF4-FFF2-40B4-BE49-F238E27FC236}">
+                <a16:creationId xmlns:a16="http://schemas.microsoft.com/office/drawing/2014/main" id="{9D5232F9-FD00-464A-9F17-619C91AEF8F3}"/>
+              </a:ext>
+            </a:extLst>
+          </p:cNvPr>
+          <p:cNvSpPr>
+            <a:spLocks noGrp="1"/>
+          </p:cNvSpPr>
+          <p:nvPr>
+            <p:ph sz="half" idx="2"/>
+          </p:nvPr>
+        </p:nvSpPr>
+        <p:spPr>
+          <a:xfrm>
+            <a:off x="479161" y="2515021"/>
+            <a:ext cx="4788652" cy="1827958"/>
+          </a:xfrm>
+        </p:spPr>
+        <p:txBody>
+          <a:bodyPr>
+            <a:normAutofit/>
+          </a:bodyPr>
+          <a:lstStyle/>
+          <a:p>
+            <a:r>
+              <a:rPr lang="en-US" b="0" dirty="0"/>
+              <a:t>The best-selling categories are related to home furniture, beauty products, and sports</a:t>
+            </a:r>
+          </a:p>
+        </p:txBody>
+      </p:sp>
+      <p:pic>
+        <p:nvPicPr>
+          <p:cNvPr id="4098" name="Picture 2">
+            <a:extLst>
+              <a:ext uri="{FF2B5EF4-FFF2-40B4-BE49-F238E27FC236}">
+                <a16:creationId xmlns:a16="http://schemas.microsoft.com/office/drawing/2014/main" id="{24B6F3BE-D01C-70F6-5D7D-001EAF96B56C}"/>
+              </a:ext>
+            </a:extLst>
+          </p:cNvPr>
+          <p:cNvPicPr>
+            <a:picLocks noChangeAspect="1" noChangeArrowheads="1"/>
+          </p:cNvPicPr>
+          <p:nvPr/>
+        </p:nvPicPr>
+        <p:blipFill>
+          <a:blip r:embed="rId3">
+            <a:extLst>
+              <a:ext uri="{28A0092B-C50C-407E-A947-70E740481C1C}">
+                <a14:useLocalDpi xmlns:a14="http://schemas.microsoft.com/office/drawing/2010/main" val="0"/>
+              </a:ext>
+            </a:extLst>
+          </a:blip>
+          <a:srcRect/>
+          <a:stretch>
+            <a:fillRect/>
+          </a:stretch>
+        </p:blipFill>
+        <p:spPr bwMode="auto">
+          <a:xfrm>
+            <a:off x="5532135" y="964731"/>
+            <a:ext cx="6426952" cy="4590680"/>
+          </a:xfrm>
+          <a:prstGeom prst="rect">
+            <a:avLst/>
+          </a:prstGeom>
+          <a:noFill/>
+          <a:extLst>
+            <a:ext uri="{909E8E84-426E-40DD-AFC4-6F175D3DCCD1}">
+              <a14:hiddenFill xmlns:a14="http://schemas.microsoft.com/office/drawing/2010/main">
+                <a:solidFill>
+                  <a:srgbClr val="FFFFFF"/>
+                </a:solidFill>
+              </a14:hiddenFill>
+            </a:ext>
+          </a:extLst>
+        </p:spPr>
+      </p:pic>
+    </p:spTree>
+    <p:extLst>
+      <p:ext uri="{BB962C8B-B14F-4D97-AF65-F5344CB8AC3E}">
+        <p14:creationId xmlns:p14="http://schemas.microsoft.com/office/powerpoint/2010/main" val="2641683259"/>
       </p:ext>
     </p:extLst>
   </p:cSld>
@@ -11488,6 +16363,26 @@
 </file>
 
 <file path=customXml/item1.xml><?xml version="1.0" encoding="utf-8"?>
+<p:properties xmlns:p="http://schemas.microsoft.com/office/2006/metadata/properties" xmlns:xsi="http://www.w3.org/2001/XMLSchema-instance" xmlns:pc="http://schemas.microsoft.com/office/infopath/2007/PartnerControls">
+  <documentManagement>
+    <_ip_UnifiedCompliancePolicyUIAction xmlns="http://schemas.microsoft.com/sharepoint/v3" xsi:nil="true"/>
+    <Image xmlns="71af3243-3dd4-4a8d-8c0d-dd76da1f02a5">
+      <Url xsi:nil="true"/>
+      <Description xsi:nil="true"/>
+    </Image>
+    <Status xmlns="71af3243-3dd4-4a8d-8c0d-dd76da1f02a5">Not started</Status>
+    <Background xmlns="71af3243-3dd4-4a8d-8c0d-dd76da1f02a5">false</Background>
+    <_ip_UnifiedCompliancePolicyProperties xmlns="http://schemas.microsoft.com/sharepoint/v3" xsi:nil="true"/>
+    <ImageTagsTaxHTField xmlns="71af3243-3dd4-4a8d-8c0d-dd76da1f02a5">
+      <Terms xmlns="http://schemas.microsoft.com/office/infopath/2007/PartnerControls"/>
+    </ImageTagsTaxHTField>
+    <TaxCatchAll xmlns="230e9df3-be65-4c73-a93b-d1236ebd677e" xsi:nil="true"/>
+    <MediaServiceKeyPoints xmlns="71af3243-3dd4-4a8d-8c0d-dd76da1f02a5" xsi:nil="true"/>
+  </documentManagement>
+</p:properties>
+</file>
+
+<file path=customXml/item2.xml><?xml version="1.0" encoding="utf-8"?>
 <ct:contentTypeSchema xmlns:ct="http://schemas.microsoft.com/office/2006/metadata/contentType" xmlns:ma="http://schemas.microsoft.com/office/2006/metadata/properties/metaAttributes" ct:_="" ma:_="" ma:contentTypeName="Document" ma:contentTypeID="0x01010079F111ED35F8CC479449609E8A0923A6" ma:contentTypeVersion="28" ma:contentTypeDescription="Create a new document." ma:contentTypeScope="" ma:versionID="60f5a4f2d2b0abadcf532d48ebf9cb71">
   <xsd:schema xmlns:xsd="http://www.w3.org/2001/XMLSchema" xmlns:xs="http://www.w3.org/2001/XMLSchema" xmlns:p="http://schemas.microsoft.com/office/2006/metadata/properties" xmlns:ns1="http://schemas.microsoft.com/sharepoint/v3" xmlns:ns2="71af3243-3dd4-4a8d-8c0d-dd76da1f02a5" xmlns:ns3="16c05727-aa75-4e4a-9b5f-8a80a1165891" xmlns:ns4="230e9df3-be65-4c73-a93b-d1236ebd677e" targetNamespace="http://schemas.microsoft.com/office/2006/metadata/properties" ma:root="true" ma:fieldsID="7dd78129e6a1811f84807ad11c651531" ns1:_="" ns2:_="" ns3:_="" ns4:_="">
     <xsd:import namespace="http://schemas.microsoft.com/sharepoint/v3"/>
@@ -11799,26 +16694,6 @@
 </ct:contentTypeSchema>
 </file>
 
-<file path=customXml/item2.xml><?xml version="1.0" encoding="utf-8"?>
-<p:properties xmlns:p="http://schemas.microsoft.com/office/2006/metadata/properties" xmlns:xsi="http://www.w3.org/2001/XMLSchema-instance" xmlns:pc="http://schemas.microsoft.com/office/infopath/2007/PartnerControls">
-  <documentManagement>
-    <_ip_UnifiedCompliancePolicyUIAction xmlns="http://schemas.microsoft.com/sharepoint/v3" xsi:nil="true"/>
-    <Image xmlns="71af3243-3dd4-4a8d-8c0d-dd76da1f02a5">
-      <Url xsi:nil="true"/>
-      <Description xsi:nil="true"/>
-    </Image>
-    <Status xmlns="71af3243-3dd4-4a8d-8c0d-dd76da1f02a5">Not started</Status>
-    <Background xmlns="71af3243-3dd4-4a8d-8c0d-dd76da1f02a5">false</Background>
-    <_ip_UnifiedCompliancePolicyProperties xmlns="http://schemas.microsoft.com/sharepoint/v3" xsi:nil="true"/>
-    <ImageTagsTaxHTField xmlns="71af3243-3dd4-4a8d-8c0d-dd76da1f02a5">
-      <Terms xmlns="http://schemas.microsoft.com/office/infopath/2007/PartnerControls"/>
-    </ImageTagsTaxHTField>
-    <TaxCatchAll xmlns="230e9df3-be65-4c73-a93b-d1236ebd677e" xsi:nil="true"/>
-    <MediaServiceKeyPoints xmlns="71af3243-3dd4-4a8d-8c0d-dd76da1f02a5" xsi:nil="true"/>
-  </documentManagement>
-</p:properties>
-</file>
-
 <file path=customXml/item3.xml><?xml version="1.0" encoding="utf-8"?>
 <?mso-contentType ?>
 <FormTemplates xmlns="http://schemas.microsoft.com/sharepoint/v3/contenttype/forms">
@@ -11829,6 +16704,25 @@
 </file>
 
 <file path=customXml/itemProps1.xml><?xml version="1.0" encoding="utf-8"?>
+<ds:datastoreItem xmlns:ds="http://schemas.openxmlformats.org/officeDocument/2006/customXml" ds:itemID="{49168DCE-134F-4610-A6AA-88CEBE8D71D2}">
+  <ds:schemaRefs>
+    <ds:schemaRef ds:uri="http://schemas.microsoft.com/office/2006/documentManagement/types"/>
+    <ds:schemaRef ds:uri="http://purl.org/dc/elements/1.1/"/>
+    <ds:schemaRef ds:uri="230e9df3-be65-4c73-a93b-d1236ebd677e"/>
+    <ds:schemaRef ds:uri="16c05727-aa75-4e4a-9b5f-8a80a1165891"/>
+    <ds:schemaRef ds:uri="http://www.w3.org/XML/1998/namespace"/>
+    <ds:schemaRef ds:uri="http://schemas.microsoft.com/office/2006/metadata/properties"/>
+    <ds:schemaRef ds:uri="http://schemas.microsoft.com/office/infopath/2007/PartnerControls"/>
+    <ds:schemaRef ds:uri="71af3243-3dd4-4a8d-8c0d-dd76da1f02a5"/>
+    <ds:schemaRef ds:uri="http://purl.org/dc/dcmitype/"/>
+    <ds:schemaRef ds:uri="http://schemas.openxmlformats.org/package/2006/metadata/core-properties"/>
+    <ds:schemaRef ds:uri="http://schemas.microsoft.com/sharepoint/v3"/>
+    <ds:schemaRef ds:uri="http://purl.org/dc/terms/"/>
+  </ds:schemaRefs>
+</ds:datastoreItem>
+</file>
+
+<file path=customXml/itemProps2.xml><?xml version="1.0" encoding="utf-8"?>
 <ds:datastoreItem xmlns:ds="http://schemas.openxmlformats.org/officeDocument/2006/customXml" ds:itemID="{5EDE3176-A15D-46A3-BDDB-64A0D7363224}">
   <ds:schemaRefs>
     <ds:schemaRef ds:uri="http://schemas.microsoft.com/office/2006/metadata/contentType"/>
@@ -11849,25 +16743,6 @@
 </ds:datastoreItem>
 </file>
 
-<file path=customXml/itemProps2.xml><?xml version="1.0" encoding="utf-8"?>
-<ds:datastoreItem xmlns:ds="http://schemas.openxmlformats.org/officeDocument/2006/customXml" ds:itemID="{49168DCE-134F-4610-A6AA-88CEBE8D71D2}">
-  <ds:schemaRefs>
-    <ds:schemaRef ds:uri="http://schemas.microsoft.com/office/2006/documentManagement/types"/>
-    <ds:schemaRef ds:uri="http://purl.org/dc/elements/1.1/"/>
-    <ds:schemaRef ds:uri="230e9df3-be65-4c73-a93b-d1236ebd677e"/>
-    <ds:schemaRef ds:uri="16c05727-aa75-4e4a-9b5f-8a80a1165891"/>
-    <ds:schemaRef ds:uri="http://www.w3.org/XML/1998/namespace"/>
-    <ds:schemaRef ds:uri="http://schemas.microsoft.com/office/2006/metadata/properties"/>
-    <ds:schemaRef ds:uri="http://schemas.microsoft.com/office/infopath/2007/PartnerControls"/>
-    <ds:schemaRef ds:uri="71af3243-3dd4-4a8d-8c0d-dd76da1f02a5"/>
-    <ds:schemaRef ds:uri="http://purl.org/dc/dcmitype/"/>
-    <ds:schemaRef ds:uri="http://schemas.openxmlformats.org/package/2006/metadata/core-properties"/>
-    <ds:schemaRef ds:uri="http://schemas.microsoft.com/sharepoint/v3"/>
-    <ds:schemaRef ds:uri="http://purl.org/dc/terms/"/>
-  </ds:schemaRefs>
-</ds:datastoreItem>
-</file>
-
 <file path=customXml/itemProps3.xml><?xml version="1.0" encoding="utf-8"?>
 <ds:datastoreItem xmlns:ds="http://schemas.openxmlformats.org/officeDocument/2006/customXml" ds:itemID="{CABF691C-888B-4061-8A6F-D5CE84A0254B}">
   <ds:schemaRefs>
